--- a/doc/presentations/20141107_NITRO-Competitions_CTS-AMIA.pptx
+++ b/doc/presentations/20141107_NITRO-Competitions_CTS-AMIA.pptx
@@ -8585,17 +8585,17 @@
           </a:prstGeom>
         </p:spPr>
         <p:style>
-          <a:lnRef idx="3">
-            <a:schemeClr val="lt1"/>
+          <a:lnRef idx="1">
+            <a:schemeClr val="dk1"/>
           </a:lnRef>
-          <a:fillRef idx="1">
+          <a:fillRef idx="2">
             <a:schemeClr val="dk1"/>
           </a:fillRef>
           <a:effectRef idx="1">
             <a:schemeClr val="dk1"/>
           </a:effectRef>
           <a:fontRef idx="minor">
-            <a:schemeClr val="lt1"/>
+            <a:schemeClr val="dk1"/>
           </a:fontRef>
         </p:style>
         <p:txBody>
@@ -8611,7 +8611,7 @@
                   </a:schemeClr>
                 </a:solidFill>
               </a:rPr>
-              <a:t>Oauth</a:t>
+              <a:t>OAuth</a:t>
             </a:r>
             <a:r>
               <a:rPr lang="en-US" sz="1200" i="1" dirty="0" smtClean="0">
@@ -8621,7 +8621,17 @@
                   </a:schemeClr>
                 </a:solidFill>
               </a:rPr>
-              <a:t> Provider</a:t>
+              <a:t> </a:t>
+            </a:r>
+            <a:r>
+              <a:rPr lang="en-US" sz="1200" i="1" dirty="0" smtClean="0">
+                <a:solidFill>
+                  <a:schemeClr val="bg1">
+                    <a:lumMod val="75000"/>
+                  </a:schemeClr>
+                </a:solidFill>
+              </a:rPr>
+              <a:t>Provider</a:t>
             </a:r>
             <a:endParaRPr lang="en-US" sz="1200" i="1" dirty="0">
               <a:solidFill>
@@ -10091,17 +10101,17 @@
           </a:prstGeom>
         </p:spPr>
         <p:style>
-          <a:lnRef idx="3">
-            <a:schemeClr val="lt1"/>
+          <a:lnRef idx="1">
+            <a:schemeClr val="dk1"/>
           </a:lnRef>
-          <a:fillRef idx="1">
+          <a:fillRef idx="2">
             <a:schemeClr val="dk1"/>
           </a:fillRef>
           <a:effectRef idx="1">
             <a:schemeClr val="dk1"/>
           </a:effectRef>
           <a:fontRef idx="minor">
-            <a:schemeClr val="lt1"/>
+            <a:schemeClr val="dk1"/>
           </a:fontRef>
         </p:style>
         <p:txBody>
@@ -10115,7 +10125,7 @@
                   <a:srgbClr val="BFBFBF"/>
                 </a:solidFill>
               </a:rPr>
-              <a:t>Oauth</a:t>
+              <a:t>OAuth</a:t>
             </a:r>
             <a:r>
               <a:rPr lang="en-US" sz="1200" i="1" dirty="0" smtClean="0">
@@ -10123,7 +10133,15 @@
                   <a:srgbClr val="BFBFBF"/>
                 </a:solidFill>
               </a:rPr>
-              <a:t> Provider</a:t>
+              <a:t> </a:t>
+            </a:r>
+            <a:r>
+              <a:rPr lang="en-US" sz="1200" i="1" dirty="0" smtClean="0">
+                <a:solidFill>
+                  <a:srgbClr val="BFBFBF"/>
+                </a:solidFill>
+              </a:rPr>
+              <a:t>Provider</a:t>
             </a:r>
             <a:endParaRPr lang="en-US" sz="1200" i="1" dirty="0">
               <a:solidFill>
@@ -11570,17 +11588,17 @@
           </a:prstGeom>
         </p:spPr>
         <p:style>
-          <a:lnRef idx="3">
-            <a:schemeClr val="lt1"/>
+          <a:lnRef idx="1">
+            <a:schemeClr val="dk1"/>
           </a:lnRef>
-          <a:fillRef idx="1">
+          <a:fillRef idx="2">
             <a:schemeClr val="dk1"/>
           </a:fillRef>
           <a:effectRef idx="1">
             <a:schemeClr val="dk1"/>
           </a:effectRef>
           <a:fontRef idx="minor">
-            <a:schemeClr val="lt1"/>
+            <a:schemeClr val="dk1"/>
           </a:fontRef>
         </p:style>
         <p:txBody>
@@ -11589,14 +11607,18 @@
           <a:p>
             <a:pPr algn="ctr"/>
             <a:r>
-              <a:rPr lang="en-US" sz="1200" b="1" dirty="0" err="1" smtClean="0"/>
-              <a:t>Oauth</a:t>
-            </a:r>
-            <a:r>
-              <a:rPr lang="en-US" sz="1200" b="1" dirty="0" smtClean="0"/>
-              <a:t> Provider</a:t>
-            </a:r>
-            <a:endParaRPr lang="en-US" sz="1200" b="1" dirty="0"/>
+              <a:rPr lang="en-US" sz="1200" b="1" i="1" dirty="0" err="1" smtClean="0"/>
+              <a:t>OAuth</a:t>
+            </a:r>
+            <a:r>
+              <a:rPr lang="en-US" sz="1200" b="1" i="1" dirty="0" smtClean="0"/>
+              <a:t> </a:t>
+            </a:r>
+            <a:r>
+              <a:rPr lang="en-US" sz="1200" b="1" i="1" dirty="0" smtClean="0"/>
+              <a:t>Provider</a:t>
+            </a:r>
+            <a:endParaRPr lang="en-US" sz="1200" b="1" i="1" dirty="0"/>
           </a:p>
         </p:txBody>
       </p:sp>
@@ -12151,7 +12173,23 @@
                   <a:srgbClr val="7F7F7F"/>
                 </a:solidFill>
               </a:rPr>
-              <a:t>NITRO-Competitions also handles various other legacy authentication mechanisms</a:t>
+              <a:t>NITRO-Competitions </a:t>
+            </a:r>
+            <a:r>
+              <a:rPr lang="en-US" sz="2000" dirty="0" smtClean="0">
+                <a:solidFill>
+                  <a:srgbClr val="7F7F7F"/>
+                </a:solidFill>
+              </a:rPr>
+              <a:t>supports </a:t>
+            </a:r>
+            <a:r>
+              <a:rPr lang="en-US" sz="2000" dirty="0" smtClean="0">
+                <a:solidFill>
+                  <a:srgbClr val="7F7F7F"/>
+                </a:solidFill>
+              </a:rPr>
+              <a:t>other legacy authentication mechanisms</a:t>
             </a:r>
           </a:p>
           <a:p>
@@ -12595,7 +12633,7 @@
             <a:pPr marL="0" indent="0" algn="ctr">
               <a:buNone/>
             </a:pPr>
-            <a:endParaRPr lang="en-US" dirty="0" smtClean="0"/>
+            <a:endParaRPr lang="en-US" sz="1200" dirty="0" smtClean="0"/>
           </a:p>
           <a:p>
             <a:r>
@@ -12607,22 +12645,44 @@
             <a:pPr lvl="1"/>
             <a:r>
               <a:rPr lang="en-US" sz="1800" dirty="0" smtClean="0"/>
-              <a:t>Sponsor Administrators</a:t>
-            </a:r>
+              <a:t>Sponsor </a:t>
+            </a:r>
+            <a:r>
+              <a:rPr lang="en-US" sz="1800" dirty="0" smtClean="0"/>
+              <a:t>Administrators </a:t>
+            </a:r>
+            <a:r>
+              <a:rPr lang="en-US" sz="1800" i="1" dirty="0" smtClean="0"/>
+              <a:t>(admin)</a:t>
+            </a:r>
+            <a:endParaRPr lang="en-US" sz="1800" dirty="0" smtClean="0"/>
           </a:p>
           <a:p>
             <a:pPr lvl="1"/>
             <a:r>
               <a:rPr lang="en-US" sz="1800" dirty="0" smtClean="0"/>
-              <a:t>Applicants</a:t>
-            </a:r>
+              <a:t>Applicants </a:t>
+            </a:r>
+            <a:r>
+              <a:rPr lang="en-US" sz="1800" i="1" dirty="0" smtClean="0"/>
+              <a:t>(user)</a:t>
+            </a:r>
+            <a:endParaRPr lang="en-US" sz="1800" dirty="0" smtClean="0"/>
           </a:p>
           <a:p>
             <a:pPr lvl="1"/>
             <a:r>
               <a:rPr lang="en-US" sz="1800" dirty="0" smtClean="0"/>
-              <a:t>Reviewers</a:t>
-            </a:r>
+              <a:t>Reviewers </a:t>
+            </a:r>
+            <a:r>
+              <a:rPr lang="en-US" sz="1800" i="1" dirty="0" smtClean="0"/>
+              <a:t>(reviewer)</a:t>
+            </a:r>
+          </a:p>
+          <a:p>
+            <a:pPr lvl="1"/>
+            <a:endParaRPr lang="en-US" sz="1800" dirty="0" smtClean="0"/>
           </a:p>
           <a:p>
             <a:r>
@@ -13216,7 +13276,7 @@
         </p:nvSpPr>
         <p:spPr>
           <a:xfrm>
-            <a:off x="3573518" y="2858838"/>
+            <a:off x="3745710" y="2858838"/>
             <a:ext cx="1532759" cy="627119"/>
           </a:xfrm>
           <a:prstGeom prst="roundRect">
@@ -13258,7 +13318,7 @@
         </p:nvSpPr>
         <p:spPr>
           <a:xfrm>
-            <a:off x="4983657" y="4713966"/>
+            <a:off x="5155849" y="4713966"/>
             <a:ext cx="1129144" cy="529027"/>
           </a:xfrm>
           <a:prstGeom prst="ellipse">
@@ -13300,7 +13360,7 @@
         </p:nvSpPr>
         <p:spPr>
           <a:xfrm>
-            <a:off x="3766213" y="4724426"/>
+            <a:off x="3938405" y="4724426"/>
             <a:ext cx="1129144" cy="529027"/>
           </a:xfrm>
           <a:prstGeom prst="ellipse">
@@ -13346,7 +13406,7 @@
         <p:spPr>
           <a:xfrm flipV="1">
             <a:off x="3053121" y="3172398"/>
-            <a:ext cx="520397" cy="1865588"/>
+            <a:ext cx="692589" cy="1865588"/>
           </a:xfrm>
           <a:prstGeom prst="bentConnector3">
             <a:avLst/>
@@ -13381,7 +13441,7 @@
         </p:nvCxnSpPr>
         <p:spPr>
           <a:xfrm flipH="1">
-            <a:off x="4330785" y="3485957"/>
+            <a:off x="4502977" y="3485957"/>
             <a:ext cx="9113" cy="1238469"/>
           </a:xfrm>
           <a:prstGeom prst="straightConnector1">
@@ -13417,7 +13477,7 @@
         </p:nvCxnSpPr>
         <p:spPr>
           <a:xfrm>
-            <a:off x="4339898" y="3485957"/>
+            <a:off x="4512090" y="3485957"/>
             <a:ext cx="1208331" cy="1228009"/>
           </a:xfrm>
           <a:prstGeom prst="straightConnector1">
@@ -13446,17 +13506,17 @@
         <p:nvCxnSpPr>
           <p:cNvPr id="46" name="Elbow Connector 45"/>
           <p:cNvCxnSpPr>
-            <a:stCxn id="31" idx="6"/>
+            <a:stCxn id="31" idx="7"/>
             <a:endCxn id="22" idx="1"/>
           </p:cNvCxnSpPr>
           <p:nvPr/>
         </p:nvCxnSpPr>
         <p:spPr>
-          <a:xfrm flipV="1">
-            <a:off x="6112801" y="3112838"/>
-            <a:ext cx="333549" cy="1865642"/>
-          </a:xfrm>
-          <a:prstGeom prst="bentConnector3">
+          <a:xfrm rot="5400000" flipH="1" flipV="1">
+            <a:off x="5443691" y="3788781"/>
+            <a:ext cx="1678602" cy="326716"/>
+          </a:xfrm>
+          <a:prstGeom prst="bentConnector2">
             <a:avLst/>
           </a:prstGeom>
           <a:ln>
@@ -13960,7 +14020,7 @@
             </a:pPr>
             <a:r>
               <a:rPr lang="en-US" sz="6000" dirty="0" smtClean="0"/>
-              <a:t>&lt;DEMO HERE&gt;</a:t>
+              <a:t>&lt; DEMO HERE /&gt;</a:t>
             </a:r>
             <a:endParaRPr lang="en-US" sz="6000" dirty="0"/>
           </a:p>
@@ -14093,7 +14153,7 @@
             <a:pPr marL="0" indent="0" algn="ctr">
               <a:buNone/>
             </a:pPr>
-            <a:endParaRPr lang="en-US" dirty="0"/>
+            <a:endParaRPr lang="en-US" sz="1200" dirty="0"/>
           </a:p>
           <a:p>
             <a:r>
@@ -14112,15 +14172,22 @@
             <a:pPr lvl="1"/>
             <a:r>
               <a:rPr lang="en-US" sz="2000" dirty="0" smtClean="0"/>
-              <a:t>Demo environment</a:t>
-            </a:r>
+              <a:t>Demo </a:t>
+            </a:r>
+            <a:r>
+              <a:rPr lang="en-US" sz="2000" dirty="0" smtClean="0"/>
+              <a:t>environment</a:t>
+            </a:r>
+          </a:p>
+          <a:p>
+            <a:pPr lvl="1"/>
+            <a:endParaRPr lang="en-US" sz="2000" dirty="0" smtClean="0"/>
           </a:p>
           <a:p>
             <a:r>
               <a:rPr lang="en-US" sz="2400" dirty="0" smtClean="0"/>
               <a:t>Anecdote 2 </a:t>
             </a:r>
-            <a:endParaRPr lang="en-US" sz="2400" dirty="0" smtClean="0"/>
           </a:p>
           <a:p>
             <a:pPr lvl="1"/>
@@ -14412,44 +14479,49 @@
             <a:endParaRPr lang="en-US" dirty="0"/>
           </a:p>
           <a:p>
-            <a:pPr marL="0" indent="0" algn="ctr">
-              <a:buNone/>
-            </a:pPr>
             <a:r>
               <a:rPr lang="en-US" sz="2800" dirty="0" smtClean="0"/>
-              <a:t>This application does not handle funds transfer</a:t>
-            </a:r>
-          </a:p>
-          <a:p>
-            <a:pPr marL="0" indent="0" algn="ctr">
-              <a:buNone/>
-            </a:pPr>
+              <a:t>At the </a:t>
+            </a:r>
+            <a:r>
+              <a:rPr lang="en-US" sz="2800" dirty="0" smtClean="0"/>
+              <a:t>end of the </a:t>
+            </a:r>
+            <a:r>
+              <a:rPr lang="en-US" sz="2800" dirty="0" smtClean="0"/>
+              <a:t>Review Period</a:t>
+            </a:r>
+          </a:p>
+          <a:p>
+            <a:r>
+              <a:rPr lang="en-US" sz="2800" dirty="0" smtClean="0"/>
+              <a:t>NITRO-Competitions </a:t>
+            </a:r>
+            <a:r>
+              <a:rPr lang="en-US" sz="2800" dirty="0" smtClean="0"/>
+              <a:t>does not handle funds </a:t>
+            </a:r>
+            <a:r>
+              <a:rPr lang="en-US" sz="2800" dirty="0" smtClean="0"/>
+              <a:t>transfer</a:t>
+            </a:r>
             <a:endParaRPr lang="en-US" sz="2800" dirty="0"/>
           </a:p>
           <a:p>
-            <a:pPr marL="0" indent="0" algn="ctr">
-              <a:buNone/>
-            </a:pPr>
             <a:r>
               <a:rPr lang="en-US" sz="2800" dirty="0" smtClean="0"/>
-              <a:t>NU-</a:t>
-            </a:r>
-            <a:r>
-              <a:rPr lang="en-US" sz="2800" dirty="0" smtClean="0"/>
-              <a:t>Core</a:t>
-            </a:r>
-          </a:p>
-          <a:p>
-            <a:pPr marL="0" indent="0" algn="ctr">
-              <a:buNone/>
-            </a:pPr>
-            <a:r>
-              <a:rPr lang="en-US" sz="2800" u="sng" dirty="0">
+              <a:t>NU-Core</a:t>
+            </a:r>
+          </a:p>
+          <a:p>
+            <a:pPr lvl="1"/>
+            <a:r>
+              <a:rPr lang="en-US" sz="2400" u="sng" dirty="0">
                 <a:hlinkClick r:id="rId2"/>
               </a:rPr>
               <a:t>https://github.com/tablexi/nucore-open</a:t>
             </a:r>
-            <a:endParaRPr lang="en-US" sz="2800" dirty="0" smtClean="0"/>
+            <a:endParaRPr lang="en-US" sz="2400" dirty="0" smtClean="0"/>
           </a:p>
           <a:p>
             <a:pPr marL="0" indent="0" algn="ctr">
@@ -20995,7 +21067,7 @@
                 <a:latin typeface="Calibri"/>
                 <a:ea typeface="+mn-ea"/>
               </a:rPr>
-              <a:t>Kyako</a:t>
+              <a:t>Kayako</a:t>
             </a:r>
             <a:r>
               <a:rPr lang="en-US" sz="1050" b="1" dirty="0" smtClean="0">
@@ -21005,7 +21077,17 @@
                 <a:latin typeface="Calibri"/>
                 <a:ea typeface="+mn-ea"/>
               </a:rPr>
-              <a:t> Ticket Tracking</a:t>
+              <a:t> </a:t>
+            </a:r>
+            <a:r>
+              <a:rPr lang="en-US" sz="1050" b="1" dirty="0" smtClean="0">
+                <a:solidFill>
+                  <a:prstClr val="black"/>
+                </a:solidFill>
+                <a:latin typeface="Calibri"/>
+                <a:ea typeface="+mn-ea"/>
+              </a:rPr>
+              <a:t>Ticket Tracking</a:t>
             </a:r>
             <a:endParaRPr lang="en-US" sz="1050" b="1" dirty="0">
               <a:solidFill>
@@ -22022,7 +22104,15 @@
             </a:r>
             <a:r>
               <a:rPr lang="en-US" b="1" dirty="0" smtClean="0"/>
-              <a:t>and Review,</a:t>
+              <a:t>and </a:t>
+            </a:r>
+            <a:r>
+              <a:rPr lang="en-US" b="1" dirty="0" smtClean="0"/>
+              <a:t>Review</a:t>
+            </a:r>
+            <a:r>
+              <a:rPr lang="en-US" b="1" dirty="0" smtClean="0"/>
+              <a:t/>
             </a:r>
             <a:br>
               <a:rPr lang="en-US" b="1" dirty="0" smtClean="0"/>
@@ -22258,7 +22348,15 @@
             </a:pPr>
             <a:r>
               <a:rPr lang="en-US" dirty="0" smtClean="0"/>
-              <a:t>The funding competition workflow styled after the NIH </a:t>
+              <a:t>The funding competition workflow </a:t>
+            </a:r>
+            <a:r>
+              <a:rPr lang="en-US" dirty="0" smtClean="0"/>
+              <a:t>is styled </a:t>
+            </a:r>
+            <a:r>
+              <a:rPr lang="en-US" dirty="0" smtClean="0"/>
+              <a:t>after the NIH </a:t>
             </a:r>
             <a:r>
               <a:rPr lang="en-US" dirty="0" err="1" smtClean="0"/>
@@ -22492,7 +22590,10 @@
             </a:r>
           </a:p>
           <a:p>
-            <a:endParaRPr lang="en-US" sz="1800" dirty="0"/>
+            <a:pPr marL="0" indent="0">
+              <a:buNone/>
+            </a:pPr>
+            <a:endParaRPr lang="en-US" sz="1800" dirty="0" smtClean="0"/>
           </a:p>
         </p:txBody>
       </p:sp>
@@ -23672,17 +23773,17 @@
           </a:prstGeom>
         </p:spPr>
         <p:style>
-          <a:lnRef idx="3">
-            <a:schemeClr val="lt1"/>
+          <a:lnRef idx="1">
+            <a:schemeClr val="dk1"/>
           </a:lnRef>
-          <a:fillRef idx="1">
+          <a:fillRef idx="2">
             <a:schemeClr val="dk1"/>
           </a:fillRef>
           <a:effectRef idx="1">
             <a:schemeClr val="dk1"/>
           </a:effectRef>
           <a:fontRef idx="minor">
-            <a:schemeClr val="lt1"/>
+            <a:schemeClr val="dk1"/>
           </a:fontRef>
         </p:style>
         <p:txBody>
@@ -23691,14 +23792,18 @@
           <a:p>
             <a:pPr algn="ctr"/>
             <a:r>
-              <a:rPr lang="en-US" sz="1200" dirty="0" err="1" smtClean="0"/>
-              <a:t>Oauth</a:t>
-            </a:r>
-            <a:r>
-              <a:rPr lang="en-US" sz="1200" dirty="0" smtClean="0"/>
-              <a:t> Provider</a:t>
-            </a:r>
-            <a:endParaRPr lang="en-US" sz="1200" dirty="0"/>
+              <a:rPr lang="en-US" sz="1200" i="1" dirty="0" err="1" smtClean="0"/>
+              <a:t>OAuth</a:t>
+            </a:r>
+            <a:r>
+              <a:rPr lang="en-US" sz="1200" i="1" dirty="0" smtClean="0"/>
+              <a:t> </a:t>
+            </a:r>
+            <a:r>
+              <a:rPr lang="en-US" sz="1200" i="1" dirty="0" smtClean="0"/>
+              <a:t>Provider</a:t>
+            </a:r>
+            <a:endParaRPr lang="en-US" sz="1200" i="1" dirty="0"/>
           </a:p>
         </p:txBody>
       </p:sp>

--- a/doc/presentations/20141107_NITRO-Competitions_CTS-AMIA.pptx
+++ b/doc/presentations/20141107_NITRO-Competitions_CTS-AMIA.pptx
@@ -6,34 +6,35 @@
     <p:sldMasterId id="2147483680" r:id="rId2"/>
   </p:sldMasterIdLst>
   <p:notesMasterIdLst>
-    <p:notesMasterId r:id="rId28"/>
+    <p:notesMasterId r:id="rId29"/>
   </p:notesMasterIdLst>
   <p:sldIdLst>
     <p:sldId id="256" r:id="rId3"/>
-    <p:sldId id="259" r:id="rId4"/>
-    <p:sldId id="263" r:id="rId5"/>
-    <p:sldId id="264" r:id="rId6"/>
-    <p:sldId id="295" r:id="rId7"/>
-    <p:sldId id="279" r:id="rId8"/>
-    <p:sldId id="281" r:id="rId9"/>
-    <p:sldId id="280" r:id="rId10"/>
-    <p:sldId id="284" r:id="rId11"/>
-    <p:sldId id="288" r:id="rId12"/>
-    <p:sldId id="278" r:id="rId13"/>
-    <p:sldId id="289" r:id="rId14"/>
-    <p:sldId id="285" r:id="rId15"/>
-    <p:sldId id="290" r:id="rId16"/>
-    <p:sldId id="286" r:id="rId17"/>
-    <p:sldId id="270" r:id="rId18"/>
-    <p:sldId id="269" r:id="rId19"/>
-    <p:sldId id="272" r:id="rId20"/>
-    <p:sldId id="283" r:id="rId21"/>
-    <p:sldId id="292" r:id="rId22"/>
-    <p:sldId id="296" r:id="rId23"/>
-    <p:sldId id="291" r:id="rId24"/>
-    <p:sldId id="293" r:id="rId25"/>
-    <p:sldId id="262" r:id="rId26"/>
-    <p:sldId id="297" r:id="rId27"/>
+    <p:sldId id="298" r:id="rId4"/>
+    <p:sldId id="269" r:id="rId5"/>
+    <p:sldId id="259" r:id="rId6"/>
+    <p:sldId id="263" r:id="rId7"/>
+    <p:sldId id="264" r:id="rId8"/>
+    <p:sldId id="295" r:id="rId9"/>
+    <p:sldId id="279" r:id="rId10"/>
+    <p:sldId id="281" r:id="rId11"/>
+    <p:sldId id="280" r:id="rId12"/>
+    <p:sldId id="284" r:id="rId13"/>
+    <p:sldId id="288" r:id="rId14"/>
+    <p:sldId id="278" r:id="rId15"/>
+    <p:sldId id="289" r:id="rId16"/>
+    <p:sldId id="285" r:id="rId17"/>
+    <p:sldId id="290" r:id="rId18"/>
+    <p:sldId id="286" r:id="rId19"/>
+    <p:sldId id="270" r:id="rId20"/>
+    <p:sldId id="272" r:id="rId21"/>
+    <p:sldId id="283" r:id="rId22"/>
+    <p:sldId id="292" r:id="rId23"/>
+    <p:sldId id="296" r:id="rId24"/>
+    <p:sldId id="291" r:id="rId25"/>
+    <p:sldId id="293" r:id="rId26"/>
+    <p:sldId id="262" r:id="rId27"/>
+    <p:sldId id="297" r:id="rId28"/>
   </p:sldIdLst>
   <p:sldSz cx="9144000" cy="6858000" type="screen4x3"/>
   <p:notesSz cx="6858000" cy="9144000"/>
@@ -169,16 +170,6 @@
 <p:cmAuthorLst xmlns:a="http://schemas.openxmlformats.org/drawingml/2006/main" xmlns:r="http://schemas.openxmlformats.org/officeDocument/2006/relationships" xmlns:p="http://schemas.openxmlformats.org/presentationml/2006/main">
   <p:cmAuthor id="0" name="Justin Starren" initials="JBS" lastIdx="1" clrIdx="0"/>
 </p:cmAuthorLst>
-</file>
-
-<file path=ppt/comments/comment1.xml><?xml version="1.0" encoding="utf-8"?>
-<p:cmLst xmlns:a="http://schemas.openxmlformats.org/drawingml/2006/main" xmlns:r="http://schemas.openxmlformats.org/officeDocument/2006/relationships" xmlns:p="http://schemas.openxmlformats.org/presentationml/2006/main">
-  <p:cm authorId="0" dt="2014-11-06T16:34:43.134" idx="1">
-    <p:pos x="4176" y="2079"/>
-    <p:text>dont show email
-Add hours and dollars as bullets</p:text>
-  </p:cm>
-</p:cmLst>
 </file>
 
 <file path=ppt/notesMasters/notesMaster1.xml><?xml version="1.0" encoding="utf-8"?>
@@ -7458,28 +7449,8 @@
               <a:t>            </a:t>
             </a:r>
             <a:r>
-              <a:rPr lang="en-US" sz="2000" b="1" i="1" dirty="0" smtClean="0">
-                <a:solidFill>
-                  <a:srgbClr val="BFBFBF"/>
-                </a:solidFill>
-              </a:rPr>
-              <a:t>Authentication</a:t>
-            </a:r>
-            <a:r>
               <a:rPr lang="en-US" sz="2000" b="1" dirty="0" smtClean="0"/>
-              <a:t>		   	              </a:t>
-            </a:r>
-            <a:r>
-              <a:rPr lang="en-US" sz="2000" b="1" i="1" dirty="0" smtClean="0">
-                <a:solidFill>
-                  <a:srgbClr val="BFBFBF"/>
-                </a:solidFill>
-              </a:rPr>
-              <a:t>Application</a:t>
-            </a:r>
-            <a:r>
-              <a:rPr lang="en-US" sz="2000" b="1" dirty="0" smtClean="0"/>
-              <a:t>				   Database</a:t>
+              <a:t>Authentication		   	              Application				   Database</a:t>
             </a:r>
           </a:p>
         </p:txBody>
@@ -7549,14 +7520,14 @@
           <a:p>
             <a:pPr algn="ctr"/>
             <a:r>
-              <a:rPr lang="en-US" b="1" dirty="0" err="1" smtClean="0">
+              <a:rPr lang="en-US" dirty="0" err="1" smtClean="0">
                 <a:solidFill>
                   <a:schemeClr val="tx1"/>
                 </a:solidFill>
               </a:rPr>
               <a:t>PostgreSQL</a:t>
             </a:r>
-            <a:endParaRPr lang="en-US" b="1" dirty="0">
+            <a:endParaRPr lang="en-US" dirty="0">
               <a:solidFill>
                 <a:schemeClr val="tx1"/>
               </a:solidFill>
@@ -7599,14 +7570,14 @@
           <a:p>
             <a:pPr algn="ctr"/>
             <a:r>
-              <a:rPr lang="en-US" b="1" dirty="0" smtClean="0">
+              <a:rPr lang="en-US" dirty="0" smtClean="0">
                 <a:solidFill>
                   <a:schemeClr val="tx1"/>
                 </a:solidFill>
               </a:rPr>
               <a:t>Linux KVM VM</a:t>
             </a:r>
-            <a:endParaRPr lang="en-US" b="1" dirty="0">
+            <a:endParaRPr lang="en-US" dirty="0">
               <a:solidFill>
                 <a:schemeClr val="tx1"/>
               </a:solidFill>
@@ -7649,7 +7620,7 @@
           <a:p>
             <a:pPr algn="ctr"/>
             <a:r>
-              <a:rPr lang="en-US" b="1" dirty="0" smtClean="0">
+              <a:rPr lang="en-US" dirty="0" smtClean="0">
                 <a:solidFill>
                   <a:schemeClr val="tx1"/>
                 </a:solidFill>
@@ -7657,7 +7628,7 @@
               <a:t>Dell </a:t>
             </a:r>
             <a:r>
-              <a:rPr lang="en-US" b="1" dirty="0" err="1" smtClean="0">
+              <a:rPr lang="en-US" dirty="0" err="1" smtClean="0">
                 <a:solidFill>
                   <a:schemeClr val="tx1"/>
                 </a:solidFill>
@@ -7665,14 +7636,14 @@
               <a:t>Poweredge</a:t>
             </a:r>
             <a:r>
-              <a:rPr lang="en-US" b="1" dirty="0" smtClean="0">
+              <a:rPr lang="en-US" dirty="0" smtClean="0">
                 <a:solidFill>
                   <a:schemeClr val="tx1"/>
                 </a:solidFill>
               </a:rPr>
               <a:t> R815</a:t>
             </a:r>
-            <a:endParaRPr lang="en-US" b="1" dirty="0">
+            <a:endParaRPr lang="en-US" dirty="0">
               <a:solidFill>
                 <a:schemeClr val="tx1"/>
               </a:solidFill>
@@ -7715,20 +7686,16 @@
           <a:p>
             <a:pPr algn="ctr"/>
             <a:r>
-              <a:rPr lang="en-US" i="1" dirty="0" smtClean="0">
-                <a:solidFill>
-                  <a:schemeClr val="bg1">
-                    <a:lumMod val="75000"/>
-                  </a:schemeClr>
+              <a:rPr lang="en-US" dirty="0" smtClean="0">
+                <a:solidFill>
+                  <a:schemeClr val="tx1"/>
                 </a:solidFill>
               </a:rPr>
               <a:t>NITRO-Competitions</a:t>
             </a:r>
-            <a:endParaRPr lang="en-US" i="1" dirty="0">
+            <a:endParaRPr lang="en-US" dirty="0">
               <a:solidFill>
-                <a:schemeClr val="bg1">
-                  <a:lumMod val="75000"/>
-                </a:schemeClr>
+                <a:schemeClr val="tx1"/>
               </a:solidFill>
             </a:endParaRPr>
           </a:p>
@@ -7769,20 +7736,16 @@
           <a:p>
             <a:pPr algn="ctr"/>
             <a:r>
-              <a:rPr lang="en-US" i="1" dirty="0" smtClean="0">
-                <a:solidFill>
-                  <a:schemeClr val="bg1">
-                    <a:lumMod val="75000"/>
-                  </a:schemeClr>
+              <a:rPr lang="en-US" dirty="0" smtClean="0">
+                <a:solidFill>
+                  <a:schemeClr val="tx1"/>
                 </a:solidFill>
               </a:rPr>
               <a:t>Ruby on Rails – v 3.2</a:t>
             </a:r>
-            <a:endParaRPr lang="en-US" i="1" dirty="0">
+            <a:endParaRPr lang="en-US" dirty="0">
               <a:solidFill>
-                <a:schemeClr val="bg1">
-                  <a:lumMod val="75000"/>
-                </a:schemeClr>
+                <a:schemeClr val="tx1"/>
               </a:solidFill>
             </a:endParaRPr>
           </a:p>
@@ -7823,20 +7786,16 @@
           <a:p>
             <a:pPr algn="ctr"/>
             <a:r>
-              <a:rPr lang="en-US" i="1" dirty="0" smtClean="0">
-                <a:solidFill>
-                  <a:schemeClr val="bg1">
-                    <a:lumMod val="75000"/>
-                  </a:schemeClr>
+              <a:rPr lang="en-US" dirty="0" smtClean="0">
+                <a:solidFill>
+                  <a:schemeClr val="tx1"/>
                 </a:solidFill>
               </a:rPr>
               <a:t>Ruby – 1.8.x – 2.0.x</a:t>
             </a:r>
-            <a:endParaRPr lang="en-US" i="1" dirty="0">
+            <a:endParaRPr lang="en-US" dirty="0">
               <a:solidFill>
-                <a:schemeClr val="bg1">
-                  <a:lumMod val="75000"/>
-                </a:schemeClr>
+                <a:schemeClr val="tx1"/>
               </a:solidFill>
             </a:endParaRPr>
           </a:p>
@@ -7877,20 +7836,16 @@
           <a:p>
             <a:pPr algn="ctr"/>
             <a:r>
-              <a:rPr lang="en-US" i="1" dirty="0" smtClean="0">
-                <a:solidFill>
-                  <a:schemeClr val="bg1">
-                    <a:lumMod val="75000"/>
-                  </a:schemeClr>
+              <a:rPr lang="en-US" dirty="0" smtClean="0">
+                <a:solidFill>
+                  <a:schemeClr val="tx1"/>
                 </a:solidFill>
               </a:rPr>
               <a:t>Linux KVM VM</a:t>
             </a:r>
-            <a:endParaRPr lang="en-US" i="1" dirty="0">
+            <a:endParaRPr lang="en-US" dirty="0">
               <a:solidFill>
-                <a:schemeClr val="bg1">
-                  <a:lumMod val="75000"/>
-                </a:schemeClr>
+                <a:schemeClr val="tx1"/>
               </a:solidFill>
             </a:endParaRPr>
           </a:p>
@@ -7931,40 +7886,32 @@
           <a:p>
             <a:pPr algn="ctr"/>
             <a:r>
-              <a:rPr lang="en-US" i="1" dirty="0" smtClean="0">
-                <a:solidFill>
-                  <a:schemeClr val="bg1">
-                    <a:lumMod val="75000"/>
-                  </a:schemeClr>
+              <a:rPr lang="en-US" dirty="0" smtClean="0">
+                <a:solidFill>
+                  <a:schemeClr val="tx1"/>
                 </a:solidFill>
               </a:rPr>
               <a:t>Dell </a:t>
             </a:r>
             <a:r>
-              <a:rPr lang="en-US" i="1" dirty="0" err="1" smtClean="0">
-                <a:solidFill>
-                  <a:schemeClr val="bg1">
-                    <a:lumMod val="75000"/>
-                  </a:schemeClr>
+              <a:rPr lang="en-US" dirty="0" err="1" smtClean="0">
+                <a:solidFill>
+                  <a:schemeClr val="tx1"/>
                 </a:solidFill>
               </a:rPr>
               <a:t>Poweredge</a:t>
             </a:r>
             <a:r>
-              <a:rPr lang="en-US" i="1" dirty="0" smtClean="0">
-                <a:solidFill>
-                  <a:schemeClr val="bg1">
-                    <a:lumMod val="75000"/>
-                  </a:schemeClr>
+              <a:rPr lang="en-US" dirty="0" smtClean="0">
+                <a:solidFill>
+                  <a:schemeClr val="tx1"/>
                 </a:solidFill>
               </a:rPr>
               <a:t> R815</a:t>
             </a:r>
-            <a:endParaRPr lang="en-US" i="1" dirty="0">
+            <a:endParaRPr lang="en-US" dirty="0">
               <a:solidFill>
-                <a:schemeClr val="bg1">
-                  <a:lumMod val="75000"/>
-                </a:schemeClr>
+                <a:schemeClr val="tx1"/>
               </a:solidFill>
             </a:endParaRPr>
           </a:p>
@@ -8014,8 +7961,8 @@
         </p:nvSpPr>
         <p:spPr>
           <a:xfrm>
-            <a:off x="6213328" y="3004207"/>
-            <a:ext cx="1106900" cy="430887"/>
+            <a:off x="6248594" y="3004207"/>
+            <a:ext cx="1036368" cy="430887"/>
           </a:xfrm>
           <a:prstGeom prst="rect">
             <a:avLst/>
@@ -8030,18 +7977,18 @@
           <a:p>
             <a:pPr algn="ctr"/>
             <a:r>
-              <a:rPr lang="en-US" sz="1100" b="1" dirty="0" err="1" smtClean="0"/>
+              <a:rPr lang="en-US" sz="1100" dirty="0" err="1" smtClean="0"/>
               <a:t>ActiveRecord</a:t>
             </a:r>
-            <a:endParaRPr lang="en-US" sz="1100" b="1" dirty="0" smtClean="0"/>
+            <a:endParaRPr lang="en-US" sz="1100" dirty="0" smtClean="0"/>
           </a:p>
           <a:p>
             <a:pPr algn="ctr"/>
             <a:r>
-              <a:rPr lang="en-US" sz="1100" b="1" dirty="0" smtClean="0"/>
+              <a:rPr lang="en-US" sz="1100" dirty="0" smtClean="0"/>
               <a:t>ORM</a:t>
             </a:r>
-            <a:endParaRPr lang="en-US" sz="1100" b="1" dirty="0"/>
+            <a:endParaRPr lang="en-US" sz="1100" dirty="0"/>
           </a:p>
         </p:txBody>
       </p:sp>
@@ -8080,20 +8027,16 @@
           <a:p>
             <a:pPr algn="ctr"/>
             <a:r>
-              <a:rPr lang="en-US" i="1" dirty="0" smtClean="0">
-                <a:solidFill>
-                  <a:schemeClr val="bg1">
-                    <a:lumMod val="75000"/>
-                  </a:schemeClr>
+              <a:rPr lang="en-US" dirty="0" smtClean="0">
+                <a:solidFill>
+                  <a:schemeClr val="tx1"/>
                 </a:solidFill>
               </a:rPr>
               <a:t>NITRO-Accounts</a:t>
             </a:r>
-            <a:endParaRPr lang="en-US" i="1" dirty="0">
+            <a:endParaRPr lang="en-US" dirty="0">
               <a:solidFill>
-                <a:schemeClr val="bg1">
-                  <a:lumMod val="75000"/>
-                </a:schemeClr>
+                <a:schemeClr val="tx1"/>
               </a:solidFill>
             </a:endParaRPr>
           </a:p>
@@ -8134,20 +8077,16 @@
           <a:p>
             <a:pPr algn="ctr"/>
             <a:r>
-              <a:rPr lang="en-US" i="1" dirty="0" smtClean="0">
-                <a:solidFill>
-                  <a:schemeClr val="bg1">
-                    <a:lumMod val="75000"/>
-                  </a:schemeClr>
+              <a:rPr lang="en-US" dirty="0" smtClean="0">
+                <a:solidFill>
+                  <a:schemeClr val="tx1"/>
                 </a:solidFill>
               </a:rPr>
               <a:t>Ruby on Rails – v 4.0</a:t>
             </a:r>
-            <a:endParaRPr lang="en-US" i="1" dirty="0">
+            <a:endParaRPr lang="en-US" dirty="0">
               <a:solidFill>
-                <a:schemeClr val="bg1">
-                  <a:lumMod val="75000"/>
-                </a:schemeClr>
+                <a:schemeClr val="tx1"/>
               </a:solidFill>
             </a:endParaRPr>
           </a:p>
@@ -8188,40 +8127,32 @@
           <a:p>
             <a:pPr algn="ctr"/>
             <a:r>
-              <a:rPr lang="en-US" i="1" dirty="0" err="1" smtClean="0">
-                <a:solidFill>
-                  <a:schemeClr val="bg1">
-                    <a:lumMod val="75000"/>
-                  </a:schemeClr>
+              <a:rPr lang="en-US" dirty="0" err="1" smtClean="0">
+                <a:solidFill>
+                  <a:schemeClr val="tx1"/>
                 </a:solidFill>
               </a:rPr>
               <a:t>OAuth</a:t>
             </a:r>
             <a:r>
-              <a:rPr lang="en-US" i="1" dirty="0" smtClean="0">
-                <a:solidFill>
-                  <a:schemeClr val="bg1">
-                    <a:lumMod val="75000"/>
-                  </a:schemeClr>
+              <a:rPr lang="en-US" dirty="0" smtClean="0">
+                <a:solidFill>
+                  <a:schemeClr val="tx1"/>
                 </a:solidFill>
               </a:rPr>
               <a:t> - </a:t>
             </a:r>
             <a:r>
-              <a:rPr lang="en-US" i="1" dirty="0" err="1" smtClean="0">
-                <a:solidFill>
-                  <a:schemeClr val="bg1">
-                    <a:lumMod val="75000"/>
-                  </a:schemeClr>
+              <a:rPr lang="en-US" dirty="0" err="1" smtClean="0">
+                <a:solidFill>
+                  <a:schemeClr val="tx1"/>
                 </a:solidFill>
               </a:rPr>
               <a:t>OmniAuth</a:t>
             </a:r>
-            <a:endParaRPr lang="en-US" i="1" dirty="0">
+            <a:endParaRPr lang="en-US" dirty="0">
               <a:solidFill>
-                <a:schemeClr val="bg1">
-                  <a:lumMod val="75000"/>
-                </a:schemeClr>
+                <a:schemeClr val="tx1"/>
               </a:solidFill>
             </a:endParaRPr>
           </a:p>
@@ -8322,34 +8253,16 @@
           <a:lstStyle/>
           <a:p>
             <a:r>
-              <a:rPr lang="en-US" sz="1100" i="1" dirty="0" smtClean="0">
-                <a:solidFill>
-                  <a:schemeClr val="bg1">
-                    <a:lumMod val="75000"/>
-                  </a:schemeClr>
-                </a:solidFill>
-              </a:rPr>
+              <a:rPr lang="en-US" sz="1100" dirty="0" smtClean="0"/>
               <a:t>Service </a:t>
             </a:r>
           </a:p>
           <a:p>
             <a:r>
-              <a:rPr lang="en-US" sz="1100" i="1" dirty="0" smtClean="0">
-                <a:solidFill>
-                  <a:schemeClr val="bg1">
-                    <a:lumMod val="75000"/>
-                  </a:schemeClr>
-                </a:solidFill>
-              </a:rPr>
+              <a:rPr lang="en-US" sz="1100" dirty="0" smtClean="0"/>
               <a:t>call</a:t>
             </a:r>
-            <a:endParaRPr lang="en-US" sz="1100" i="1" dirty="0">
-              <a:solidFill>
-                <a:schemeClr val="bg1">
-                  <a:lumMod val="75000"/>
-                </a:schemeClr>
-              </a:solidFill>
-            </a:endParaRPr>
+            <a:endParaRPr lang="en-US" sz="1100" dirty="0"/>
           </a:p>
         </p:txBody>
       </p:sp>
@@ -8388,22 +8301,10 @@
           <a:p>
             <a:pPr algn="ctr"/>
             <a:r>
-              <a:rPr lang="en-US" sz="1200" i="1" dirty="0" smtClean="0">
-                <a:solidFill>
-                  <a:schemeClr val="bg1">
-                    <a:lumMod val="75000"/>
-                  </a:schemeClr>
-                </a:solidFill>
-              </a:rPr>
+              <a:rPr lang="en-US" sz="1200" dirty="0" smtClean="0"/>
               <a:t>Google</a:t>
             </a:r>
-            <a:endParaRPr lang="en-US" sz="1200" i="1" dirty="0">
-              <a:solidFill>
-                <a:schemeClr val="bg1">
-                  <a:lumMod val="75000"/>
-                </a:schemeClr>
-              </a:solidFill>
-            </a:endParaRPr>
+            <a:endParaRPr lang="en-US" sz="1200" dirty="0"/>
           </a:p>
         </p:txBody>
       </p:sp>
@@ -8442,22 +8343,10 @@
           <a:p>
             <a:pPr algn="ctr"/>
             <a:r>
-              <a:rPr lang="en-US" sz="1200" i="1" dirty="0" smtClean="0">
-                <a:solidFill>
-                  <a:schemeClr val="bg1">
-                    <a:lumMod val="75000"/>
-                  </a:schemeClr>
-                </a:solidFill>
-              </a:rPr>
+              <a:rPr lang="en-US" sz="1200" dirty="0" smtClean="0"/>
               <a:t>LDAP</a:t>
             </a:r>
-            <a:endParaRPr lang="en-US" sz="1200" i="1" dirty="0">
-              <a:solidFill>
-                <a:schemeClr val="bg1">
-                  <a:lumMod val="75000"/>
-                </a:schemeClr>
-              </a:solidFill>
-            </a:endParaRPr>
+            <a:endParaRPr lang="en-US" sz="1200" dirty="0"/>
           </a:p>
         </p:txBody>
       </p:sp>
@@ -8496,22 +8385,10 @@
           <a:p>
             <a:pPr algn="ctr"/>
             <a:r>
-              <a:rPr lang="en-US" sz="1200" i="1" dirty="0" smtClean="0">
-                <a:solidFill>
-                  <a:schemeClr val="bg1">
-                    <a:lumMod val="75000"/>
-                  </a:schemeClr>
-                </a:solidFill>
-              </a:rPr>
+              <a:rPr lang="en-US" sz="1200" dirty="0" smtClean="0"/>
               <a:t>Facebook</a:t>
             </a:r>
-            <a:endParaRPr lang="en-US" sz="1200" i="1" dirty="0">
-              <a:solidFill>
-                <a:schemeClr val="bg1">
-                  <a:lumMod val="75000"/>
-                </a:schemeClr>
-              </a:solidFill>
-            </a:endParaRPr>
+            <a:endParaRPr lang="en-US" sz="1200" dirty="0"/>
           </a:p>
         </p:txBody>
       </p:sp>
@@ -8550,22 +8427,10 @@
           <a:p>
             <a:pPr algn="ctr"/>
             <a:r>
-              <a:rPr lang="en-US" sz="1200" i="1" dirty="0" smtClean="0">
-                <a:solidFill>
-                  <a:schemeClr val="bg1">
-                    <a:lumMod val="75000"/>
-                  </a:schemeClr>
-                </a:solidFill>
-              </a:rPr>
+              <a:rPr lang="en-US" sz="1200" dirty="0" smtClean="0"/>
               <a:t>Twitter</a:t>
             </a:r>
-            <a:endParaRPr lang="en-US" sz="1200" i="1" dirty="0">
-              <a:solidFill>
-                <a:schemeClr val="bg1">
-                  <a:lumMod val="75000"/>
-                </a:schemeClr>
-              </a:solidFill>
-            </a:endParaRPr>
+            <a:endParaRPr lang="en-US" sz="1200" dirty="0"/>
           </a:p>
         </p:txBody>
       </p:sp>
@@ -8604,34 +8469,1594 @@
           <a:p>
             <a:pPr algn="ctr"/>
             <a:r>
-              <a:rPr lang="en-US" sz="1200" i="1" dirty="0" err="1" smtClean="0">
+              <a:rPr lang="en-US" sz="1200" i="1" dirty="0" err="1" smtClean="0"/>
+              <a:t>OAuth</a:t>
+            </a:r>
+            <a:r>
+              <a:rPr lang="en-US" sz="1200" i="1" dirty="0" smtClean="0"/>
+              <a:t> Provider</a:t>
+            </a:r>
+            <a:endParaRPr lang="en-US" sz="1200" i="1" dirty="0"/>
+          </a:p>
+        </p:txBody>
+      </p:sp>
+      <p:cxnSp>
+        <p:nvCxnSpPr>
+          <p:cNvPr id="54" name="Straight Connector 53"/>
+          <p:cNvCxnSpPr>
+            <a:stCxn id="8" idx="2"/>
+            <a:endCxn id="10" idx="0"/>
+          </p:cNvCxnSpPr>
+          <p:nvPr/>
+        </p:nvCxnSpPr>
+        <p:spPr>
+          <a:xfrm>
+            <a:off x="8058023" y="3853385"/>
+            <a:ext cx="0" cy="1270055"/>
+          </a:xfrm>
+          <a:prstGeom prst="line">
+            <a:avLst/>
+          </a:prstGeom>
+        </p:spPr>
+        <p:style>
+          <a:lnRef idx="2">
+            <a:schemeClr val="accent1"/>
+          </a:lnRef>
+          <a:fillRef idx="0">
+            <a:schemeClr val="accent1"/>
+          </a:fillRef>
+          <a:effectRef idx="1">
+            <a:schemeClr val="accent1"/>
+          </a:effectRef>
+          <a:fontRef idx="minor">
+            <a:schemeClr val="tx1"/>
+          </a:fontRef>
+        </p:style>
+      </p:cxnSp>
+      <p:cxnSp>
+        <p:nvCxnSpPr>
+          <p:cNvPr id="57" name="Straight Connector 56"/>
+          <p:cNvCxnSpPr>
+            <a:stCxn id="13" idx="2"/>
+            <a:endCxn id="14" idx="0"/>
+          </p:cNvCxnSpPr>
+          <p:nvPr/>
+        </p:nvCxnSpPr>
+        <p:spPr>
+          <a:xfrm>
+            <a:off x="5235142" y="3844626"/>
+            <a:ext cx="0" cy="543058"/>
+          </a:xfrm>
+          <a:prstGeom prst="line">
+            <a:avLst/>
+          </a:prstGeom>
+        </p:spPr>
+        <p:style>
+          <a:lnRef idx="2">
+            <a:schemeClr val="accent1"/>
+          </a:lnRef>
+          <a:fillRef idx="0">
+            <a:schemeClr val="accent1"/>
+          </a:fillRef>
+          <a:effectRef idx="1">
+            <a:schemeClr val="accent1"/>
+          </a:effectRef>
+          <a:fontRef idx="minor">
+            <a:schemeClr val="tx1"/>
+          </a:fontRef>
+        </p:style>
+      </p:cxnSp>
+      <p:cxnSp>
+        <p:nvCxnSpPr>
+          <p:cNvPr id="61" name="Elbow Connector 60"/>
+          <p:cNvCxnSpPr>
+            <a:stCxn id="23" idx="2"/>
+            <a:endCxn id="14" idx="1"/>
+          </p:cNvCxnSpPr>
+          <p:nvPr/>
+        </p:nvCxnSpPr>
+        <p:spPr>
+          <a:xfrm rot="16200000" flipH="1">
+            <a:off x="3191992" y="3785159"/>
+            <a:ext cx="166725" cy="1752527"/>
+          </a:xfrm>
+          <a:prstGeom prst="bentConnector2">
+            <a:avLst/>
+          </a:prstGeom>
+        </p:spPr>
+        <p:style>
+          <a:lnRef idx="2">
+            <a:schemeClr val="accent1"/>
+          </a:lnRef>
+          <a:fillRef idx="0">
+            <a:schemeClr val="accent1"/>
+          </a:fillRef>
+          <a:effectRef idx="1">
+            <a:schemeClr val="accent1"/>
+          </a:effectRef>
+          <a:fontRef idx="minor">
+            <a:schemeClr val="tx1"/>
+          </a:fontRef>
+        </p:style>
+      </p:cxnSp>
+    </p:spTree>
+    <p:extLst>
+      <p:ext uri="{BB962C8B-B14F-4D97-AF65-F5344CB8AC3E}">
+        <p14:creationId xmlns:p14="http://schemas.microsoft.com/office/powerpoint/2010/main" val="4272234705"/>
+      </p:ext>
+    </p:extLst>
+  </p:cSld>
+  <p:clrMapOvr>
+    <a:masterClrMapping/>
+  </p:clrMapOvr>
+  <p:timing>
+    <p:tnLst>
+      <p:par>
+        <p:cTn xmlns:p14="http://schemas.microsoft.com/office/powerpoint/2010/main" id="1" dur="indefinite" restart="never" nodeType="tmRoot"/>
+      </p:par>
+    </p:tnLst>
+  </p:timing>
+</p:sld>
+</file>
+
+<file path=ppt/slides/slide11.xml><?xml version="1.0" encoding="utf-8"?>
+<p:sld xmlns:a="http://schemas.openxmlformats.org/drawingml/2006/main" xmlns:r="http://schemas.openxmlformats.org/officeDocument/2006/relationships" xmlns:p="http://schemas.openxmlformats.org/presentationml/2006/main">
+  <p:cSld>
+    <p:spTree>
+      <p:nvGrpSpPr>
+        <p:cNvPr id="1" name=""/>
+        <p:cNvGrpSpPr/>
+        <p:nvPr/>
+      </p:nvGrpSpPr>
+      <p:grpSpPr>
+        <a:xfrm>
+          <a:off x="0" y="0"/>
+          <a:ext cx="0" cy="0"/>
+          <a:chOff x="0" y="0"/>
+          <a:chExt cx="0" cy="0"/>
+        </a:xfrm>
+      </p:grpSpPr>
+      <p:sp>
+        <p:nvSpPr>
+          <p:cNvPr id="2" name="Title 1"/>
+          <p:cNvSpPr>
+            <a:spLocks noGrp="1"/>
+          </p:cNvSpPr>
+          <p:nvPr>
+            <p:ph type="title"/>
+          </p:nvPr>
+        </p:nvSpPr>
+        <p:spPr/>
+        <p:txBody>
+          <a:bodyPr/>
+          <a:lstStyle/>
+          <a:p>
+            <a:r>
+              <a:rPr lang="en-US" dirty="0"/>
+              <a:t>NITRO-Competitions</a:t>
+            </a:r>
+          </a:p>
+        </p:txBody>
+      </p:sp>
+      <p:sp>
+        <p:nvSpPr>
+          <p:cNvPr id="6" name="Content Placeholder 5"/>
+          <p:cNvSpPr>
+            <a:spLocks noGrp="1"/>
+          </p:cNvSpPr>
+          <p:nvPr>
+            <p:ph idx="1"/>
+          </p:nvPr>
+        </p:nvSpPr>
+        <p:spPr>
+          <a:xfrm>
+            <a:off x="457200" y="1424510"/>
+            <a:ext cx="8229600" cy="4460354"/>
+          </a:xfrm>
+        </p:spPr>
+        <p:txBody>
+          <a:bodyPr/>
+          <a:lstStyle/>
+          <a:p>
+            <a:pPr marL="0" indent="0">
+              <a:buNone/>
+            </a:pPr>
+            <a:endParaRPr lang="en-US" dirty="0" smtClean="0"/>
+          </a:p>
+          <a:p>
+            <a:pPr marL="0" indent="0" algn="ctr">
+              <a:buNone/>
+            </a:pPr>
+            <a:r>
+              <a:rPr lang="en-US" dirty="0" smtClean="0"/>
+              <a:t>Technical Details</a:t>
+            </a:r>
+          </a:p>
+          <a:p>
+            <a:r>
+              <a:rPr lang="en-US" sz="2400" dirty="0" smtClean="0"/>
+              <a:t>Open source</a:t>
+            </a:r>
+          </a:p>
+          <a:p>
+            <a:pPr lvl="1"/>
+            <a:r>
+              <a:rPr lang="en-US" sz="1400" dirty="0" smtClean="0">
+                <a:hlinkClick r:id="rId2"/>
+              </a:rPr>
+              <a:t>http://github.com/NUBIC/nitro-competitions</a:t>
+            </a:r>
+            <a:r>
+              <a:rPr lang="en-US" sz="1400" dirty="0" smtClean="0"/>
+              <a:t> </a:t>
+            </a:r>
+          </a:p>
+          <a:p>
+            <a:r>
+              <a:rPr lang="en-US" sz="2400" dirty="0" smtClean="0"/>
+              <a:t>Configurable</a:t>
+            </a:r>
+          </a:p>
+          <a:p>
+            <a:pPr lvl="1"/>
+            <a:r>
+              <a:rPr lang="en-US" sz="1400" dirty="0">
+                <a:hlinkClick r:id="rId3"/>
+              </a:rPr>
+              <a:t>https://github.com/NUBIC/nitro-competitions/blob/master/config/initializers/</a:t>
+            </a:r>
+            <a:r>
+              <a:rPr lang="en-US" sz="1400" dirty="0" smtClean="0">
+                <a:hlinkClick r:id="rId3"/>
+              </a:rPr>
+              <a:t>nucats_assist.rb</a:t>
+            </a:r>
+            <a:r>
+              <a:rPr lang="en-US" sz="1400" dirty="0" smtClean="0"/>
+              <a:t> </a:t>
+            </a:r>
+          </a:p>
+          <a:p>
+            <a:r>
+              <a:rPr lang="en-US" sz="2400" dirty="0" smtClean="0"/>
+              <a:t>Ruby on Rails</a:t>
+            </a:r>
+          </a:p>
+          <a:p>
+            <a:pPr lvl="1"/>
+            <a:r>
+              <a:rPr lang="en-US" sz="1400" dirty="0" smtClean="0">
+                <a:hlinkClick r:id="rId4"/>
+              </a:rPr>
+              <a:t>http://rubyonrails.org</a:t>
+            </a:r>
+            <a:r>
+              <a:rPr lang="en-US" sz="1400" dirty="0" smtClean="0"/>
+              <a:t> </a:t>
+            </a:r>
+          </a:p>
+          <a:p>
+            <a:r>
+              <a:rPr lang="en-US" sz="2400" dirty="0" err="1" smtClean="0"/>
+              <a:t>PostgreSQL</a:t>
+            </a:r>
+            <a:endParaRPr lang="en-US" sz="2400" dirty="0"/>
+          </a:p>
+          <a:p>
+            <a:pPr lvl="1"/>
+            <a:r>
+              <a:rPr lang="en-US" sz="1400" dirty="0">
+                <a:hlinkClick r:id="rId5"/>
+              </a:rPr>
+              <a:t>http://www.postgresql.org</a:t>
+            </a:r>
+            <a:r>
+              <a:rPr lang="en-US" sz="1400" dirty="0" smtClean="0">
+                <a:hlinkClick r:id="rId5"/>
+              </a:rPr>
+              <a:t>/</a:t>
+            </a:r>
+            <a:r>
+              <a:rPr lang="en-US" sz="1400" dirty="0" smtClean="0"/>
+              <a:t> </a:t>
+            </a:r>
+            <a:endParaRPr lang="en-US" sz="1400" dirty="0"/>
+          </a:p>
+          <a:p>
+            <a:pPr marL="457200" lvl="1" indent="0">
+              <a:buNone/>
+            </a:pPr>
+            <a:endParaRPr lang="en-US" sz="2000" dirty="0" smtClean="0"/>
+          </a:p>
+        </p:txBody>
+      </p:sp>
+      <p:pic>
+        <p:nvPicPr>
+          <p:cNvPr id="4" name="Picture 3"/>
+          <p:cNvPicPr>
+            <a:picLocks noChangeAspect="1"/>
+          </p:cNvPicPr>
+          <p:nvPr/>
+        </p:nvPicPr>
+        <p:blipFill>
+          <a:blip r:embed="rId6">
+            <a:extLst>
+              <a:ext uri="{28A0092B-C50C-407E-A947-70E740481C1C}">
+                <a14:useLocalDpi xmlns:a14="http://schemas.microsoft.com/office/drawing/2010/main" val="0"/>
+              </a:ext>
+            </a:extLst>
+          </a:blip>
+          <a:stretch>
+            <a:fillRect/>
+          </a:stretch>
+        </p:blipFill>
+        <p:spPr>
+          <a:xfrm>
+            <a:off x="105830" y="5785769"/>
+            <a:ext cx="2941983" cy="1042303"/>
+          </a:xfrm>
+          <a:prstGeom prst="rect">
+            <a:avLst/>
+          </a:prstGeom>
+        </p:spPr>
+      </p:pic>
+    </p:spTree>
+    <p:extLst>
+      <p:ext uri="{BB962C8B-B14F-4D97-AF65-F5344CB8AC3E}">
+        <p14:creationId xmlns:p14="http://schemas.microsoft.com/office/powerpoint/2010/main" val="744301602"/>
+      </p:ext>
+    </p:extLst>
+  </p:cSld>
+  <p:clrMapOvr>
+    <a:masterClrMapping/>
+  </p:clrMapOvr>
+  <p:timing>
+    <p:tnLst>
+      <p:par>
+        <p:cTn xmlns:p14="http://schemas.microsoft.com/office/powerpoint/2010/main" id="1" dur="indefinite" restart="never" nodeType="tmRoot"/>
+      </p:par>
+    </p:tnLst>
+  </p:timing>
+</p:sld>
+</file>
+
+<file path=ppt/slides/slide12.xml><?xml version="1.0" encoding="utf-8"?>
+<p:sld xmlns:a="http://schemas.openxmlformats.org/drawingml/2006/main" xmlns:r="http://schemas.openxmlformats.org/officeDocument/2006/relationships" xmlns:p="http://schemas.openxmlformats.org/presentationml/2006/main">
+  <p:cSld>
+    <p:spTree>
+      <p:nvGrpSpPr>
+        <p:cNvPr id="1" name=""/>
+        <p:cNvGrpSpPr/>
+        <p:nvPr/>
+      </p:nvGrpSpPr>
+      <p:grpSpPr>
+        <a:xfrm>
+          <a:off x="0" y="0"/>
+          <a:ext cx="0" cy="0"/>
+          <a:chOff x="0" y="0"/>
+          <a:chExt cx="0" cy="0"/>
+        </a:xfrm>
+      </p:grpSpPr>
+      <p:sp>
+        <p:nvSpPr>
+          <p:cNvPr id="2" name="Title 1"/>
+          <p:cNvSpPr>
+            <a:spLocks noGrp="1"/>
+          </p:cNvSpPr>
+          <p:nvPr>
+            <p:ph type="title"/>
+          </p:nvPr>
+        </p:nvSpPr>
+        <p:spPr/>
+        <p:txBody>
+          <a:bodyPr/>
+          <a:lstStyle/>
+          <a:p>
+            <a:r>
+              <a:rPr lang="en-US" dirty="0"/>
+              <a:t>NITRO-Competitions</a:t>
+            </a:r>
+          </a:p>
+        </p:txBody>
+      </p:sp>
+      <p:sp>
+        <p:nvSpPr>
+          <p:cNvPr id="6" name="Content Placeholder 5"/>
+          <p:cNvSpPr>
+            <a:spLocks noGrp="1"/>
+          </p:cNvSpPr>
+          <p:nvPr>
+            <p:ph idx="1"/>
+          </p:nvPr>
+        </p:nvSpPr>
+        <p:spPr>
+          <a:xfrm>
+            <a:off x="457200" y="1424510"/>
+            <a:ext cx="8229600" cy="914042"/>
+          </a:xfrm>
+        </p:spPr>
+        <p:txBody>
+          <a:bodyPr/>
+          <a:lstStyle/>
+          <a:p>
+            <a:pPr marL="0" indent="0" algn="ctr">
+              <a:buNone/>
+            </a:pPr>
+            <a:endParaRPr lang="en-US" sz="2000" dirty="0" smtClean="0"/>
+          </a:p>
+          <a:p>
+            <a:pPr marL="0" indent="0" algn="ctr">
+              <a:buNone/>
+            </a:pPr>
+            <a:r>
+              <a:rPr lang="en-US" sz="2000" dirty="0" smtClean="0"/>
+              <a:t>            </a:t>
+            </a:r>
+            <a:r>
+              <a:rPr lang="en-US" sz="2000" b="1" i="1" dirty="0" smtClean="0">
+                <a:solidFill>
+                  <a:srgbClr val="BFBFBF"/>
+                </a:solidFill>
+              </a:rPr>
+              <a:t>Authentication</a:t>
+            </a:r>
+            <a:r>
+              <a:rPr lang="en-US" sz="2000" b="1" dirty="0" smtClean="0"/>
+              <a:t>		   	              </a:t>
+            </a:r>
+            <a:r>
+              <a:rPr lang="en-US" sz="2000" b="1" i="1" dirty="0" smtClean="0">
+                <a:solidFill>
+                  <a:srgbClr val="BFBFBF"/>
+                </a:solidFill>
+              </a:rPr>
+              <a:t>Application</a:t>
+            </a:r>
+            <a:r>
+              <a:rPr lang="en-US" sz="2000" b="1" dirty="0" smtClean="0"/>
+              <a:t>				   Database</a:t>
+            </a:r>
+          </a:p>
+        </p:txBody>
+      </p:sp>
+      <p:pic>
+        <p:nvPicPr>
+          <p:cNvPr id="4" name="Picture 3"/>
+          <p:cNvPicPr>
+            <a:picLocks noChangeAspect="1"/>
+          </p:cNvPicPr>
+          <p:nvPr/>
+        </p:nvPicPr>
+        <p:blipFill>
+          <a:blip r:embed="rId2">
+            <a:extLst>
+              <a:ext uri="{28A0092B-C50C-407E-A947-70E740481C1C}">
+                <a14:useLocalDpi xmlns:a14="http://schemas.microsoft.com/office/drawing/2010/main" val="0"/>
+              </a:ext>
+            </a:extLst>
+          </a:blip>
+          <a:stretch>
+            <a:fillRect/>
+          </a:stretch>
+        </p:blipFill>
+        <p:spPr>
+          <a:xfrm>
+            <a:off x="105830" y="5785769"/>
+            <a:ext cx="2941983" cy="1042303"/>
+          </a:xfrm>
+          <a:prstGeom prst="rect">
+            <a:avLst/>
+          </a:prstGeom>
+        </p:spPr>
+      </p:pic>
+      <p:sp>
+        <p:nvSpPr>
+          <p:cNvPr id="8" name="Rounded Rectangle 7"/>
+          <p:cNvSpPr/>
+          <p:nvPr/>
+        </p:nvSpPr>
+        <p:spPr>
+          <a:xfrm>
+            <a:off x="7199586" y="3139182"/>
+            <a:ext cx="1716874" cy="714203"/>
+          </a:xfrm>
+          <a:prstGeom prst="roundRect">
+            <a:avLst/>
+          </a:prstGeom>
+        </p:spPr>
+        <p:style>
+          <a:lnRef idx="1">
+            <a:schemeClr val="accent1"/>
+          </a:lnRef>
+          <a:fillRef idx="2">
+            <a:schemeClr val="accent1"/>
+          </a:fillRef>
+          <a:effectRef idx="1">
+            <a:schemeClr val="accent1"/>
+          </a:effectRef>
+          <a:fontRef idx="minor">
+            <a:schemeClr val="dk1"/>
+          </a:fontRef>
+        </p:style>
+        <p:txBody>
+          <a:bodyPr rtlCol="0" anchor="ctr"/>
+          <a:lstStyle/>
+          <a:p>
+            <a:pPr algn="ctr"/>
+            <a:r>
+              <a:rPr lang="en-US" b="1" dirty="0" err="1" smtClean="0">
+                <a:solidFill>
+                  <a:schemeClr val="tx1"/>
+                </a:solidFill>
+              </a:rPr>
+              <a:t>PostgreSQL</a:t>
+            </a:r>
+            <a:endParaRPr lang="en-US" b="1" dirty="0">
+              <a:solidFill>
+                <a:schemeClr val="tx1"/>
+              </a:solidFill>
+            </a:endParaRPr>
+          </a:p>
+        </p:txBody>
+      </p:sp>
+      <p:sp>
+        <p:nvSpPr>
+          <p:cNvPr id="10" name="Rounded Rectangle 9"/>
+          <p:cNvSpPr/>
+          <p:nvPr/>
+        </p:nvSpPr>
+        <p:spPr>
+          <a:xfrm>
+            <a:off x="7199586" y="5123440"/>
+            <a:ext cx="1716874" cy="714203"/>
+          </a:xfrm>
+          <a:prstGeom prst="roundRect">
+            <a:avLst/>
+          </a:prstGeom>
+        </p:spPr>
+        <p:style>
+          <a:lnRef idx="1">
+            <a:schemeClr val="accent1"/>
+          </a:lnRef>
+          <a:fillRef idx="2">
+            <a:schemeClr val="accent1"/>
+          </a:fillRef>
+          <a:effectRef idx="1">
+            <a:schemeClr val="accent1"/>
+          </a:effectRef>
+          <a:fontRef idx="minor">
+            <a:schemeClr val="dk1"/>
+          </a:fontRef>
+        </p:style>
+        <p:txBody>
+          <a:bodyPr rtlCol="0" anchor="ctr"/>
+          <a:lstStyle/>
+          <a:p>
+            <a:pPr algn="ctr"/>
+            <a:r>
+              <a:rPr lang="en-US" b="1" dirty="0" smtClean="0">
+                <a:solidFill>
+                  <a:schemeClr val="tx1"/>
+                </a:solidFill>
+              </a:rPr>
+              <a:t>Linux KVM VM</a:t>
+            </a:r>
+            <a:endParaRPr lang="en-US" b="1" dirty="0">
+              <a:solidFill>
+                <a:schemeClr val="tx1"/>
+              </a:solidFill>
+            </a:endParaRPr>
+          </a:p>
+        </p:txBody>
+      </p:sp>
+      <p:sp>
+        <p:nvSpPr>
+          <p:cNvPr id="11" name="Rounded Rectangle 10"/>
+          <p:cNvSpPr/>
+          <p:nvPr/>
+        </p:nvSpPr>
+        <p:spPr>
+          <a:xfrm>
+            <a:off x="7199586" y="5837643"/>
+            <a:ext cx="1716874" cy="714203"/>
+          </a:xfrm>
+          <a:prstGeom prst="roundRect">
+            <a:avLst/>
+          </a:prstGeom>
+        </p:spPr>
+        <p:style>
+          <a:lnRef idx="1">
+            <a:schemeClr val="accent1"/>
+          </a:lnRef>
+          <a:fillRef idx="2">
+            <a:schemeClr val="accent1"/>
+          </a:fillRef>
+          <a:effectRef idx="1">
+            <a:schemeClr val="accent1"/>
+          </a:effectRef>
+          <a:fontRef idx="minor">
+            <a:schemeClr val="dk1"/>
+          </a:fontRef>
+        </p:style>
+        <p:txBody>
+          <a:bodyPr rtlCol="0" anchor="ctr"/>
+          <a:lstStyle/>
+          <a:p>
+            <a:pPr algn="ctr"/>
+            <a:r>
+              <a:rPr lang="en-US" b="1" dirty="0" smtClean="0">
+                <a:solidFill>
+                  <a:schemeClr val="tx1"/>
+                </a:solidFill>
+              </a:rPr>
+              <a:t>Dell </a:t>
+            </a:r>
+            <a:r>
+              <a:rPr lang="en-US" b="1" dirty="0" err="1" smtClean="0">
+                <a:solidFill>
+                  <a:schemeClr val="tx1"/>
+                </a:solidFill>
+              </a:rPr>
+              <a:t>Poweredge</a:t>
+            </a:r>
+            <a:r>
+              <a:rPr lang="en-US" b="1" dirty="0" smtClean="0">
+                <a:solidFill>
+                  <a:schemeClr val="tx1"/>
+                </a:solidFill>
+              </a:rPr>
+              <a:t> R815</a:t>
+            </a:r>
+            <a:endParaRPr lang="en-US" b="1" dirty="0">
+              <a:solidFill>
+                <a:schemeClr val="tx1"/>
+              </a:solidFill>
+            </a:endParaRPr>
+          </a:p>
+        </p:txBody>
+      </p:sp>
+      <p:sp>
+        <p:nvSpPr>
+          <p:cNvPr id="12" name="Rounded Rectangle 11"/>
+          <p:cNvSpPr/>
+          <p:nvPr/>
+        </p:nvSpPr>
+        <p:spPr>
+          <a:xfrm>
+            <a:off x="4151618" y="2416220"/>
+            <a:ext cx="2167048" cy="714203"/>
+          </a:xfrm>
+          <a:prstGeom prst="roundRect">
+            <a:avLst/>
+          </a:prstGeom>
+        </p:spPr>
+        <p:style>
+          <a:lnRef idx="1">
+            <a:schemeClr val="accent4"/>
+          </a:lnRef>
+          <a:fillRef idx="2">
+            <a:schemeClr val="accent4"/>
+          </a:fillRef>
+          <a:effectRef idx="1">
+            <a:schemeClr val="accent4"/>
+          </a:effectRef>
+          <a:fontRef idx="minor">
+            <a:schemeClr val="dk1"/>
+          </a:fontRef>
+        </p:style>
+        <p:txBody>
+          <a:bodyPr rtlCol="0" anchor="ctr"/>
+          <a:lstStyle/>
+          <a:p>
+            <a:pPr algn="ctr"/>
+            <a:r>
+              <a:rPr lang="en-US" i="1" dirty="0" smtClean="0">
                 <a:solidFill>
                   <a:schemeClr val="bg1">
                     <a:lumMod val="75000"/>
                   </a:schemeClr>
                 </a:solidFill>
               </a:rPr>
-              <a:t>OAuth</a:t>
-            </a:r>
-            <a:r>
-              <a:rPr lang="en-US" sz="1200" i="1" dirty="0" smtClean="0">
+              <a:t>NITRO-Competitions</a:t>
+            </a:r>
+            <a:endParaRPr lang="en-US" i="1" dirty="0">
+              <a:solidFill>
+                <a:schemeClr val="bg1">
+                  <a:lumMod val="75000"/>
+                </a:schemeClr>
+              </a:solidFill>
+            </a:endParaRPr>
+          </a:p>
+        </p:txBody>
+      </p:sp>
+      <p:sp>
+        <p:nvSpPr>
+          <p:cNvPr id="13" name="Rounded Rectangle 12"/>
+          <p:cNvSpPr/>
+          <p:nvPr/>
+        </p:nvSpPr>
+        <p:spPr>
+          <a:xfrm>
+            <a:off x="4151618" y="3130423"/>
+            <a:ext cx="2167048" cy="714203"/>
+          </a:xfrm>
+          <a:prstGeom prst="roundRect">
+            <a:avLst/>
+          </a:prstGeom>
+        </p:spPr>
+        <p:style>
+          <a:lnRef idx="1">
+            <a:schemeClr val="accent2"/>
+          </a:lnRef>
+          <a:fillRef idx="2">
+            <a:schemeClr val="accent2"/>
+          </a:fillRef>
+          <a:effectRef idx="1">
+            <a:schemeClr val="accent2"/>
+          </a:effectRef>
+          <a:fontRef idx="minor">
+            <a:schemeClr val="dk1"/>
+          </a:fontRef>
+        </p:style>
+        <p:txBody>
+          <a:bodyPr rtlCol="0" anchor="ctr"/>
+          <a:lstStyle/>
+          <a:p>
+            <a:pPr algn="ctr"/>
+            <a:r>
+              <a:rPr lang="en-US" i="1" dirty="0" smtClean="0">
                 <a:solidFill>
                   <a:schemeClr val="bg1">
                     <a:lumMod val="75000"/>
                   </a:schemeClr>
                 </a:solidFill>
               </a:rPr>
-              <a:t> </a:t>
-            </a:r>
-            <a:r>
-              <a:rPr lang="en-US" sz="1200" i="1" dirty="0" smtClean="0">
+              <a:t>Ruby on Rails – v 3.2</a:t>
+            </a:r>
+            <a:endParaRPr lang="en-US" i="1" dirty="0">
+              <a:solidFill>
+                <a:schemeClr val="bg1">
+                  <a:lumMod val="75000"/>
+                </a:schemeClr>
+              </a:solidFill>
+            </a:endParaRPr>
+          </a:p>
+        </p:txBody>
+      </p:sp>
+      <p:sp>
+        <p:nvSpPr>
+          <p:cNvPr id="14" name="Rounded Rectangle 13"/>
+          <p:cNvSpPr/>
+          <p:nvPr/>
+        </p:nvSpPr>
+        <p:spPr>
+          <a:xfrm>
+            <a:off x="4151618" y="4387684"/>
+            <a:ext cx="2167048" cy="714203"/>
+          </a:xfrm>
+          <a:prstGeom prst="roundRect">
+            <a:avLst/>
+          </a:prstGeom>
+        </p:spPr>
+        <p:style>
+          <a:lnRef idx="1">
+            <a:schemeClr val="accent2"/>
+          </a:lnRef>
+          <a:fillRef idx="2">
+            <a:schemeClr val="accent2"/>
+          </a:fillRef>
+          <a:effectRef idx="1">
+            <a:schemeClr val="accent2"/>
+          </a:effectRef>
+          <a:fontRef idx="minor">
+            <a:schemeClr val="dk1"/>
+          </a:fontRef>
+        </p:style>
+        <p:txBody>
+          <a:bodyPr rtlCol="0" anchor="ctr"/>
+          <a:lstStyle/>
+          <a:p>
+            <a:pPr algn="ctr"/>
+            <a:r>
+              <a:rPr lang="en-US" i="1" dirty="0" smtClean="0">
                 <a:solidFill>
                   <a:schemeClr val="bg1">
                     <a:lumMod val="75000"/>
                   </a:schemeClr>
                 </a:solidFill>
               </a:rPr>
-              <a:t>Provider</a:t>
+              <a:t>Ruby – 1.8.x – 2.0.x</a:t>
+            </a:r>
+            <a:endParaRPr lang="en-US" i="1" dirty="0">
+              <a:solidFill>
+                <a:schemeClr val="bg1">
+                  <a:lumMod val="75000"/>
+                </a:schemeClr>
+              </a:solidFill>
+            </a:endParaRPr>
+          </a:p>
+        </p:txBody>
+      </p:sp>
+      <p:sp>
+        <p:nvSpPr>
+          <p:cNvPr id="15" name="Rounded Rectangle 14"/>
+          <p:cNvSpPr/>
+          <p:nvPr/>
+        </p:nvSpPr>
+        <p:spPr>
+          <a:xfrm>
+            <a:off x="4151618" y="5101887"/>
+            <a:ext cx="2167048" cy="714203"/>
+          </a:xfrm>
+          <a:prstGeom prst="roundRect">
+            <a:avLst/>
+          </a:prstGeom>
+        </p:spPr>
+        <p:style>
+          <a:lnRef idx="1">
+            <a:schemeClr val="accent1"/>
+          </a:lnRef>
+          <a:fillRef idx="2">
+            <a:schemeClr val="accent1"/>
+          </a:fillRef>
+          <a:effectRef idx="1">
+            <a:schemeClr val="accent1"/>
+          </a:effectRef>
+          <a:fontRef idx="minor">
+            <a:schemeClr val="dk1"/>
+          </a:fontRef>
+        </p:style>
+        <p:txBody>
+          <a:bodyPr rtlCol="0" anchor="ctr"/>
+          <a:lstStyle/>
+          <a:p>
+            <a:pPr algn="ctr"/>
+            <a:r>
+              <a:rPr lang="en-US" i="1" dirty="0" smtClean="0">
+                <a:solidFill>
+                  <a:schemeClr val="bg1">
+                    <a:lumMod val="75000"/>
+                  </a:schemeClr>
+                </a:solidFill>
+              </a:rPr>
+              <a:t>Linux KVM VM</a:t>
+            </a:r>
+            <a:endParaRPr lang="en-US" i="1" dirty="0">
+              <a:solidFill>
+                <a:schemeClr val="bg1">
+                  <a:lumMod val="75000"/>
+                </a:schemeClr>
+              </a:solidFill>
+            </a:endParaRPr>
+          </a:p>
+        </p:txBody>
+      </p:sp>
+      <p:sp>
+        <p:nvSpPr>
+          <p:cNvPr id="16" name="Rounded Rectangle 15"/>
+          <p:cNvSpPr/>
+          <p:nvPr/>
+        </p:nvSpPr>
+        <p:spPr>
+          <a:xfrm>
+            <a:off x="4151618" y="5816090"/>
+            <a:ext cx="2167048" cy="714203"/>
+          </a:xfrm>
+          <a:prstGeom prst="roundRect">
+            <a:avLst/>
+          </a:prstGeom>
+        </p:spPr>
+        <p:style>
+          <a:lnRef idx="1">
+            <a:schemeClr val="accent1"/>
+          </a:lnRef>
+          <a:fillRef idx="2">
+            <a:schemeClr val="accent1"/>
+          </a:fillRef>
+          <a:effectRef idx="1">
+            <a:schemeClr val="accent1"/>
+          </a:effectRef>
+          <a:fontRef idx="minor">
+            <a:schemeClr val="dk1"/>
+          </a:fontRef>
+        </p:style>
+        <p:txBody>
+          <a:bodyPr rtlCol="0" anchor="ctr"/>
+          <a:lstStyle/>
+          <a:p>
+            <a:pPr algn="ctr"/>
+            <a:r>
+              <a:rPr lang="en-US" i="1" dirty="0" smtClean="0">
+                <a:solidFill>
+                  <a:schemeClr val="bg1">
+                    <a:lumMod val="75000"/>
+                  </a:schemeClr>
+                </a:solidFill>
+              </a:rPr>
+              <a:t>Dell </a:t>
+            </a:r>
+            <a:r>
+              <a:rPr lang="en-US" i="1" dirty="0" err="1" smtClean="0">
+                <a:solidFill>
+                  <a:schemeClr val="bg1">
+                    <a:lumMod val="75000"/>
+                  </a:schemeClr>
+                </a:solidFill>
+              </a:rPr>
+              <a:t>Poweredge</a:t>
+            </a:r>
+            <a:r>
+              <a:rPr lang="en-US" i="1" dirty="0" smtClean="0">
+                <a:solidFill>
+                  <a:schemeClr val="bg1">
+                    <a:lumMod val="75000"/>
+                  </a:schemeClr>
+                </a:solidFill>
+              </a:rPr>
+              <a:t> R815</a:t>
+            </a:r>
+            <a:endParaRPr lang="en-US" i="1" dirty="0">
+              <a:solidFill>
+                <a:schemeClr val="bg1">
+                  <a:lumMod val="75000"/>
+                </a:schemeClr>
+              </a:solidFill>
+            </a:endParaRPr>
+          </a:p>
+        </p:txBody>
+      </p:sp>
+      <p:cxnSp>
+        <p:nvCxnSpPr>
+          <p:cNvPr id="18" name="Straight Arrow Connector 17"/>
+          <p:cNvCxnSpPr>
+            <a:stCxn id="13" idx="3"/>
+            <a:endCxn id="8" idx="1"/>
+          </p:cNvCxnSpPr>
+          <p:nvPr/>
+        </p:nvCxnSpPr>
+        <p:spPr>
+          <a:xfrm>
+            <a:off x="6318666" y="3487525"/>
+            <a:ext cx="880920" cy="8759"/>
+          </a:xfrm>
+          <a:prstGeom prst="straightConnector1">
+            <a:avLst/>
+          </a:prstGeom>
+          <a:ln>
+            <a:tailEnd type="arrow"/>
+          </a:ln>
+        </p:spPr>
+        <p:style>
+          <a:lnRef idx="2">
+            <a:schemeClr val="accent1"/>
+          </a:lnRef>
+          <a:fillRef idx="0">
+            <a:schemeClr val="accent1"/>
+          </a:fillRef>
+          <a:effectRef idx="1">
+            <a:schemeClr val="accent1"/>
+          </a:effectRef>
+          <a:fontRef idx="minor">
+            <a:schemeClr val="tx1"/>
+          </a:fontRef>
+        </p:style>
+      </p:cxnSp>
+      <p:sp>
+        <p:nvSpPr>
+          <p:cNvPr id="21" name="TextBox 20"/>
+          <p:cNvSpPr txBox="1"/>
+          <p:nvPr/>
+        </p:nvSpPr>
+        <p:spPr>
+          <a:xfrm>
+            <a:off x="6213328" y="3004207"/>
+            <a:ext cx="1106900" cy="430887"/>
+          </a:xfrm>
+          <a:prstGeom prst="rect">
+            <a:avLst/>
+          </a:prstGeom>
+          <a:noFill/>
+        </p:spPr>
+        <p:txBody>
+          <a:bodyPr wrap="none" rtlCol="0">
+            <a:spAutoFit/>
+          </a:bodyPr>
+          <a:lstStyle/>
+          <a:p>
+            <a:pPr algn="ctr"/>
+            <a:r>
+              <a:rPr lang="en-US" sz="1100" b="1" dirty="0" err="1" smtClean="0"/>
+              <a:t>ActiveRecord</a:t>
+            </a:r>
+            <a:endParaRPr lang="en-US" sz="1100" b="1" dirty="0" smtClean="0"/>
+          </a:p>
+          <a:p>
+            <a:pPr algn="ctr"/>
+            <a:r>
+              <a:rPr lang="en-US" sz="1100" b="1" dirty="0" smtClean="0"/>
+              <a:t>ORM</a:t>
+            </a:r>
+            <a:endParaRPr lang="en-US" sz="1100" b="1" dirty="0"/>
+          </a:p>
+        </p:txBody>
+      </p:sp>
+      <p:sp>
+        <p:nvSpPr>
+          <p:cNvPr id="22" name="Rounded Rectangle 21"/>
+          <p:cNvSpPr/>
+          <p:nvPr/>
+        </p:nvSpPr>
+        <p:spPr>
+          <a:xfrm>
+            <a:off x="1296285" y="2424979"/>
+            <a:ext cx="2205611" cy="714203"/>
+          </a:xfrm>
+          <a:prstGeom prst="roundRect">
+            <a:avLst/>
+          </a:prstGeom>
+        </p:spPr>
+        <p:style>
+          <a:lnRef idx="1">
+            <a:schemeClr val="accent4"/>
+          </a:lnRef>
+          <a:fillRef idx="2">
+            <a:schemeClr val="accent4"/>
+          </a:fillRef>
+          <a:effectRef idx="1">
+            <a:schemeClr val="accent4"/>
+          </a:effectRef>
+          <a:fontRef idx="minor">
+            <a:schemeClr val="dk1"/>
+          </a:fontRef>
+        </p:style>
+        <p:txBody>
+          <a:bodyPr rtlCol="0" anchor="ctr"/>
+          <a:lstStyle/>
+          <a:p>
+            <a:pPr algn="ctr"/>
+            <a:r>
+              <a:rPr lang="en-US" i="1" dirty="0" smtClean="0">
+                <a:solidFill>
+                  <a:schemeClr val="bg1">
+                    <a:lumMod val="75000"/>
+                  </a:schemeClr>
+                </a:solidFill>
+              </a:rPr>
+              <a:t>NITRO-Accounts</a:t>
+            </a:r>
+            <a:endParaRPr lang="en-US" i="1" dirty="0">
+              <a:solidFill>
+                <a:schemeClr val="bg1">
+                  <a:lumMod val="75000"/>
+                </a:schemeClr>
+              </a:solidFill>
+            </a:endParaRPr>
+          </a:p>
+        </p:txBody>
+      </p:sp>
+      <p:sp>
+        <p:nvSpPr>
+          <p:cNvPr id="23" name="Rounded Rectangle 22"/>
+          <p:cNvSpPr/>
+          <p:nvPr/>
+        </p:nvSpPr>
+        <p:spPr>
+          <a:xfrm>
+            <a:off x="1296285" y="3863858"/>
+            <a:ext cx="2205612" cy="714203"/>
+          </a:xfrm>
+          <a:prstGeom prst="roundRect">
+            <a:avLst/>
+          </a:prstGeom>
+        </p:spPr>
+        <p:style>
+          <a:lnRef idx="1">
+            <a:schemeClr val="accent2"/>
+          </a:lnRef>
+          <a:fillRef idx="2">
+            <a:schemeClr val="accent2"/>
+          </a:fillRef>
+          <a:effectRef idx="1">
+            <a:schemeClr val="accent2"/>
+          </a:effectRef>
+          <a:fontRef idx="minor">
+            <a:schemeClr val="dk1"/>
+          </a:fontRef>
+        </p:style>
+        <p:txBody>
+          <a:bodyPr rtlCol="0" anchor="ctr"/>
+          <a:lstStyle/>
+          <a:p>
+            <a:pPr algn="ctr"/>
+            <a:r>
+              <a:rPr lang="en-US" i="1" dirty="0" smtClean="0">
+                <a:solidFill>
+                  <a:schemeClr val="bg1">
+                    <a:lumMod val="75000"/>
+                  </a:schemeClr>
+                </a:solidFill>
+              </a:rPr>
+              <a:t>Ruby on Rails – v 4.0</a:t>
+            </a:r>
+            <a:endParaRPr lang="en-US" i="1" dirty="0">
+              <a:solidFill>
+                <a:schemeClr val="bg1">
+                  <a:lumMod val="75000"/>
+                </a:schemeClr>
+              </a:solidFill>
+            </a:endParaRPr>
+          </a:p>
+        </p:txBody>
+      </p:sp>
+      <p:sp>
+        <p:nvSpPr>
+          <p:cNvPr id="25" name="Rounded Rectangle 24"/>
+          <p:cNvSpPr/>
+          <p:nvPr/>
+        </p:nvSpPr>
+        <p:spPr>
+          <a:xfrm>
+            <a:off x="1296285" y="3149655"/>
+            <a:ext cx="2205612" cy="714203"/>
+          </a:xfrm>
+          <a:prstGeom prst="roundRect">
+            <a:avLst/>
+          </a:prstGeom>
+        </p:spPr>
+        <p:style>
+          <a:lnRef idx="1">
+            <a:schemeClr val="accent2"/>
+          </a:lnRef>
+          <a:fillRef idx="2">
+            <a:schemeClr val="accent2"/>
+          </a:fillRef>
+          <a:effectRef idx="1">
+            <a:schemeClr val="accent2"/>
+          </a:effectRef>
+          <a:fontRef idx="minor">
+            <a:schemeClr val="dk1"/>
+          </a:fontRef>
+        </p:style>
+        <p:txBody>
+          <a:bodyPr rtlCol="0" anchor="ctr"/>
+          <a:lstStyle/>
+          <a:p>
+            <a:pPr algn="ctr"/>
+            <a:r>
+              <a:rPr lang="en-US" i="1" dirty="0" err="1" smtClean="0">
+                <a:solidFill>
+                  <a:schemeClr val="bg1">
+                    <a:lumMod val="75000"/>
+                  </a:schemeClr>
+                </a:solidFill>
+              </a:rPr>
+              <a:t>OAuth</a:t>
+            </a:r>
+            <a:r>
+              <a:rPr lang="en-US" i="1" dirty="0" smtClean="0">
+                <a:solidFill>
+                  <a:schemeClr val="bg1">
+                    <a:lumMod val="75000"/>
+                  </a:schemeClr>
+                </a:solidFill>
+              </a:rPr>
+              <a:t> - </a:t>
+            </a:r>
+            <a:r>
+              <a:rPr lang="en-US" i="1" dirty="0" err="1" smtClean="0">
+                <a:solidFill>
+                  <a:schemeClr val="bg1">
+                    <a:lumMod val="75000"/>
+                  </a:schemeClr>
+                </a:solidFill>
+              </a:rPr>
+              <a:t>OmniAuth</a:t>
+            </a:r>
+            <a:endParaRPr lang="en-US" i="1" dirty="0">
+              <a:solidFill>
+                <a:schemeClr val="bg1">
+                  <a:lumMod val="75000"/>
+                </a:schemeClr>
+              </a:solidFill>
+            </a:endParaRPr>
+          </a:p>
+        </p:txBody>
+      </p:sp>
+      <p:cxnSp>
+        <p:nvCxnSpPr>
+          <p:cNvPr id="27" name="Straight Arrow Connector 26"/>
+          <p:cNvCxnSpPr>
+            <a:stCxn id="12" idx="1"/>
+            <a:endCxn id="22" idx="3"/>
+          </p:cNvCxnSpPr>
+          <p:nvPr/>
+        </p:nvCxnSpPr>
+        <p:spPr>
+          <a:xfrm flipH="1">
+            <a:off x="3501896" y="2773322"/>
+            <a:ext cx="649722" cy="8759"/>
+          </a:xfrm>
+          <a:prstGeom prst="straightConnector1">
+            <a:avLst/>
+          </a:prstGeom>
+          <a:ln>
+            <a:tailEnd type="arrow"/>
+          </a:ln>
+        </p:spPr>
+        <p:style>
+          <a:lnRef idx="2">
+            <a:schemeClr val="accent1"/>
+          </a:lnRef>
+          <a:fillRef idx="0">
+            <a:schemeClr val="accent1"/>
+          </a:fillRef>
+          <a:effectRef idx="1">
+            <a:schemeClr val="accent1"/>
+          </a:effectRef>
+          <a:fontRef idx="minor">
+            <a:schemeClr val="tx1"/>
+          </a:fontRef>
+        </p:style>
+      </p:cxnSp>
+      <p:cxnSp>
+        <p:nvCxnSpPr>
+          <p:cNvPr id="32" name="Straight Arrow Connector 31"/>
+          <p:cNvCxnSpPr>
+            <a:stCxn id="12" idx="1"/>
+            <a:endCxn id="25" idx="3"/>
+          </p:cNvCxnSpPr>
+          <p:nvPr/>
+        </p:nvCxnSpPr>
+        <p:spPr>
+          <a:xfrm flipH="1">
+            <a:off x="3501897" y="2773322"/>
+            <a:ext cx="649721" cy="733435"/>
+          </a:xfrm>
+          <a:prstGeom prst="straightConnector1">
+            <a:avLst/>
+          </a:prstGeom>
+          <a:ln>
+            <a:tailEnd type="arrow"/>
+          </a:ln>
+        </p:spPr>
+        <p:style>
+          <a:lnRef idx="2">
+            <a:schemeClr val="accent1"/>
+          </a:lnRef>
+          <a:fillRef idx="0">
+            <a:schemeClr val="accent1"/>
+          </a:fillRef>
+          <a:effectRef idx="1">
+            <a:schemeClr val="accent1"/>
+          </a:effectRef>
+          <a:fontRef idx="minor">
+            <a:schemeClr val="tx1"/>
+          </a:fontRef>
+        </p:style>
+      </p:cxnSp>
+      <p:sp>
+        <p:nvSpPr>
+          <p:cNvPr id="35" name="TextBox 34"/>
+          <p:cNvSpPr txBox="1"/>
+          <p:nvPr/>
+        </p:nvSpPr>
+        <p:spPr>
+          <a:xfrm>
+            <a:off x="3475619" y="2342435"/>
+            <a:ext cx="684731" cy="430887"/>
+          </a:xfrm>
+          <a:prstGeom prst="rect">
+            <a:avLst/>
+          </a:prstGeom>
+          <a:noFill/>
+        </p:spPr>
+        <p:txBody>
+          <a:bodyPr wrap="square" rtlCol="0">
+            <a:spAutoFit/>
+          </a:bodyPr>
+          <a:lstStyle/>
+          <a:p>
+            <a:r>
+              <a:rPr lang="en-US" sz="1100" i="1" dirty="0" smtClean="0">
+                <a:solidFill>
+                  <a:schemeClr val="bg1">
+                    <a:lumMod val="75000"/>
+                  </a:schemeClr>
+                </a:solidFill>
+              </a:rPr>
+              <a:t>Service </a:t>
+            </a:r>
+          </a:p>
+          <a:p>
+            <a:r>
+              <a:rPr lang="en-US" sz="1100" i="1" dirty="0" smtClean="0">
+                <a:solidFill>
+                  <a:schemeClr val="bg1">
+                    <a:lumMod val="75000"/>
+                  </a:schemeClr>
+                </a:solidFill>
+              </a:rPr>
+              <a:t>call</a:t>
+            </a:r>
+            <a:endParaRPr lang="en-US" sz="1100" i="1" dirty="0">
+              <a:solidFill>
+                <a:schemeClr val="bg1">
+                  <a:lumMod val="75000"/>
+                </a:schemeClr>
+              </a:solidFill>
+            </a:endParaRPr>
+          </a:p>
+        </p:txBody>
+      </p:sp>
+      <p:sp>
+        <p:nvSpPr>
+          <p:cNvPr id="47" name="Oval 46"/>
+          <p:cNvSpPr/>
+          <p:nvPr/>
+        </p:nvSpPr>
+        <p:spPr>
+          <a:xfrm>
+            <a:off x="61313" y="2746677"/>
+            <a:ext cx="1129144" cy="529027"/>
+          </a:xfrm>
+          <a:prstGeom prst="ellipse">
+            <a:avLst/>
+          </a:prstGeom>
+        </p:spPr>
+        <p:style>
+          <a:lnRef idx="1">
+            <a:schemeClr val="dk1"/>
+          </a:lnRef>
+          <a:fillRef idx="2">
+            <a:schemeClr val="dk1"/>
+          </a:fillRef>
+          <a:effectRef idx="1">
+            <a:schemeClr val="dk1"/>
+          </a:effectRef>
+          <a:fontRef idx="minor">
+            <a:schemeClr val="dk1"/>
+          </a:fontRef>
+        </p:style>
+        <p:txBody>
+          <a:bodyPr rtlCol="0" anchor="ctr"/>
+          <a:lstStyle/>
+          <a:p>
+            <a:pPr algn="ctr"/>
+            <a:r>
+              <a:rPr lang="en-US" sz="1200" i="1" dirty="0" smtClean="0">
+                <a:solidFill>
+                  <a:schemeClr val="bg1">
+                    <a:lumMod val="75000"/>
+                  </a:schemeClr>
+                </a:solidFill>
+              </a:rPr>
+              <a:t>Google</a:t>
+            </a:r>
+            <a:endParaRPr lang="en-US" sz="1200" i="1" dirty="0">
+              <a:solidFill>
+                <a:schemeClr val="bg1">
+                  <a:lumMod val="75000"/>
+                </a:schemeClr>
+              </a:solidFill>
+            </a:endParaRPr>
+          </a:p>
+        </p:txBody>
+      </p:sp>
+      <p:sp>
+        <p:nvSpPr>
+          <p:cNvPr id="49" name="Oval 48"/>
+          <p:cNvSpPr/>
+          <p:nvPr/>
+        </p:nvSpPr>
+        <p:spPr>
+          <a:xfrm>
+            <a:off x="61313" y="2147521"/>
+            <a:ext cx="1129144" cy="529027"/>
+          </a:xfrm>
+          <a:prstGeom prst="ellipse">
+            <a:avLst/>
+          </a:prstGeom>
+        </p:spPr>
+        <p:style>
+          <a:lnRef idx="1">
+            <a:schemeClr val="dk1"/>
+          </a:lnRef>
+          <a:fillRef idx="2">
+            <a:schemeClr val="dk1"/>
+          </a:fillRef>
+          <a:effectRef idx="1">
+            <a:schemeClr val="dk1"/>
+          </a:effectRef>
+          <a:fontRef idx="minor">
+            <a:schemeClr val="dk1"/>
+          </a:fontRef>
+        </p:style>
+        <p:txBody>
+          <a:bodyPr rtlCol="0" anchor="ctr"/>
+          <a:lstStyle/>
+          <a:p>
+            <a:pPr algn="ctr"/>
+            <a:r>
+              <a:rPr lang="en-US" sz="1200" i="1" dirty="0" smtClean="0">
+                <a:solidFill>
+                  <a:schemeClr val="bg1">
+                    <a:lumMod val="75000"/>
+                  </a:schemeClr>
+                </a:solidFill>
+              </a:rPr>
+              <a:t>LDAP</a:t>
+            </a:r>
+            <a:endParaRPr lang="en-US" sz="1200" i="1" dirty="0">
+              <a:solidFill>
+                <a:schemeClr val="bg1">
+                  <a:lumMod val="75000"/>
+                </a:schemeClr>
+              </a:solidFill>
+            </a:endParaRPr>
+          </a:p>
+        </p:txBody>
+      </p:sp>
+      <p:sp>
+        <p:nvSpPr>
+          <p:cNvPr id="50" name="Oval 49"/>
+          <p:cNvSpPr/>
+          <p:nvPr/>
+        </p:nvSpPr>
+        <p:spPr>
+          <a:xfrm>
+            <a:off x="61313" y="3345776"/>
+            <a:ext cx="1129144" cy="529027"/>
+          </a:xfrm>
+          <a:prstGeom prst="ellipse">
+            <a:avLst/>
+          </a:prstGeom>
+        </p:spPr>
+        <p:style>
+          <a:lnRef idx="1">
+            <a:schemeClr val="dk1"/>
+          </a:lnRef>
+          <a:fillRef idx="2">
+            <a:schemeClr val="dk1"/>
+          </a:fillRef>
+          <a:effectRef idx="1">
+            <a:schemeClr val="dk1"/>
+          </a:effectRef>
+          <a:fontRef idx="minor">
+            <a:schemeClr val="dk1"/>
+          </a:fontRef>
+        </p:style>
+        <p:txBody>
+          <a:bodyPr rtlCol="0" anchor="ctr"/>
+          <a:lstStyle/>
+          <a:p>
+            <a:pPr algn="ctr"/>
+            <a:r>
+              <a:rPr lang="en-US" sz="1200" i="1" dirty="0" smtClean="0">
+                <a:solidFill>
+                  <a:schemeClr val="bg1">
+                    <a:lumMod val="75000"/>
+                  </a:schemeClr>
+                </a:solidFill>
+              </a:rPr>
+              <a:t>Facebook</a:t>
+            </a:r>
+            <a:endParaRPr lang="en-US" sz="1200" i="1" dirty="0">
+              <a:solidFill>
+                <a:schemeClr val="bg1">
+                  <a:lumMod val="75000"/>
+                </a:schemeClr>
+              </a:solidFill>
+            </a:endParaRPr>
+          </a:p>
+        </p:txBody>
+      </p:sp>
+      <p:sp>
+        <p:nvSpPr>
+          <p:cNvPr id="51" name="Oval 50"/>
+          <p:cNvSpPr/>
+          <p:nvPr/>
+        </p:nvSpPr>
+        <p:spPr>
+          <a:xfrm>
+            <a:off x="61313" y="3936116"/>
+            <a:ext cx="1129144" cy="529027"/>
+          </a:xfrm>
+          <a:prstGeom prst="ellipse">
+            <a:avLst/>
+          </a:prstGeom>
+        </p:spPr>
+        <p:style>
+          <a:lnRef idx="1">
+            <a:schemeClr val="dk1"/>
+          </a:lnRef>
+          <a:fillRef idx="2">
+            <a:schemeClr val="dk1"/>
+          </a:fillRef>
+          <a:effectRef idx="1">
+            <a:schemeClr val="dk1"/>
+          </a:effectRef>
+          <a:fontRef idx="minor">
+            <a:schemeClr val="dk1"/>
+          </a:fontRef>
+        </p:style>
+        <p:txBody>
+          <a:bodyPr rtlCol="0" anchor="ctr"/>
+          <a:lstStyle/>
+          <a:p>
+            <a:pPr algn="ctr"/>
+            <a:r>
+              <a:rPr lang="en-US" sz="1200" i="1" dirty="0" smtClean="0">
+                <a:solidFill>
+                  <a:schemeClr val="bg1">
+                    <a:lumMod val="75000"/>
+                  </a:schemeClr>
+                </a:solidFill>
+              </a:rPr>
+              <a:t>Twitter</a:t>
+            </a:r>
+            <a:endParaRPr lang="en-US" sz="1200" i="1" dirty="0">
+              <a:solidFill>
+                <a:schemeClr val="bg1">
+                  <a:lumMod val="75000"/>
+                </a:schemeClr>
+              </a:solidFill>
+            </a:endParaRPr>
+          </a:p>
+        </p:txBody>
+      </p:sp>
+      <p:sp>
+        <p:nvSpPr>
+          <p:cNvPr id="52" name="Oval 51"/>
+          <p:cNvSpPr/>
+          <p:nvPr/>
+        </p:nvSpPr>
+        <p:spPr>
+          <a:xfrm>
+            <a:off x="61313" y="4582507"/>
+            <a:ext cx="1129144" cy="529027"/>
+          </a:xfrm>
+          <a:prstGeom prst="ellipse">
+            <a:avLst/>
+          </a:prstGeom>
+        </p:spPr>
+        <p:style>
+          <a:lnRef idx="1">
+            <a:schemeClr val="dk1"/>
+          </a:lnRef>
+          <a:fillRef idx="2">
+            <a:schemeClr val="dk1"/>
+          </a:fillRef>
+          <a:effectRef idx="1">
+            <a:schemeClr val="dk1"/>
+          </a:effectRef>
+          <a:fontRef idx="minor">
+            <a:schemeClr val="dk1"/>
+          </a:fontRef>
+        </p:style>
+        <p:txBody>
+          <a:bodyPr rtlCol="0" anchor="ctr"/>
+          <a:lstStyle/>
+          <a:p>
+            <a:pPr algn="ctr"/>
+            <a:r>
+              <a:rPr lang="en-US" sz="1200" i="1" dirty="0" err="1" smtClean="0">
+                <a:solidFill>
+                  <a:schemeClr val="bg1">
+                    <a:lumMod val="75000"/>
+                  </a:schemeClr>
+                </a:solidFill>
+              </a:rPr>
+              <a:t>OAuth</a:t>
+            </a:r>
+            <a:r>
+              <a:rPr lang="en-US" sz="1200" i="1" dirty="0" smtClean="0">
+                <a:solidFill>
+                  <a:schemeClr val="bg1">
+                    <a:lumMod val="75000"/>
+                  </a:schemeClr>
+                </a:solidFill>
+              </a:rPr>
+              <a:t> Provider</a:t>
             </a:r>
             <a:endParaRPr lang="en-US" sz="1200" i="1" dirty="0">
               <a:solidFill>
@@ -8762,7 +10187,7 @@
 </p:sld>
 </file>
 
-<file path=ppt/slides/slide11.xml><?xml version="1.0" encoding="utf-8"?>
+<file path=ppt/slides/slide13.xml><?xml version="1.0" encoding="utf-8"?>
 <p:sld xmlns:a="http://schemas.openxmlformats.org/drawingml/2006/main" xmlns:r="http://schemas.openxmlformats.org/officeDocument/2006/relationships" xmlns:p="http://schemas.openxmlformats.org/presentationml/2006/main">
   <p:cSld>
     <p:spTree>
@@ -8963,7 +10388,7 @@
 </p:sld>
 </file>
 
-<file path=ppt/slides/slide12.xml><?xml version="1.0" encoding="utf-8"?>
+<file path=ppt/slides/slide14.xml><?xml version="1.0" encoding="utf-8"?>
 <p:sld xmlns:a="http://schemas.openxmlformats.org/drawingml/2006/main" xmlns:r="http://schemas.openxmlformats.org/officeDocument/2006/relationships" xmlns:p="http://schemas.openxmlformats.org/presentationml/2006/main">
   <p:cSld>
     <p:spTree>
@@ -10133,15 +11558,7 @@
                   <a:srgbClr val="BFBFBF"/>
                 </a:solidFill>
               </a:rPr>
-              <a:t> </a:t>
-            </a:r>
-            <a:r>
-              <a:rPr lang="en-US" sz="1200" i="1" dirty="0" smtClean="0">
-                <a:solidFill>
-                  <a:srgbClr val="BFBFBF"/>
-                </a:solidFill>
-              </a:rPr>
-              <a:t>Provider</a:t>
+              <a:t> Provider</a:t>
             </a:r>
             <a:endParaRPr lang="en-US" sz="1200" i="1" dirty="0">
               <a:solidFill>
@@ -10270,7 +11687,7 @@
 </p:sld>
 </file>
 
-<file path=ppt/slides/slide13.xml><?xml version="1.0" encoding="utf-8"?>
+<file path=ppt/slides/slide15.xml><?xml version="1.0" encoding="utf-8"?>
 <p:sld xmlns:a="http://schemas.openxmlformats.org/drawingml/2006/main" xmlns:r="http://schemas.openxmlformats.org/officeDocument/2006/relationships" xmlns:p="http://schemas.openxmlformats.org/presentationml/2006/main">
   <p:cSld>
     <p:spTree>
@@ -10466,7 +11883,7 @@
 </p:sld>
 </file>
 
-<file path=ppt/slides/slide14.xml><?xml version="1.0" encoding="utf-8"?>
+<file path=ppt/slides/slide16.xml><?xml version="1.0" encoding="utf-8"?>
 <p:sld xmlns:a="http://schemas.openxmlformats.org/drawingml/2006/main" xmlns:r="http://schemas.openxmlformats.org/officeDocument/2006/relationships" xmlns:p="http://schemas.openxmlformats.org/presentationml/2006/main">
   <p:cSld>
     <p:spTree>
@@ -11612,11 +13029,7 @@
             </a:r>
             <a:r>
               <a:rPr lang="en-US" sz="1200" b="1" i="1" dirty="0" smtClean="0"/>
-              <a:t> </a:t>
-            </a:r>
-            <a:r>
-              <a:rPr lang="en-US" sz="1200" b="1" i="1" dirty="0" smtClean="0"/>
-              <a:t>Provider</a:t>
+              <a:t> Provider</a:t>
             </a:r>
             <a:endParaRPr lang="en-US" sz="1200" b="1" i="1" dirty="0"/>
           </a:p>
@@ -11741,7 +13154,7 @@
 </p:sld>
 </file>
 
-<file path=ppt/slides/slide15.xml><?xml version="1.0" encoding="utf-8"?>
+<file path=ppt/slides/slide17.xml><?xml version="1.0" encoding="utf-8"?>
 <p:sld xmlns:a="http://schemas.openxmlformats.org/drawingml/2006/main" xmlns:r="http://schemas.openxmlformats.org/officeDocument/2006/relationships" xmlns:p="http://schemas.openxmlformats.org/presentationml/2006/main">
   <p:cSld>
     <p:spTree>
@@ -12004,548 +13417,6 @@
     <p:extLst>
       <p:ext uri="{BB962C8B-B14F-4D97-AF65-F5344CB8AC3E}">
         <p14:creationId xmlns:p14="http://schemas.microsoft.com/office/powerpoint/2010/main" val="1872600769"/>
-      </p:ext>
-    </p:extLst>
-  </p:cSld>
-  <p:clrMapOvr>
-    <a:masterClrMapping/>
-  </p:clrMapOvr>
-  <p:timing>
-    <p:tnLst>
-      <p:par>
-        <p:cTn xmlns:p14="http://schemas.microsoft.com/office/powerpoint/2010/main" id="1" dur="indefinite" restart="never" nodeType="tmRoot"/>
-      </p:par>
-    </p:tnLst>
-  </p:timing>
-</p:sld>
-</file>
-
-<file path=ppt/slides/slide16.xml><?xml version="1.0" encoding="utf-8"?>
-<p:sld xmlns:a="http://schemas.openxmlformats.org/drawingml/2006/main" xmlns:r="http://schemas.openxmlformats.org/officeDocument/2006/relationships" xmlns:p="http://schemas.openxmlformats.org/presentationml/2006/main">
-  <p:cSld>
-    <p:spTree>
-      <p:nvGrpSpPr>
-        <p:cNvPr id="1" name=""/>
-        <p:cNvGrpSpPr/>
-        <p:nvPr/>
-      </p:nvGrpSpPr>
-      <p:grpSpPr>
-        <a:xfrm>
-          <a:off x="0" y="0"/>
-          <a:ext cx="0" cy="0"/>
-          <a:chOff x="0" y="0"/>
-          <a:chExt cx="0" cy="0"/>
-        </a:xfrm>
-      </p:grpSpPr>
-      <p:sp>
-        <p:nvSpPr>
-          <p:cNvPr id="2" name="Title 1"/>
-          <p:cNvSpPr>
-            <a:spLocks noGrp="1"/>
-          </p:cNvSpPr>
-          <p:nvPr>
-            <p:ph type="title"/>
-          </p:nvPr>
-        </p:nvSpPr>
-        <p:spPr/>
-        <p:txBody>
-          <a:bodyPr/>
-          <a:lstStyle/>
-          <a:p>
-            <a:r>
-              <a:rPr lang="en-US" dirty="0"/>
-              <a:t>NITRO-Competitions</a:t>
-            </a:r>
-          </a:p>
-        </p:txBody>
-      </p:sp>
-      <p:sp>
-        <p:nvSpPr>
-          <p:cNvPr id="6" name="Content Placeholder 5"/>
-          <p:cNvSpPr>
-            <a:spLocks noGrp="1"/>
-          </p:cNvSpPr>
-          <p:nvPr>
-            <p:ph idx="1"/>
-          </p:nvPr>
-        </p:nvSpPr>
-        <p:spPr>
-          <a:xfrm>
-            <a:off x="457200" y="1600200"/>
-            <a:ext cx="8229600" cy="4737497"/>
-          </a:xfrm>
-        </p:spPr>
-        <p:txBody>
-          <a:bodyPr/>
-          <a:lstStyle/>
-          <a:p>
-            <a:pPr marL="0" indent="0">
-              <a:buNone/>
-            </a:pPr>
-            <a:endParaRPr lang="en-US" dirty="0" smtClean="0"/>
-          </a:p>
-          <a:p>
-            <a:pPr marL="0" indent="0" algn="ctr">
-              <a:buNone/>
-            </a:pPr>
-            <a:r>
-              <a:rPr lang="en-US" dirty="0" smtClean="0"/>
-              <a:t>Authentication</a:t>
-            </a:r>
-          </a:p>
-          <a:p>
-            <a:pPr marL="0" indent="0" algn="ctr">
-              <a:buNone/>
-            </a:pPr>
-            <a:endParaRPr lang="en-US" dirty="0" smtClean="0"/>
-          </a:p>
-          <a:p>
-            <a:r>
-              <a:rPr lang="en-US" sz="2000" dirty="0" smtClean="0">
-                <a:solidFill>
-                  <a:srgbClr val="7F7F7F"/>
-                </a:solidFill>
-              </a:rPr>
-              <a:t>We recommend </a:t>
-            </a:r>
-            <a:r>
-              <a:rPr lang="en-US" sz="2000" dirty="0" err="1" smtClean="0">
-                <a:solidFill>
-                  <a:srgbClr val="7F7F7F"/>
-                </a:solidFill>
-              </a:rPr>
-              <a:t>OAuth</a:t>
-            </a:r>
-            <a:r>
-              <a:rPr lang="en-US" sz="2000" dirty="0" smtClean="0">
-                <a:solidFill>
-                  <a:srgbClr val="7F7F7F"/>
-                </a:solidFill>
-              </a:rPr>
-              <a:t> for authentication</a:t>
-            </a:r>
-          </a:p>
-          <a:p>
-            <a:pPr lvl="1"/>
-            <a:r>
-              <a:rPr lang="en-US" sz="1600" dirty="0">
-                <a:solidFill>
-                  <a:srgbClr val="7F7F7F"/>
-                </a:solidFill>
-              </a:rPr>
-              <a:t> </a:t>
-            </a:r>
-            <a:r>
-              <a:rPr lang="en-US" sz="1600" dirty="0">
-                <a:solidFill>
-                  <a:srgbClr val="7F7F7F"/>
-                </a:solidFill>
-                <a:hlinkClick r:id="rId2"/>
-              </a:rPr>
-              <a:t>https://github.com/intridea/omniauth/wiki/List-of-</a:t>
-            </a:r>
-            <a:r>
-              <a:rPr lang="en-US" sz="1600" dirty="0" smtClean="0">
-                <a:solidFill>
-                  <a:srgbClr val="7F7F7F"/>
-                </a:solidFill>
-                <a:hlinkClick r:id="rId2"/>
-              </a:rPr>
-              <a:t>Strategies</a:t>
-            </a:r>
-            <a:endParaRPr lang="en-US" sz="2000" dirty="0">
-              <a:solidFill>
-                <a:srgbClr val="7F7F7F"/>
-              </a:solidFill>
-            </a:endParaRPr>
-          </a:p>
-          <a:p>
-            <a:endParaRPr lang="en-US" sz="2000" dirty="0" smtClean="0">
-              <a:solidFill>
-                <a:srgbClr val="7F7F7F"/>
-              </a:solidFill>
-            </a:endParaRPr>
-          </a:p>
-          <a:p>
-            <a:r>
-              <a:rPr lang="en-US" sz="2000" dirty="0" smtClean="0">
-                <a:solidFill>
-                  <a:srgbClr val="7F7F7F"/>
-                </a:solidFill>
-              </a:rPr>
-              <a:t>NITRO-Competitions </a:t>
-            </a:r>
-            <a:r>
-              <a:rPr lang="en-US" sz="2000" dirty="0" smtClean="0">
-                <a:solidFill>
-                  <a:srgbClr val="7F7F7F"/>
-                </a:solidFill>
-              </a:rPr>
-              <a:t>supports </a:t>
-            </a:r>
-            <a:r>
-              <a:rPr lang="en-US" sz="2000" dirty="0" smtClean="0">
-                <a:solidFill>
-                  <a:srgbClr val="7F7F7F"/>
-                </a:solidFill>
-              </a:rPr>
-              <a:t>other legacy authentication mechanisms</a:t>
-            </a:r>
-          </a:p>
-          <a:p>
-            <a:pPr lvl="1"/>
-            <a:r>
-              <a:rPr lang="en-US" sz="1600" dirty="0">
-                <a:solidFill>
-                  <a:srgbClr val="7F7F7F"/>
-                </a:solidFill>
-                <a:hlinkClick r:id="rId3"/>
-              </a:rPr>
-              <a:t>https://github.com/NUBIC/</a:t>
-            </a:r>
-            <a:r>
-              <a:rPr lang="en-US" sz="1600" dirty="0" smtClean="0">
-                <a:solidFill>
-                  <a:srgbClr val="7F7F7F"/>
-                </a:solidFill>
-                <a:hlinkClick r:id="rId3"/>
-              </a:rPr>
-              <a:t>aker</a:t>
-            </a:r>
-            <a:r>
-              <a:rPr lang="en-US" sz="1600" dirty="0" smtClean="0">
-                <a:solidFill>
-                  <a:srgbClr val="7F7F7F"/>
-                </a:solidFill>
-              </a:rPr>
-              <a:t> </a:t>
-            </a:r>
-          </a:p>
-        </p:txBody>
-      </p:sp>
-      <p:pic>
-        <p:nvPicPr>
-          <p:cNvPr id="4" name="Picture 3"/>
-          <p:cNvPicPr>
-            <a:picLocks noChangeAspect="1"/>
-          </p:cNvPicPr>
-          <p:nvPr/>
-        </p:nvPicPr>
-        <p:blipFill>
-          <a:blip r:embed="rId4">
-            <a:extLst>
-              <a:ext uri="{28A0092B-C50C-407E-A947-70E740481C1C}">
-                <a14:useLocalDpi xmlns:a14="http://schemas.microsoft.com/office/drawing/2010/main" val="0"/>
-              </a:ext>
-            </a:extLst>
-          </a:blip>
-          <a:stretch>
-            <a:fillRect/>
-          </a:stretch>
-        </p:blipFill>
-        <p:spPr>
-          <a:xfrm>
-            <a:off x="105830" y="5785769"/>
-            <a:ext cx="2941983" cy="1042303"/>
-          </a:xfrm>
-          <a:prstGeom prst="rect">
-            <a:avLst/>
-          </a:prstGeom>
-        </p:spPr>
-      </p:pic>
-    </p:spTree>
-    <p:extLst>
-      <p:ext uri="{BB962C8B-B14F-4D97-AF65-F5344CB8AC3E}">
-        <p14:creationId xmlns:p14="http://schemas.microsoft.com/office/powerpoint/2010/main" val="1620725514"/>
-      </p:ext>
-    </p:extLst>
-  </p:cSld>
-  <p:clrMapOvr>
-    <a:masterClrMapping/>
-  </p:clrMapOvr>
-  <p:timing>
-    <p:tnLst>
-      <p:par>
-        <p:cTn xmlns:p14="http://schemas.microsoft.com/office/powerpoint/2010/main" id="1" dur="indefinite" restart="never" nodeType="tmRoot"/>
-      </p:par>
-    </p:tnLst>
-  </p:timing>
-</p:sld>
-</file>
-
-<file path=ppt/slides/slide17.xml><?xml version="1.0" encoding="utf-8"?>
-<p:sld xmlns:a="http://schemas.openxmlformats.org/drawingml/2006/main" xmlns:r="http://schemas.openxmlformats.org/officeDocument/2006/relationships" xmlns:p="http://schemas.openxmlformats.org/presentationml/2006/main">
-  <p:cSld>
-    <p:spTree>
-      <p:nvGrpSpPr>
-        <p:cNvPr id="1" name=""/>
-        <p:cNvGrpSpPr/>
-        <p:nvPr/>
-      </p:nvGrpSpPr>
-      <p:grpSpPr>
-        <a:xfrm>
-          <a:off x="0" y="0"/>
-          <a:ext cx="0" cy="0"/>
-          <a:chOff x="0" y="0"/>
-          <a:chExt cx="0" cy="0"/>
-        </a:xfrm>
-      </p:grpSpPr>
-      <p:sp>
-        <p:nvSpPr>
-          <p:cNvPr id="2" name="Title 1"/>
-          <p:cNvSpPr>
-            <a:spLocks noGrp="1"/>
-          </p:cNvSpPr>
-          <p:nvPr>
-            <p:ph type="title"/>
-          </p:nvPr>
-        </p:nvSpPr>
-        <p:spPr/>
-        <p:txBody>
-          <a:bodyPr/>
-          <a:lstStyle/>
-          <a:p>
-            <a:r>
-              <a:rPr lang="en-US" dirty="0"/>
-              <a:t>NITRO-Competitions</a:t>
-            </a:r>
-          </a:p>
-        </p:txBody>
-      </p:sp>
-      <p:sp>
-        <p:nvSpPr>
-          <p:cNvPr id="6" name="Content Placeholder 5"/>
-          <p:cNvSpPr>
-            <a:spLocks noGrp="1"/>
-          </p:cNvSpPr>
-          <p:nvPr>
-            <p:ph idx="1"/>
-          </p:nvPr>
-        </p:nvSpPr>
-        <p:spPr>
-          <a:xfrm>
-            <a:off x="457200" y="1600201"/>
-            <a:ext cx="8229600" cy="3526398"/>
-          </a:xfrm>
-        </p:spPr>
-        <p:txBody>
-          <a:bodyPr/>
-          <a:lstStyle/>
-          <a:p>
-            <a:pPr marL="0" indent="0">
-              <a:buNone/>
-            </a:pPr>
-            <a:endParaRPr lang="en-US" dirty="0" smtClean="0"/>
-          </a:p>
-          <a:p>
-            <a:pPr marL="0" indent="0" algn="ctr">
-              <a:buNone/>
-            </a:pPr>
-            <a:r>
-              <a:rPr lang="en-US" dirty="0"/>
-              <a:t>(formerly NUCATS Assist</a:t>
-            </a:r>
-            <a:r>
-              <a:rPr lang="en-US" dirty="0" smtClean="0"/>
-              <a:t>)</a:t>
-            </a:r>
-          </a:p>
-          <a:p>
-            <a:pPr marL="0" indent="0" algn="ctr">
-              <a:buNone/>
-            </a:pPr>
-            <a:endParaRPr lang="en-US" sz="2000" dirty="0" smtClean="0"/>
-          </a:p>
-          <a:p>
-            <a:pPr marL="0" indent="0" algn="ctr">
-              <a:buNone/>
-            </a:pPr>
-            <a:r>
-              <a:rPr lang="en-US" sz="2000" dirty="0">
-                <a:solidFill>
-                  <a:srgbClr val="7F7F7F"/>
-                </a:solidFill>
-                <a:hlinkClick r:id="rId2"/>
-              </a:rPr>
-              <a:t>http://vimeopro.com/ctsacentral/ctsa-tool-shop-webinar/video/</a:t>
-            </a:r>
-            <a:r>
-              <a:rPr lang="en-US" sz="2000" dirty="0" smtClean="0">
-                <a:solidFill>
-                  <a:srgbClr val="7F7F7F"/>
-                </a:solidFill>
-                <a:hlinkClick r:id="rId2"/>
-              </a:rPr>
-              <a:t>52577882</a:t>
-            </a:r>
-            <a:endParaRPr lang="en-US" sz="2000" dirty="0" smtClean="0">
-              <a:solidFill>
-                <a:srgbClr val="7F7F7F"/>
-              </a:solidFill>
-            </a:endParaRPr>
-          </a:p>
-          <a:p>
-            <a:pPr marL="0" indent="0" algn="ctr">
-              <a:buNone/>
-            </a:pPr>
-            <a:endParaRPr lang="en-US" sz="2000" dirty="0">
-              <a:solidFill>
-                <a:srgbClr val="7F7F7F"/>
-              </a:solidFill>
-            </a:endParaRPr>
-          </a:p>
-          <a:p>
-            <a:pPr marL="0" indent="0" algn="ctr">
-              <a:buNone/>
-            </a:pPr>
-            <a:r>
-              <a:rPr lang="en-US" sz="2000" dirty="0"/>
-              <a:t>CTSA Tool Shop (Oct. 5</a:t>
-            </a:r>
-            <a:r>
-              <a:rPr lang="en-US" sz="2000" baseline="30000" dirty="0"/>
-              <a:t>th</a:t>
-            </a:r>
-            <a:r>
-              <a:rPr lang="en-US" sz="2000" dirty="0"/>
-              <a:t>, 2012) </a:t>
-            </a:r>
-            <a:endParaRPr lang="en-US" sz="2000" dirty="0" smtClean="0"/>
-          </a:p>
-          <a:p>
-            <a:pPr marL="0" indent="0" algn="ctr">
-              <a:buNone/>
-            </a:pPr>
-            <a:endParaRPr lang="en-US" sz="2000" dirty="0"/>
-          </a:p>
-          <a:p>
-            <a:pPr marL="0" indent="0" algn="ctr">
-              <a:buNone/>
-            </a:pPr>
-            <a:r>
-              <a:rPr lang="en-US" sz="2000" dirty="0" smtClean="0">
-                <a:hlinkClick r:id="rId3"/>
-              </a:rPr>
-              <a:t>https</a:t>
-            </a:r>
-            <a:r>
-              <a:rPr lang="en-US" sz="2000" dirty="0">
-                <a:hlinkClick r:id="rId3"/>
-              </a:rPr>
-              <a:t>://www.ctsacentral.org/tools/tool_shop#</a:t>
-            </a:r>
-            <a:r>
-              <a:rPr lang="en-US" sz="2000" dirty="0" smtClean="0">
-                <a:hlinkClick r:id="rId3"/>
-              </a:rPr>
-              <a:t>NUCATS</a:t>
-            </a:r>
-            <a:endParaRPr lang="en-US" sz="2000" dirty="0" smtClean="0"/>
-          </a:p>
-          <a:p>
-            <a:pPr marL="0" indent="0" algn="ctr">
-              <a:buNone/>
-            </a:pPr>
-            <a:endParaRPr lang="en-US" sz="2000" dirty="0"/>
-          </a:p>
-          <a:p>
-            <a:pPr marL="0" indent="0" algn="ctr">
-              <a:buNone/>
-            </a:pPr>
-            <a:endParaRPr lang="en-US" sz="2000" dirty="0">
-              <a:solidFill>
-                <a:srgbClr val="7F7F7F"/>
-              </a:solidFill>
-            </a:endParaRPr>
-          </a:p>
-        </p:txBody>
-      </p:sp>
-      <p:pic>
-        <p:nvPicPr>
-          <p:cNvPr id="4" name="Picture 3"/>
-          <p:cNvPicPr>
-            <a:picLocks noChangeAspect="1"/>
-          </p:cNvPicPr>
-          <p:nvPr/>
-        </p:nvPicPr>
-        <p:blipFill>
-          <a:blip r:embed="rId4">
-            <a:extLst>
-              <a:ext uri="{28A0092B-C50C-407E-A947-70E740481C1C}">
-                <a14:useLocalDpi xmlns:a14="http://schemas.microsoft.com/office/drawing/2010/main" val="0"/>
-              </a:ext>
-            </a:extLst>
-          </a:blip>
-          <a:stretch>
-            <a:fillRect/>
-          </a:stretch>
-        </p:blipFill>
-        <p:spPr>
-          <a:xfrm>
-            <a:off x="105830" y="5785769"/>
-            <a:ext cx="2941983" cy="1042303"/>
-          </a:xfrm>
-          <a:prstGeom prst="rect">
-            <a:avLst/>
-          </a:prstGeom>
-        </p:spPr>
-      </p:pic>
-      <p:sp>
-        <p:nvSpPr>
-          <p:cNvPr id="3" name="TextBox 2"/>
-          <p:cNvSpPr txBox="1"/>
-          <p:nvPr/>
-        </p:nvSpPr>
-        <p:spPr>
-          <a:xfrm>
-            <a:off x="4680035" y="4021322"/>
-            <a:ext cx="184666" cy="369332"/>
-          </a:xfrm>
-          <a:prstGeom prst="rect">
-            <a:avLst/>
-          </a:prstGeom>
-          <a:noFill/>
-        </p:spPr>
-        <p:txBody>
-          <a:bodyPr wrap="none" rtlCol="0">
-            <a:spAutoFit/>
-          </a:bodyPr>
-          <a:lstStyle/>
-          <a:p>
-            <a:endParaRPr lang="en-US" dirty="0"/>
-          </a:p>
-        </p:txBody>
-      </p:sp>
-      <p:sp>
-        <p:nvSpPr>
-          <p:cNvPr id="5" name="TextBox 4"/>
-          <p:cNvSpPr txBox="1"/>
-          <p:nvPr/>
-        </p:nvSpPr>
-        <p:spPr>
-          <a:xfrm>
-            <a:off x="944254" y="5297278"/>
-            <a:ext cx="184666" cy="369332"/>
-          </a:xfrm>
-          <a:prstGeom prst="rect">
-            <a:avLst/>
-          </a:prstGeom>
-          <a:noFill/>
-        </p:spPr>
-        <p:txBody>
-          <a:bodyPr wrap="none" rtlCol="0">
-            <a:spAutoFit/>
-          </a:bodyPr>
-          <a:lstStyle/>
-          <a:p>
-            <a:endParaRPr lang="en-US" dirty="0"/>
-          </a:p>
-        </p:txBody>
-      </p:sp>
-    </p:spTree>
-    <p:extLst>
-      <p:ext uri="{BB962C8B-B14F-4D97-AF65-F5344CB8AC3E}">
-        <p14:creationId xmlns:p14="http://schemas.microsoft.com/office/powerpoint/2010/main" val="1012976610"/>
       </p:ext>
     </p:extLst>
   </p:cSld>
@@ -12621,130 +13492,131 @@
           <a:bodyPr/>
           <a:lstStyle/>
           <a:p>
+            <a:pPr marL="0" indent="0">
+              <a:buNone/>
+            </a:pPr>
+            <a:endParaRPr lang="en-US" dirty="0" smtClean="0"/>
+          </a:p>
+          <a:p>
             <a:pPr marL="0" indent="0" algn="ctr">
               <a:buNone/>
             </a:pPr>
             <a:r>
               <a:rPr lang="en-US" dirty="0" smtClean="0"/>
-              <a:t>Walkthrough overview</a:t>
+              <a:t>Authentication</a:t>
             </a:r>
           </a:p>
           <a:p>
             <a:pPr marL="0" indent="0" algn="ctr">
               <a:buNone/>
             </a:pPr>
-            <a:endParaRPr lang="en-US" sz="1200" dirty="0" smtClean="0"/>
-          </a:p>
-          <a:p>
-            <a:r>
-              <a:rPr lang="en-US" sz="1800" b="1" dirty="0" smtClean="0"/>
-              <a:t>User Roles</a:t>
+            <a:endParaRPr lang="en-US" dirty="0" smtClean="0"/>
+          </a:p>
+          <a:p>
+            <a:r>
+              <a:rPr lang="en-US" sz="2000" dirty="0" smtClean="0">
+                <a:solidFill>
+                  <a:srgbClr val="7F7F7F"/>
+                </a:solidFill>
+              </a:rPr>
+              <a:t>We recommend </a:t>
+            </a:r>
+            <a:r>
+              <a:rPr lang="en-US" sz="2000" dirty="0" err="1" smtClean="0">
+                <a:solidFill>
+                  <a:srgbClr val="7F7F7F"/>
+                </a:solidFill>
+              </a:rPr>
+              <a:t>OAuth</a:t>
+            </a:r>
+            <a:r>
+              <a:rPr lang="en-US" sz="2000" dirty="0" smtClean="0">
+                <a:solidFill>
+                  <a:srgbClr val="7F7F7F"/>
+                </a:solidFill>
+              </a:rPr>
+              <a:t> for authentication</a:t>
             </a:r>
           </a:p>
           <a:p>
             <a:pPr lvl="1"/>
             <a:r>
-              <a:rPr lang="en-US" sz="1800" dirty="0" smtClean="0"/>
-              <a:t>Sponsor </a:t>
-            </a:r>
-            <a:r>
-              <a:rPr lang="en-US" sz="1800" dirty="0" smtClean="0"/>
-              <a:t>Administrators </a:t>
-            </a:r>
-            <a:r>
-              <a:rPr lang="en-US" sz="1800" i="1" dirty="0" smtClean="0"/>
-              <a:t>(admin)</a:t>
-            </a:r>
-            <a:endParaRPr lang="en-US" sz="1800" dirty="0" smtClean="0"/>
-          </a:p>
-          <a:p>
-            <a:pPr lvl="1"/>
-            <a:r>
-              <a:rPr lang="en-US" sz="1800" dirty="0" smtClean="0"/>
-              <a:t>Applicants </a:t>
-            </a:r>
-            <a:r>
-              <a:rPr lang="en-US" sz="1800" i="1" dirty="0" smtClean="0"/>
-              <a:t>(user)</a:t>
-            </a:r>
-            <a:endParaRPr lang="en-US" sz="1800" dirty="0" smtClean="0"/>
-          </a:p>
-          <a:p>
-            <a:pPr lvl="1"/>
-            <a:r>
-              <a:rPr lang="en-US" sz="1800" dirty="0" smtClean="0"/>
-              <a:t>Reviewers </a:t>
-            </a:r>
-            <a:r>
-              <a:rPr lang="en-US" sz="1800" i="1" dirty="0" smtClean="0"/>
-              <a:t>(reviewer)</a:t>
-            </a:r>
-          </a:p>
-          <a:p>
-            <a:pPr lvl="1"/>
-            <a:endParaRPr lang="en-US" sz="1800" dirty="0" smtClean="0"/>
-          </a:p>
-          <a:p>
-            <a:r>
-              <a:rPr lang="en-US" sz="1800" b="1" dirty="0" smtClean="0"/>
-              <a:t>Application Models</a:t>
-            </a:r>
-          </a:p>
-          <a:p>
-            <a:pPr lvl="1"/>
-            <a:r>
-              <a:rPr lang="en-US" sz="1800" dirty="0" smtClean="0"/>
-              <a:t>Sponsor </a:t>
-            </a:r>
-            <a:r>
-              <a:rPr lang="en-US" sz="1800" i="1" dirty="0" smtClean="0"/>
-              <a:t>(Program)</a:t>
-            </a:r>
-          </a:p>
-          <a:p>
-            <a:pPr lvl="1"/>
-            <a:r>
-              <a:rPr lang="en-US" sz="1800" dirty="0" smtClean="0"/>
-              <a:t>Competition </a:t>
-            </a:r>
-            <a:r>
-              <a:rPr lang="en-US" sz="1800" i="1" dirty="0" smtClean="0"/>
-              <a:t>(Project)</a:t>
-            </a:r>
-          </a:p>
-          <a:p>
-            <a:pPr lvl="1"/>
-            <a:r>
-              <a:rPr lang="en-US" sz="1800" dirty="0" smtClean="0"/>
-              <a:t>Application </a:t>
-            </a:r>
-            <a:r>
-              <a:rPr lang="en-US" sz="1800" i="1" dirty="0" smtClean="0"/>
-              <a:t>(Submission)</a:t>
-            </a:r>
-            <a:endParaRPr lang="en-US" sz="1800" i="1" dirty="0"/>
-          </a:p>
-          <a:p>
-            <a:pPr lvl="1"/>
-            <a:r>
-              <a:rPr lang="en-US" sz="1800" dirty="0" smtClean="0"/>
-              <a:t>Review </a:t>
-            </a:r>
-            <a:r>
-              <a:rPr lang="en-US" sz="1800" i="1" dirty="0" smtClean="0"/>
-              <a:t>(Submission Review)</a:t>
-            </a:r>
-            <a:endParaRPr lang="en-US" sz="1800" i="1" dirty="0"/>
-          </a:p>
-          <a:p>
-            <a:pPr marL="0" indent="0" algn="ctr">
-              <a:buNone/>
-            </a:pPr>
-            <a:endParaRPr lang="en-US" sz="2400" dirty="0">
+              <a:rPr lang="en-US" sz="1600" dirty="0">
+                <a:solidFill>
+                  <a:srgbClr val="7F7F7F"/>
+                </a:solidFill>
+              </a:rPr>
+              <a:t> </a:t>
+            </a:r>
+            <a:r>
+              <a:rPr lang="en-US" sz="1600" dirty="0">
+                <a:solidFill>
+                  <a:srgbClr val="7F7F7F"/>
+                </a:solidFill>
+                <a:hlinkClick r:id="rId2"/>
+              </a:rPr>
+              <a:t>https://github.com/intridea/omniauth/wiki/List-of-</a:t>
+            </a:r>
+            <a:r>
+              <a:rPr lang="en-US" sz="1600" dirty="0" smtClean="0">
+                <a:solidFill>
+                  <a:srgbClr val="7F7F7F"/>
+                </a:solidFill>
+                <a:hlinkClick r:id="rId2"/>
+              </a:rPr>
+              <a:t>Strategies</a:t>
+            </a:r>
+            <a:endParaRPr lang="en-US" sz="2000" dirty="0">
               <a:solidFill>
                 <a:srgbClr val="7F7F7F"/>
               </a:solidFill>
             </a:endParaRPr>
+          </a:p>
+          <a:p>
+            <a:endParaRPr lang="en-US" sz="2000" dirty="0" smtClean="0">
+              <a:solidFill>
+                <a:srgbClr val="7F7F7F"/>
+              </a:solidFill>
+            </a:endParaRPr>
+          </a:p>
+          <a:p>
+            <a:r>
+              <a:rPr lang="en-US" sz="2000" dirty="0" smtClean="0">
+                <a:solidFill>
+                  <a:srgbClr val="7F7F7F"/>
+                </a:solidFill>
+              </a:rPr>
+              <a:t>NITRO-Competitions supports other legacy authentication mechanisms</a:t>
+            </a:r>
+          </a:p>
+          <a:p>
+            <a:pPr lvl="1"/>
+            <a:r>
+              <a:rPr lang="en-US" sz="1600" dirty="0">
+                <a:solidFill>
+                  <a:srgbClr val="7F7F7F"/>
+                </a:solidFill>
+                <a:hlinkClick r:id="rId3"/>
+              </a:rPr>
+              <a:t>https://github.com/NUBIC/</a:t>
+            </a:r>
+            <a:r>
+              <a:rPr lang="en-US" sz="1600" dirty="0" smtClean="0">
+                <a:solidFill>
+                  <a:srgbClr val="7F7F7F"/>
+                </a:solidFill>
+                <a:hlinkClick r:id="rId3"/>
+              </a:rPr>
+              <a:t>aker</a:t>
+            </a:r>
+            <a:r>
+              <a:rPr lang="en-US" sz="1600" dirty="0" smtClean="0">
+                <a:solidFill>
+                  <a:srgbClr val="7F7F7F"/>
+                </a:solidFill>
+              </a:rPr>
+              <a:t> </a:t>
+            </a:r>
           </a:p>
         </p:txBody>
       </p:sp>
@@ -12757,7 +13629,7 @@
           <p:nvPr/>
         </p:nvPicPr>
         <p:blipFill>
-          <a:blip r:embed="rId2">
+          <a:blip r:embed="rId4">
             <a:extLst>
               <a:ext uri="{28A0092B-C50C-407E-A947-70E740481C1C}">
                 <a14:useLocalDpi xmlns:a14="http://schemas.microsoft.com/office/drawing/2010/main" val="0"/>
@@ -12781,7 +13653,7 @@
     </p:spTree>
     <p:extLst>
       <p:ext uri="{BB962C8B-B14F-4D97-AF65-F5344CB8AC3E}">
-        <p14:creationId xmlns:p14="http://schemas.microsoft.com/office/powerpoint/2010/main" val="2254630095"/>
+        <p14:creationId xmlns:p14="http://schemas.microsoft.com/office/powerpoint/2010/main" val="1620725514"/>
       </p:ext>
     </p:extLst>
   </p:cSld>
@@ -12865,6 +13737,119 @@
               <a:t>Walkthrough overview</a:t>
             </a:r>
           </a:p>
+          <a:p>
+            <a:pPr marL="0" indent="0" algn="ctr">
+              <a:buNone/>
+            </a:pPr>
+            <a:endParaRPr lang="en-US" sz="1200" dirty="0" smtClean="0"/>
+          </a:p>
+          <a:p>
+            <a:r>
+              <a:rPr lang="en-US" sz="1800" b="1" dirty="0" smtClean="0"/>
+              <a:t>User Roles</a:t>
+            </a:r>
+          </a:p>
+          <a:p>
+            <a:pPr lvl="1"/>
+            <a:r>
+              <a:rPr lang="en-US" sz="1800" dirty="0" smtClean="0"/>
+              <a:t>Sponsor Administrators </a:t>
+            </a:r>
+            <a:r>
+              <a:rPr lang="en-US" sz="1800" i="1" dirty="0" smtClean="0"/>
+              <a:t>(admin)</a:t>
+            </a:r>
+            <a:endParaRPr lang="en-US" sz="1800" dirty="0" smtClean="0"/>
+          </a:p>
+          <a:p>
+            <a:pPr lvl="1"/>
+            <a:r>
+              <a:rPr lang="en-US" sz="1800" dirty="0" smtClean="0"/>
+              <a:t>Applicants </a:t>
+            </a:r>
+            <a:r>
+              <a:rPr lang="en-US" sz="1800" i="1" dirty="0" smtClean="0"/>
+              <a:t>(user)</a:t>
+            </a:r>
+            <a:endParaRPr lang="en-US" sz="1800" dirty="0" smtClean="0"/>
+          </a:p>
+          <a:p>
+            <a:pPr lvl="1"/>
+            <a:r>
+              <a:rPr lang="en-US" sz="1800" dirty="0" smtClean="0"/>
+              <a:t>Reviewers </a:t>
+            </a:r>
+            <a:r>
+              <a:rPr lang="en-US" sz="1800" i="1" dirty="0" smtClean="0"/>
+              <a:t>(reviewer)</a:t>
+            </a:r>
+          </a:p>
+          <a:p>
+            <a:pPr lvl="1"/>
+            <a:endParaRPr lang="en-US" sz="1800" dirty="0" smtClean="0"/>
+          </a:p>
+          <a:p>
+            <a:r>
+              <a:rPr lang="en-US" sz="1800" b="1" dirty="0" smtClean="0"/>
+              <a:t>Application Models</a:t>
+            </a:r>
+          </a:p>
+          <a:p>
+            <a:pPr lvl="1"/>
+            <a:r>
+              <a:rPr lang="en-US" sz="1800" dirty="0" smtClean="0"/>
+              <a:t>Sponsor </a:t>
+            </a:r>
+            <a:r>
+              <a:rPr lang="en-US" sz="1800" i="1" dirty="0" smtClean="0"/>
+              <a:t>(Program)</a:t>
+            </a:r>
+          </a:p>
+          <a:p>
+            <a:pPr lvl="1"/>
+            <a:r>
+              <a:rPr lang="en-US" sz="1800" dirty="0" smtClean="0"/>
+              <a:t>Competition </a:t>
+            </a:r>
+            <a:r>
+              <a:rPr lang="en-US" sz="1800" i="1" dirty="0" smtClean="0"/>
+              <a:t>(Project)</a:t>
+            </a:r>
+          </a:p>
+          <a:p>
+            <a:pPr lvl="1"/>
+            <a:r>
+              <a:rPr lang="en-US" sz="1800" dirty="0" smtClean="0"/>
+              <a:t>Application </a:t>
+            </a:r>
+            <a:r>
+              <a:rPr lang="en-US" sz="1800" i="1" dirty="0" smtClean="0"/>
+              <a:t>(Submission)</a:t>
+            </a:r>
+            <a:endParaRPr lang="en-US" sz="1800" i="1" dirty="0"/>
+          </a:p>
+          <a:p>
+            <a:pPr lvl="1"/>
+            <a:r>
+              <a:rPr lang="en-US" sz="1800" dirty="0" smtClean="0"/>
+              <a:t>Review </a:t>
+            </a:r>
+            <a:r>
+              <a:rPr lang="en-US" sz="1800" i="1" dirty="0" smtClean="0"/>
+              <a:t>(Submission Review)</a:t>
+            </a:r>
+            <a:endParaRPr lang="en-US" sz="1800" i="1" dirty="0"/>
+          </a:p>
+          <a:p>
+            <a:pPr marL="0" indent="0" algn="ctr">
+              <a:buNone/>
+            </a:pPr>
+            <a:endParaRPr lang="en-US" sz="2400" dirty="0">
+              <a:solidFill>
+                <a:srgbClr val="7F7F7F"/>
+              </a:solidFill>
+            </a:endParaRPr>
+          </a:p>
         </p:txBody>
       </p:sp>
       <p:pic>
@@ -12897,847 +13882,10 @@
           </a:prstGeom>
         </p:spPr>
       </p:pic>
-      <p:sp>
-        <p:nvSpPr>
-          <p:cNvPr id="3" name="Rounded Rectangle 2"/>
-          <p:cNvSpPr/>
-          <p:nvPr/>
-        </p:nvSpPr>
-        <p:spPr>
-          <a:xfrm>
-            <a:off x="511182" y="2977957"/>
-            <a:ext cx="2541939" cy="508000"/>
-          </a:xfrm>
-          <a:prstGeom prst="roundRect">
-            <a:avLst/>
-          </a:prstGeom>
-        </p:spPr>
-        <p:style>
-          <a:lnRef idx="1">
-            <a:schemeClr val="dk1"/>
-          </a:lnRef>
-          <a:fillRef idx="2">
-            <a:schemeClr val="dk1"/>
-          </a:fillRef>
-          <a:effectRef idx="1">
-            <a:schemeClr val="dk1"/>
-          </a:effectRef>
-          <a:fontRef idx="minor">
-            <a:schemeClr val="dk1"/>
-          </a:fontRef>
-        </p:style>
-        <p:txBody>
-          <a:bodyPr rtlCol="0" anchor="ctr"/>
-          <a:lstStyle/>
-          <a:p>
-            <a:pPr algn="ctr"/>
-            <a:r>
-              <a:rPr lang="en-US" dirty="0" smtClean="0"/>
-              <a:t>Create Sponsor</a:t>
-            </a:r>
-            <a:endParaRPr lang="en-US" dirty="0"/>
-          </a:p>
-        </p:txBody>
-      </p:sp>
-      <p:sp>
-        <p:nvSpPr>
-          <p:cNvPr id="7" name="Rounded Rectangle 6"/>
-          <p:cNvSpPr/>
-          <p:nvPr/>
-        </p:nvSpPr>
-        <p:spPr>
-          <a:xfrm>
-            <a:off x="511182" y="3690933"/>
-            <a:ext cx="2237139" cy="508000"/>
-          </a:xfrm>
-          <a:prstGeom prst="roundRect">
-            <a:avLst/>
-          </a:prstGeom>
-        </p:spPr>
-        <p:style>
-          <a:lnRef idx="1">
-            <a:schemeClr val="dk1"/>
-          </a:lnRef>
-          <a:fillRef idx="2">
-            <a:schemeClr val="dk1"/>
-          </a:fillRef>
-          <a:effectRef idx="1">
-            <a:schemeClr val="dk1"/>
-          </a:effectRef>
-          <a:fontRef idx="minor">
-            <a:schemeClr val="dk1"/>
-          </a:fontRef>
-        </p:style>
-        <p:txBody>
-          <a:bodyPr rtlCol="0" anchor="ctr"/>
-          <a:lstStyle/>
-          <a:p>
-            <a:pPr algn="ctr"/>
-            <a:r>
-              <a:rPr lang="en-US" dirty="0" smtClean="0"/>
-              <a:t>Create Competition</a:t>
-            </a:r>
-            <a:endParaRPr lang="en-US" dirty="0"/>
-          </a:p>
-        </p:txBody>
-      </p:sp>
-      <p:sp>
-        <p:nvSpPr>
-          <p:cNvPr id="8" name="Rounded Rectangle 7"/>
-          <p:cNvSpPr/>
-          <p:nvPr/>
-        </p:nvSpPr>
-        <p:spPr>
-          <a:xfrm>
-            <a:off x="663582" y="3843333"/>
-            <a:ext cx="2237139" cy="508000"/>
-          </a:xfrm>
-          <a:prstGeom prst="roundRect">
-            <a:avLst/>
-          </a:prstGeom>
-        </p:spPr>
-        <p:style>
-          <a:lnRef idx="1">
-            <a:schemeClr val="dk1"/>
-          </a:lnRef>
-          <a:fillRef idx="2">
-            <a:schemeClr val="dk1"/>
-          </a:fillRef>
-          <a:effectRef idx="1">
-            <a:schemeClr val="dk1"/>
-          </a:effectRef>
-          <a:fontRef idx="minor">
-            <a:schemeClr val="dk1"/>
-          </a:fontRef>
-        </p:style>
-        <p:txBody>
-          <a:bodyPr rtlCol="0" anchor="ctr"/>
-          <a:lstStyle/>
-          <a:p>
-            <a:pPr algn="ctr"/>
-            <a:r>
-              <a:rPr lang="en-US" dirty="0" smtClean="0"/>
-              <a:t>Create Competition</a:t>
-            </a:r>
-            <a:endParaRPr lang="en-US" dirty="0"/>
-          </a:p>
-        </p:txBody>
-      </p:sp>
-      <p:sp>
-        <p:nvSpPr>
-          <p:cNvPr id="9" name="Rounded Rectangle 8"/>
-          <p:cNvSpPr/>
-          <p:nvPr/>
-        </p:nvSpPr>
-        <p:spPr>
-          <a:xfrm>
-            <a:off x="815982" y="3995733"/>
-            <a:ext cx="2237139" cy="508000"/>
-          </a:xfrm>
-          <a:prstGeom prst="roundRect">
-            <a:avLst/>
-          </a:prstGeom>
-        </p:spPr>
-        <p:style>
-          <a:lnRef idx="1">
-            <a:schemeClr val="dk1"/>
-          </a:lnRef>
-          <a:fillRef idx="2">
-            <a:schemeClr val="dk1"/>
-          </a:fillRef>
-          <a:effectRef idx="1">
-            <a:schemeClr val="dk1"/>
-          </a:effectRef>
-          <a:fontRef idx="minor">
-            <a:schemeClr val="dk1"/>
-          </a:fontRef>
-        </p:style>
-        <p:txBody>
-          <a:bodyPr rtlCol="0" anchor="ctr"/>
-          <a:lstStyle/>
-          <a:p>
-            <a:pPr algn="ctr"/>
-            <a:r>
-              <a:rPr lang="en-US" dirty="0" smtClean="0"/>
-              <a:t>Create Competition</a:t>
-            </a:r>
-            <a:endParaRPr lang="en-US" dirty="0"/>
-          </a:p>
-        </p:txBody>
-      </p:sp>
-      <p:cxnSp>
-        <p:nvCxnSpPr>
-          <p:cNvPr id="10" name="Straight Arrow Connector 9"/>
-          <p:cNvCxnSpPr>
-            <a:stCxn id="3" idx="2"/>
-          </p:cNvCxnSpPr>
-          <p:nvPr/>
-        </p:nvCxnSpPr>
-        <p:spPr>
-          <a:xfrm>
-            <a:off x="1782152" y="3485957"/>
-            <a:ext cx="0" cy="357376"/>
-          </a:xfrm>
-          <a:prstGeom prst="straightConnector1">
-            <a:avLst/>
-          </a:prstGeom>
-          <a:ln>
-            <a:tailEnd type="arrow"/>
-          </a:ln>
-        </p:spPr>
-        <p:style>
-          <a:lnRef idx="2">
-            <a:schemeClr val="accent1"/>
-          </a:lnRef>
-          <a:fillRef idx="0">
-            <a:schemeClr val="accent1"/>
-          </a:fillRef>
-          <a:effectRef idx="1">
-            <a:schemeClr val="accent1"/>
-          </a:effectRef>
-          <a:fontRef idx="minor">
-            <a:schemeClr val="tx1"/>
-          </a:fontRef>
-        </p:style>
-      </p:cxnSp>
-      <p:sp>
-        <p:nvSpPr>
-          <p:cNvPr id="13" name="Rounded Rectangle 12"/>
-          <p:cNvSpPr/>
-          <p:nvPr/>
-        </p:nvSpPr>
-        <p:spPr>
-          <a:xfrm>
-            <a:off x="511182" y="4724426"/>
-            <a:ext cx="2541939" cy="627119"/>
-          </a:xfrm>
-          <a:prstGeom prst="roundRect">
-            <a:avLst/>
-          </a:prstGeom>
-        </p:spPr>
-        <p:style>
-          <a:lnRef idx="1">
-            <a:schemeClr val="dk1"/>
-          </a:lnRef>
-          <a:fillRef idx="2">
-            <a:schemeClr val="dk1"/>
-          </a:fillRef>
-          <a:effectRef idx="1">
-            <a:schemeClr val="dk1"/>
-          </a:effectRef>
-          <a:fontRef idx="minor">
-            <a:schemeClr val="dk1"/>
-          </a:fontRef>
-        </p:style>
-        <p:txBody>
-          <a:bodyPr rtlCol="0" anchor="ctr"/>
-          <a:lstStyle/>
-          <a:p>
-            <a:pPr algn="ctr"/>
-            <a:r>
-              <a:rPr lang="en-US" dirty="0" smtClean="0"/>
-              <a:t>Activate Competition</a:t>
-            </a:r>
-          </a:p>
-          <a:p>
-            <a:pPr algn="ctr"/>
-            <a:r>
-              <a:rPr lang="en-US" sz="1400" dirty="0" smtClean="0"/>
-              <a:t>(based on configured dates)</a:t>
-            </a:r>
-            <a:endParaRPr lang="en-US" sz="1400" dirty="0"/>
-          </a:p>
-        </p:txBody>
-      </p:sp>
-      <p:cxnSp>
-        <p:nvCxnSpPr>
-          <p:cNvPr id="18" name="Straight Arrow Connector 17"/>
-          <p:cNvCxnSpPr>
-            <a:endCxn id="13" idx="0"/>
-          </p:cNvCxnSpPr>
-          <p:nvPr/>
-        </p:nvCxnSpPr>
-        <p:spPr>
-          <a:xfrm>
-            <a:off x="1782152" y="4503733"/>
-            <a:ext cx="0" cy="220693"/>
-          </a:xfrm>
-          <a:prstGeom prst="straightConnector1">
-            <a:avLst/>
-          </a:prstGeom>
-          <a:ln>
-            <a:tailEnd type="arrow"/>
-          </a:ln>
-        </p:spPr>
-        <p:style>
-          <a:lnRef idx="2">
-            <a:schemeClr val="accent1"/>
-          </a:lnRef>
-          <a:fillRef idx="0">
-            <a:schemeClr val="accent1"/>
-          </a:fillRef>
-          <a:effectRef idx="1">
-            <a:schemeClr val="accent1"/>
-          </a:effectRef>
-          <a:fontRef idx="minor">
-            <a:schemeClr val="tx1"/>
-          </a:fontRef>
-        </p:style>
-      </p:cxnSp>
-      <p:sp>
-        <p:nvSpPr>
-          <p:cNvPr id="22" name="Rounded Rectangle 21"/>
-          <p:cNvSpPr/>
-          <p:nvPr/>
-        </p:nvSpPr>
-        <p:spPr>
-          <a:xfrm>
-            <a:off x="6446350" y="2858838"/>
-            <a:ext cx="2221052" cy="508000"/>
-          </a:xfrm>
-          <a:prstGeom prst="roundRect">
-            <a:avLst/>
-          </a:prstGeom>
-        </p:spPr>
-        <p:style>
-          <a:lnRef idx="1">
-            <a:schemeClr val="dk1"/>
-          </a:lnRef>
-          <a:fillRef idx="2">
-            <a:schemeClr val="dk1"/>
-          </a:fillRef>
-          <a:effectRef idx="1">
-            <a:schemeClr val="dk1"/>
-          </a:effectRef>
-          <a:fontRef idx="minor">
-            <a:schemeClr val="dk1"/>
-          </a:fontRef>
-        </p:style>
-        <p:txBody>
-          <a:bodyPr rtlCol="0" anchor="ctr"/>
-          <a:lstStyle/>
-          <a:p>
-            <a:pPr algn="ctr"/>
-            <a:r>
-              <a:rPr lang="en-US" dirty="0" smtClean="0"/>
-              <a:t>Define Reviewers</a:t>
-            </a:r>
-            <a:endParaRPr lang="en-US" dirty="0"/>
-          </a:p>
-        </p:txBody>
-      </p:sp>
-      <p:sp>
-        <p:nvSpPr>
-          <p:cNvPr id="23" name="Rounded Rectangle 22"/>
-          <p:cNvSpPr/>
-          <p:nvPr/>
-        </p:nvSpPr>
-        <p:spPr>
-          <a:xfrm>
-            <a:off x="6498901" y="5502275"/>
-            <a:ext cx="2150983" cy="637579"/>
-          </a:xfrm>
-          <a:prstGeom prst="roundRect">
-            <a:avLst/>
-          </a:prstGeom>
-        </p:spPr>
-        <p:style>
-          <a:lnRef idx="1">
-            <a:schemeClr val="accent1"/>
-          </a:lnRef>
-          <a:fillRef idx="2">
-            <a:schemeClr val="accent1"/>
-          </a:fillRef>
-          <a:effectRef idx="1">
-            <a:schemeClr val="accent1"/>
-          </a:effectRef>
-          <a:fontRef idx="minor">
-            <a:schemeClr val="dk1"/>
-          </a:fontRef>
-        </p:style>
-        <p:txBody>
-          <a:bodyPr rtlCol="0" anchor="ctr"/>
-          <a:lstStyle/>
-          <a:p>
-            <a:pPr algn="ctr"/>
-            <a:r>
-              <a:rPr lang="en-US" dirty="0" smtClean="0"/>
-              <a:t>Review Application</a:t>
-            </a:r>
-            <a:endParaRPr lang="en-US" dirty="0"/>
-          </a:p>
-        </p:txBody>
-      </p:sp>
-      <p:sp>
-        <p:nvSpPr>
-          <p:cNvPr id="25" name="Rounded Rectangle 24"/>
-          <p:cNvSpPr/>
-          <p:nvPr/>
-        </p:nvSpPr>
-        <p:spPr>
-          <a:xfrm>
-            <a:off x="3745710" y="2858838"/>
-            <a:ext cx="1532759" cy="627119"/>
-          </a:xfrm>
-          <a:prstGeom prst="roundRect">
-            <a:avLst/>
-          </a:prstGeom>
-        </p:spPr>
-        <p:style>
-          <a:lnRef idx="1">
-            <a:schemeClr val="accent3"/>
-          </a:lnRef>
-          <a:fillRef idx="2">
-            <a:schemeClr val="accent3"/>
-          </a:fillRef>
-          <a:effectRef idx="1">
-            <a:schemeClr val="accent3"/>
-          </a:effectRef>
-          <a:fontRef idx="minor">
-            <a:schemeClr val="dk1"/>
-          </a:fontRef>
-        </p:style>
-        <p:txBody>
-          <a:bodyPr rtlCol="0" anchor="ctr"/>
-          <a:lstStyle/>
-          <a:p>
-            <a:pPr algn="ctr"/>
-            <a:r>
-              <a:rPr lang="en-US" dirty="0" smtClean="0"/>
-              <a:t>Apply</a:t>
-            </a:r>
-            <a:endParaRPr lang="en-US" dirty="0"/>
-          </a:p>
-        </p:txBody>
-      </p:sp>
-      <p:sp>
-        <p:nvSpPr>
-          <p:cNvPr id="31" name="Oval 30"/>
-          <p:cNvSpPr/>
-          <p:nvPr/>
-        </p:nvSpPr>
-        <p:spPr>
-          <a:xfrm>
-            <a:off x="5155849" y="4713966"/>
-            <a:ext cx="1129144" cy="529027"/>
-          </a:xfrm>
-          <a:prstGeom prst="ellipse">
-            <a:avLst/>
-          </a:prstGeom>
-        </p:spPr>
-        <p:style>
-          <a:lnRef idx="1">
-            <a:schemeClr val="dk1"/>
-          </a:lnRef>
-          <a:fillRef idx="2">
-            <a:schemeClr val="dk1"/>
-          </a:fillRef>
-          <a:effectRef idx="1">
-            <a:schemeClr val="dk1"/>
-          </a:effectRef>
-          <a:fontRef idx="minor">
-            <a:schemeClr val="dk1"/>
-          </a:fontRef>
-        </p:style>
-        <p:txBody>
-          <a:bodyPr rtlCol="0" anchor="ctr"/>
-          <a:lstStyle/>
-          <a:p>
-            <a:pPr algn="ctr"/>
-            <a:r>
-              <a:rPr lang="en-US" sz="1200" dirty="0" smtClean="0"/>
-              <a:t>Receive Email</a:t>
-            </a:r>
-            <a:endParaRPr lang="en-US" sz="1200" dirty="0"/>
-          </a:p>
-        </p:txBody>
-      </p:sp>
-      <p:sp>
-        <p:nvSpPr>
-          <p:cNvPr id="32" name="Oval 31"/>
-          <p:cNvSpPr/>
-          <p:nvPr/>
-        </p:nvSpPr>
-        <p:spPr>
-          <a:xfrm>
-            <a:off x="3938405" y="4724426"/>
-            <a:ext cx="1129144" cy="529027"/>
-          </a:xfrm>
-          <a:prstGeom prst="ellipse">
-            <a:avLst/>
-          </a:prstGeom>
-        </p:spPr>
-        <p:style>
-          <a:lnRef idx="1">
-            <a:schemeClr val="accent3"/>
-          </a:lnRef>
-          <a:fillRef idx="2">
-            <a:schemeClr val="accent3"/>
-          </a:fillRef>
-          <a:effectRef idx="1">
-            <a:schemeClr val="accent3"/>
-          </a:effectRef>
-          <a:fontRef idx="minor">
-            <a:schemeClr val="dk1"/>
-          </a:fontRef>
-        </p:style>
-        <p:txBody>
-          <a:bodyPr rtlCol="0" anchor="ctr"/>
-          <a:lstStyle/>
-          <a:p>
-            <a:pPr algn="ctr"/>
-            <a:r>
-              <a:rPr lang="en-US" sz="1200" dirty="0" smtClean="0"/>
-              <a:t>Receive Email</a:t>
-            </a:r>
-            <a:endParaRPr lang="en-US" sz="1200" dirty="0"/>
-          </a:p>
-        </p:txBody>
-      </p:sp>
-      <p:cxnSp>
-        <p:nvCxnSpPr>
-          <p:cNvPr id="35" name="Elbow Connector 34"/>
-          <p:cNvCxnSpPr>
-            <a:stCxn id="13" idx="3"/>
-            <a:endCxn id="25" idx="1"/>
-          </p:cNvCxnSpPr>
-          <p:nvPr/>
-        </p:nvCxnSpPr>
-        <p:spPr>
-          <a:xfrm flipV="1">
-            <a:off x="3053121" y="3172398"/>
-            <a:ext cx="692589" cy="1865588"/>
-          </a:xfrm>
-          <a:prstGeom prst="bentConnector3">
-            <a:avLst/>
-          </a:prstGeom>
-          <a:ln>
-            <a:tailEnd type="arrow"/>
-          </a:ln>
-        </p:spPr>
-        <p:style>
-          <a:lnRef idx="2">
-            <a:schemeClr val="accent1"/>
-          </a:lnRef>
-          <a:fillRef idx="0">
-            <a:schemeClr val="accent1"/>
-          </a:fillRef>
-          <a:effectRef idx="1">
-            <a:schemeClr val="accent1"/>
-          </a:effectRef>
-          <a:fontRef idx="minor">
-            <a:schemeClr val="tx1"/>
-          </a:fontRef>
-        </p:style>
-      </p:cxnSp>
-      <p:cxnSp>
-        <p:nvCxnSpPr>
-          <p:cNvPr id="39" name="Straight Arrow Connector 38"/>
-          <p:cNvCxnSpPr>
-            <a:stCxn id="25" idx="2"/>
-            <a:endCxn id="32" idx="0"/>
-          </p:cNvCxnSpPr>
-          <p:nvPr/>
-        </p:nvCxnSpPr>
-        <p:spPr>
-          <a:xfrm flipH="1">
-            <a:off x="4502977" y="3485957"/>
-            <a:ext cx="9113" cy="1238469"/>
-          </a:xfrm>
-          <a:prstGeom prst="straightConnector1">
-            <a:avLst/>
-          </a:prstGeom>
-          <a:ln>
-            <a:tailEnd type="arrow"/>
-          </a:ln>
-        </p:spPr>
-        <p:style>
-          <a:lnRef idx="2">
-            <a:schemeClr val="accent1"/>
-          </a:lnRef>
-          <a:fillRef idx="0">
-            <a:schemeClr val="accent1"/>
-          </a:fillRef>
-          <a:effectRef idx="1">
-            <a:schemeClr val="accent1"/>
-          </a:effectRef>
-          <a:fontRef idx="minor">
-            <a:schemeClr val="tx1"/>
-          </a:fontRef>
-        </p:style>
-      </p:cxnSp>
-      <p:cxnSp>
-        <p:nvCxnSpPr>
-          <p:cNvPr id="43" name="Straight Arrow Connector 42"/>
-          <p:cNvCxnSpPr>
-            <a:stCxn id="25" idx="2"/>
-            <a:endCxn id="31" idx="0"/>
-          </p:cNvCxnSpPr>
-          <p:nvPr/>
-        </p:nvCxnSpPr>
-        <p:spPr>
-          <a:xfrm>
-            <a:off x="4512090" y="3485957"/>
-            <a:ext cx="1208331" cy="1228009"/>
-          </a:xfrm>
-          <a:prstGeom prst="straightConnector1">
-            <a:avLst/>
-          </a:prstGeom>
-          <a:ln>
-            <a:tailEnd type="arrow"/>
-          </a:ln>
-        </p:spPr>
-        <p:style>
-          <a:lnRef idx="2">
-            <a:schemeClr val="accent1"/>
-          </a:lnRef>
-          <a:fillRef idx="0">
-            <a:schemeClr val="accent1"/>
-          </a:fillRef>
-          <a:effectRef idx="1">
-            <a:schemeClr val="accent1"/>
-          </a:effectRef>
-          <a:fontRef idx="minor">
-            <a:schemeClr val="tx1"/>
-          </a:fontRef>
-        </p:style>
-      </p:cxnSp>
-      <p:cxnSp>
-        <p:nvCxnSpPr>
-          <p:cNvPr id="46" name="Elbow Connector 45"/>
-          <p:cNvCxnSpPr>
-            <a:stCxn id="31" idx="7"/>
-            <a:endCxn id="22" idx="1"/>
-          </p:cNvCxnSpPr>
-          <p:nvPr/>
-        </p:nvCxnSpPr>
-        <p:spPr>
-          <a:xfrm rot="5400000" flipH="1" flipV="1">
-            <a:off x="5443691" y="3788781"/>
-            <a:ext cx="1678602" cy="326716"/>
-          </a:xfrm>
-          <a:prstGeom prst="bentConnector2">
-            <a:avLst/>
-          </a:prstGeom>
-          <a:ln>
-            <a:tailEnd type="arrow"/>
-          </a:ln>
-        </p:spPr>
-        <p:style>
-          <a:lnRef idx="2">
-            <a:schemeClr val="accent1"/>
-          </a:lnRef>
-          <a:fillRef idx="0">
-            <a:schemeClr val="accent1"/>
-          </a:fillRef>
-          <a:effectRef idx="1">
-            <a:schemeClr val="accent1"/>
-          </a:effectRef>
-          <a:fontRef idx="minor">
-            <a:schemeClr val="tx1"/>
-          </a:fontRef>
-        </p:style>
-      </p:cxnSp>
-      <p:cxnSp>
-        <p:nvCxnSpPr>
-          <p:cNvPr id="49" name="Straight Arrow Connector 48"/>
-          <p:cNvCxnSpPr>
-            <a:stCxn id="22" idx="2"/>
-            <a:endCxn id="23" idx="0"/>
-          </p:cNvCxnSpPr>
-          <p:nvPr/>
-        </p:nvCxnSpPr>
-        <p:spPr>
-          <a:xfrm>
-            <a:off x="7556876" y="3366838"/>
-            <a:ext cx="17517" cy="2135437"/>
-          </a:xfrm>
-          <a:prstGeom prst="straightConnector1">
-            <a:avLst/>
-          </a:prstGeom>
-          <a:ln>
-            <a:tailEnd type="arrow"/>
-          </a:ln>
-        </p:spPr>
-        <p:style>
-          <a:lnRef idx="2">
-            <a:schemeClr val="accent1"/>
-          </a:lnRef>
-          <a:fillRef idx="0">
-            <a:schemeClr val="accent1"/>
-          </a:fillRef>
-          <a:effectRef idx="1">
-            <a:schemeClr val="accent1"/>
-          </a:effectRef>
-          <a:fontRef idx="minor">
-            <a:schemeClr val="tx1"/>
-          </a:fontRef>
-        </p:style>
-      </p:cxnSp>
-      <p:sp>
-        <p:nvSpPr>
-          <p:cNvPr id="52" name="Rounded Rectangle 51"/>
-          <p:cNvSpPr/>
-          <p:nvPr/>
-        </p:nvSpPr>
-        <p:spPr>
-          <a:xfrm>
-            <a:off x="1661524" y="2259726"/>
-            <a:ext cx="976427" cy="262759"/>
-          </a:xfrm>
-          <a:prstGeom prst="roundRect">
-            <a:avLst/>
-          </a:prstGeom>
-        </p:spPr>
-        <p:style>
-          <a:lnRef idx="1">
-            <a:schemeClr val="dk1"/>
-          </a:lnRef>
-          <a:fillRef idx="2">
-            <a:schemeClr val="dk1"/>
-          </a:fillRef>
-          <a:effectRef idx="1">
-            <a:schemeClr val="dk1"/>
-          </a:effectRef>
-          <a:fontRef idx="minor">
-            <a:schemeClr val="dk1"/>
-          </a:fontRef>
-        </p:style>
-        <p:txBody>
-          <a:bodyPr rtlCol="0" anchor="ctr"/>
-          <a:lstStyle/>
-          <a:p>
-            <a:pPr algn="ctr"/>
-            <a:r>
-              <a:rPr lang="en-US" sz="1400" dirty="0" smtClean="0"/>
-              <a:t>Admin</a:t>
-            </a:r>
-            <a:endParaRPr lang="en-US" sz="1400" dirty="0"/>
-          </a:p>
-        </p:txBody>
-      </p:sp>
-      <p:sp>
-        <p:nvSpPr>
-          <p:cNvPr id="53" name="TextBox 52"/>
-          <p:cNvSpPr txBox="1"/>
-          <p:nvPr/>
-        </p:nvSpPr>
-        <p:spPr>
-          <a:xfrm>
-            <a:off x="663582" y="2207172"/>
-            <a:ext cx="971239" cy="338554"/>
-          </a:xfrm>
-          <a:prstGeom prst="rect">
-            <a:avLst/>
-          </a:prstGeom>
-          <a:noFill/>
-        </p:spPr>
-        <p:txBody>
-          <a:bodyPr wrap="none" rtlCol="0">
-            <a:spAutoFit/>
-          </a:bodyPr>
-          <a:lstStyle/>
-          <a:p>
-            <a:r>
-              <a:rPr lang="en-US" sz="1600" b="1" dirty="0" smtClean="0"/>
-              <a:t>Legend</a:t>
-            </a:r>
-            <a:r>
-              <a:rPr lang="en-US" sz="1600" dirty="0" smtClean="0"/>
-              <a:t>:</a:t>
-            </a:r>
-            <a:endParaRPr lang="en-US" sz="1600" dirty="0"/>
-          </a:p>
-        </p:txBody>
-      </p:sp>
-      <p:sp>
-        <p:nvSpPr>
-          <p:cNvPr id="54" name="Rounded Rectangle 53"/>
-          <p:cNvSpPr/>
-          <p:nvPr/>
-        </p:nvSpPr>
-        <p:spPr>
-          <a:xfrm>
-            <a:off x="2790351" y="2259726"/>
-            <a:ext cx="976427" cy="262759"/>
-          </a:xfrm>
-          <a:prstGeom prst="roundRect">
-            <a:avLst/>
-          </a:prstGeom>
-        </p:spPr>
-        <p:style>
-          <a:lnRef idx="1">
-            <a:schemeClr val="accent3"/>
-          </a:lnRef>
-          <a:fillRef idx="2">
-            <a:schemeClr val="accent3"/>
-          </a:fillRef>
-          <a:effectRef idx="1">
-            <a:schemeClr val="accent3"/>
-          </a:effectRef>
-          <a:fontRef idx="minor">
-            <a:schemeClr val="dk1"/>
-          </a:fontRef>
-        </p:style>
-        <p:txBody>
-          <a:bodyPr rtlCol="0" anchor="ctr"/>
-          <a:lstStyle/>
-          <a:p>
-            <a:pPr algn="ctr"/>
-            <a:r>
-              <a:rPr lang="en-US" sz="1400" dirty="0" smtClean="0"/>
-              <a:t>Applicant</a:t>
-            </a:r>
-            <a:endParaRPr lang="en-US" sz="1400" dirty="0"/>
-          </a:p>
-        </p:txBody>
-      </p:sp>
-      <p:sp>
-        <p:nvSpPr>
-          <p:cNvPr id="55" name="Rounded Rectangle 54"/>
-          <p:cNvSpPr/>
-          <p:nvPr/>
-        </p:nvSpPr>
-        <p:spPr>
-          <a:xfrm>
-            <a:off x="3918930" y="2259726"/>
-            <a:ext cx="976427" cy="262759"/>
-          </a:xfrm>
-          <a:prstGeom prst="roundRect">
-            <a:avLst/>
-          </a:prstGeom>
-        </p:spPr>
-        <p:style>
-          <a:lnRef idx="1">
-            <a:schemeClr val="accent1"/>
-          </a:lnRef>
-          <a:fillRef idx="2">
-            <a:schemeClr val="accent1"/>
-          </a:fillRef>
-          <a:effectRef idx="1">
-            <a:schemeClr val="accent1"/>
-          </a:effectRef>
-          <a:fontRef idx="minor">
-            <a:schemeClr val="dk1"/>
-          </a:fontRef>
-        </p:style>
-        <p:txBody>
-          <a:bodyPr rtlCol="0" anchor="ctr"/>
-          <a:lstStyle/>
-          <a:p>
-            <a:pPr algn="ctr"/>
-            <a:r>
-              <a:rPr lang="en-US" sz="1400" dirty="0" smtClean="0"/>
-              <a:t>Reviewer</a:t>
-            </a:r>
-            <a:endParaRPr lang="en-US" sz="1400" dirty="0"/>
-          </a:p>
-        </p:txBody>
-      </p:sp>
     </p:spTree>
     <p:extLst>
       <p:ext uri="{BB962C8B-B14F-4D97-AF65-F5344CB8AC3E}">
-        <p14:creationId xmlns:p14="http://schemas.microsoft.com/office/powerpoint/2010/main" val="2839643133"/>
+        <p14:creationId xmlns:p14="http://schemas.microsoft.com/office/powerpoint/2010/main" val="2254630095"/>
       </p:ext>
     </p:extLst>
   </p:cSld>
@@ -13787,9 +13935,10 @@
           <a:lstStyle/>
           <a:p>
             <a:r>
-              <a:rPr lang="en-US" dirty="0"/>
-              <a:t>NITRO-Competitions</a:t>
-            </a:r>
+              <a:rPr lang="en-US" dirty="0" smtClean="0"/>
+              <a:t>Acknowledgements</a:t>
+            </a:r>
+            <a:endParaRPr lang="en-US" dirty="0"/>
           </a:p>
         </p:txBody>
       </p:sp>
@@ -13816,81 +13965,65 @@
             <a:pPr marL="0" indent="0">
               <a:buNone/>
             </a:pPr>
-            <a:endParaRPr lang="en-US" dirty="0" smtClean="0"/>
-          </a:p>
-          <a:p>
-            <a:pPr marL="0" indent="0" algn="ctr">
+            <a:endParaRPr lang="en-US" sz="2000" dirty="0" smtClean="0">
+              <a:latin typeface="Arial"/>
+              <a:cs typeface="Arial"/>
+            </a:endParaRPr>
+          </a:p>
+          <a:p>
+            <a:pPr marL="0" indent="0">
               <a:buNone/>
             </a:pPr>
             <a:r>
-              <a:rPr lang="en-US" dirty="0" smtClean="0"/>
-              <a:t>NUBIC</a:t>
-            </a:r>
-          </a:p>
-          <a:p>
-            <a:pPr marL="0" indent="0" algn="ctr">
+              <a:rPr lang="en-US" sz="2000" dirty="0" smtClean="0">
+                <a:latin typeface="Arial"/>
+                <a:cs typeface="Arial"/>
+              </a:rPr>
+              <a:t>The </a:t>
+            </a:r>
+            <a:r>
+              <a:rPr lang="en-US" sz="2000" dirty="0">
+                <a:latin typeface="Arial"/>
+                <a:cs typeface="Arial"/>
+              </a:rPr>
+              <a:t>project described was supported by the National Center for Research Resources, Grant 5UL1RR025741, and is now at the National Center for Advancing Translational Sciences, Grant 8UL1TR000150. </a:t>
+            </a:r>
+            <a:endParaRPr lang="en-US" sz="2000" dirty="0" smtClean="0">
+              <a:latin typeface="Arial"/>
+              <a:cs typeface="Arial"/>
+            </a:endParaRPr>
+          </a:p>
+          <a:p>
+            <a:pPr marL="0" indent="0">
               <a:buNone/>
             </a:pPr>
-            <a:r>
-              <a:rPr lang="en-US" sz="2800" dirty="0" smtClean="0"/>
-              <a:t>Northwestern University Biomedical Informatics Center</a:t>
-            </a:r>
-          </a:p>
-          <a:p>
-            <a:pPr marL="0" indent="0" algn="ctr">
+            <a:endParaRPr lang="en-US" sz="2000" dirty="0">
+              <a:latin typeface="Arial"/>
+              <a:cs typeface="Arial"/>
+            </a:endParaRPr>
+          </a:p>
+          <a:p>
+            <a:pPr marL="0" indent="0">
               <a:buNone/>
             </a:pPr>
-            <a:endParaRPr lang="en-US" sz="2800" dirty="0"/>
-          </a:p>
-          <a:p>
-            <a:pPr marL="0" indent="0" algn="ctr">
-              <a:buNone/>
-            </a:pPr>
-            <a:r>
-              <a:rPr lang="en-US" sz="2800" dirty="0" smtClean="0"/>
-              <a:t>Justin </a:t>
-            </a:r>
-            <a:r>
-              <a:rPr lang="en-US" sz="2800" dirty="0" err="1" smtClean="0"/>
-              <a:t>Starren</a:t>
-            </a:r>
-            <a:r>
-              <a:rPr lang="en-US" sz="2800" dirty="0" smtClean="0"/>
-              <a:t> – </a:t>
-            </a:r>
-            <a:r>
-              <a:rPr lang="en-US" sz="2800" dirty="0" err="1" smtClean="0"/>
-              <a:t>justin.starren@northwestern.edu</a:t>
-            </a:r>
-            <a:endParaRPr lang="en-US" sz="2800" dirty="0" smtClean="0"/>
-          </a:p>
-          <a:p>
-            <a:pPr marL="0" indent="0" algn="ctr">
-              <a:buNone/>
-            </a:pPr>
-            <a:r>
-              <a:rPr lang="en-US" sz="2800" dirty="0" smtClean="0"/>
-              <a:t>Paul Friedman – </a:t>
-            </a:r>
-            <a:r>
-              <a:rPr lang="en-US" sz="2800" dirty="0" err="1" smtClean="0"/>
-              <a:t>p-friedman@northwestern.edu</a:t>
-            </a:r>
-            <a:endParaRPr lang="en-US" sz="2800" dirty="0" smtClean="0"/>
-          </a:p>
-          <a:p>
-            <a:pPr marL="0" indent="0" algn="ctr">
-              <a:buNone/>
-            </a:pPr>
-            <a:r>
-              <a:rPr lang="en-US" sz="2800" dirty="0" smtClean="0"/>
-              <a:t>Jeff Lunt – </a:t>
-            </a:r>
-            <a:r>
-              <a:rPr lang="en-US" sz="2800" dirty="0" err="1" smtClean="0"/>
-              <a:t>jeff.lunt@northwestern.edu</a:t>
-            </a:r>
-            <a:endParaRPr lang="en-US" sz="2800" dirty="0"/>
+            <a:r>
+              <a:rPr lang="en-US" sz="2000" dirty="0" smtClean="0">
+                <a:latin typeface="Arial"/>
+                <a:cs typeface="Arial"/>
+              </a:rPr>
+              <a:t>The </a:t>
+            </a:r>
+            <a:r>
+              <a:rPr lang="en-US" sz="2000" dirty="0">
+                <a:latin typeface="Arial"/>
+                <a:cs typeface="Arial"/>
+              </a:rPr>
+              <a:t>content is solely the responsibility of the authors and does not necessarily represent the official views of the NIH.</a:t>
+            </a:r>
+            <a:endParaRPr lang="en-US" sz="2000" dirty="0" smtClean="0">
+              <a:latin typeface="Arial"/>
+              <a:cs typeface="Arial"/>
+            </a:endParaRPr>
           </a:p>
         </p:txBody>
       </p:sp>
@@ -13927,7 +14060,7 @@
     </p:spTree>
     <p:extLst>
       <p:ext uri="{BB962C8B-B14F-4D97-AF65-F5344CB8AC3E}">
-        <p14:creationId xmlns:p14="http://schemas.microsoft.com/office/powerpoint/2010/main" val="2493626314"/>
+        <p14:creationId xmlns:p14="http://schemas.microsoft.com/office/powerpoint/2010/main" val="444506249"/>
       </p:ext>
     </p:extLst>
   </p:cSld>
@@ -14003,26 +14136,13 @@
           <a:bodyPr/>
           <a:lstStyle/>
           <a:p>
-            <a:pPr marL="0" indent="0">
-              <a:buNone/>
-            </a:pPr>
-            <a:endParaRPr lang="en-US" dirty="0" smtClean="0"/>
-          </a:p>
-          <a:p>
             <a:pPr marL="0" indent="0" algn="ctr">
               <a:buNone/>
             </a:pPr>
-            <a:endParaRPr lang="en-US" sz="6000" dirty="0" smtClean="0"/>
-          </a:p>
-          <a:p>
-            <a:pPr marL="0" indent="0" algn="ctr">
-              <a:buNone/>
-            </a:pPr>
-            <a:r>
-              <a:rPr lang="en-US" sz="6000" dirty="0" smtClean="0"/>
-              <a:t>&lt; DEMO HERE /&gt;</a:t>
-            </a:r>
-            <a:endParaRPr lang="en-US" sz="6000" dirty="0"/>
+            <a:r>
+              <a:rPr lang="en-US" dirty="0" smtClean="0"/>
+              <a:t>Walkthrough overview</a:t>
+            </a:r>
           </a:p>
         </p:txBody>
       </p:sp>
@@ -14056,10 +14176,847 @@
           </a:prstGeom>
         </p:spPr>
       </p:pic>
+      <p:sp>
+        <p:nvSpPr>
+          <p:cNvPr id="3" name="Rounded Rectangle 2"/>
+          <p:cNvSpPr/>
+          <p:nvPr/>
+        </p:nvSpPr>
+        <p:spPr>
+          <a:xfrm>
+            <a:off x="511182" y="2977957"/>
+            <a:ext cx="2541939" cy="508000"/>
+          </a:xfrm>
+          <a:prstGeom prst="roundRect">
+            <a:avLst/>
+          </a:prstGeom>
+        </p:spPr>
+        <p:style>
+          <a:lnRef idx="1">
+            <a:schemeClr val="dk1"/>
+          </a:lnRef>
+          <a:fillRef idx="2">
+            <a:schemeClr val="dk1"/>
+          </a:fillRef>
+          <a:effectRef idx="1">
+            <a:schemeClr val="dk1"/>
+          </a:effectRef>
+          <a:fontRef idx="minor">
+            <a:schemeClr val="dk1"/>
+          </a:fontRef>
+        </p:style>
+        <p:txBody>
+          <a:bodyPr rtlCol="0" anchor="ctr"/>
+          <a:lstStyle/>
+          <a:p>
+            <a:pPr algn="ctr"/>
+            <a:r>
+              <a:rPr lang="en-US" dirty="0" smtClean="0"/>
+              <a:t>Create Sponsor</a:t>
+            </a:r>
+            <a:endParaRPr lang="en-US" dirty="0"/>
+          </a:p>
+        </p:txBody>
+      </p:sp>
+      <p:sp>
+        <p:nvSpPr>
+          <p:cNvPr id="7" name="Rounded Rectangle 6"/>
+          <p:cNvSpPr/>
+          <p:nvPr/>
+        </p:nvSpPr>
+        <p:spPr>
+          <a:xfrm>
+            <a:off x="511182" y="3690933"/>
+            <a:ext cx="2237139" cy="508000"/>
+          </a:xfrm>
+          <a:prstGeom prst="roundRect">
+            <a:avLst/>
+          </a:prstGeom>
+        </p:spPr>
+        <p:style>
+          <a:lnRef idx="1">
+            <a:schemeClr val="dk1"/>
+          </a:lnRef>
+          <a:fillRef idx="2">
+            <a:schemeClr val="dk1"/>
+          </a:fillRef>
+          <a:effectRef idx="1">
+            <a:schemeClr val="dk1"/>
+          </a:effectRef>
+          <a:fontRef idx="minor">
+            <a:schemeClr val="dk1"/>
+          </a:fontRef>
+        </p:style>
+        <p:txBody>
+          <a:bodyPr rtlCol="0" anchor="ctr"/>
+          <a:lstStyle/>
+          <a:p>
+            <a:pPr algn="ctr"/>
+            <a:r>
+              <a:rPr lang="en-US" dirty="0" smtClean="0"/>
+              <a:t>Create Competition</a:t>
+            </a:r>
+            <a:endParaRPr lang="en-US" dirty="0"/>
+          </a:p>
+        </p:txBody>
+      </p:sp>
+      <p:sp>
+        <p:nvSpPr>
+          <p:cNvPr id="8" name="Rounded Rectangle 7"/>
+          <p:cNvSpPr/>
+          <p:nvPr/>
+        </p:nvSpPr>
+        <p:spPr>
+          <a:xfrm>
+            <a:off x="663582" y="3843333"/>
+            <a:ext cx="2237139" cy="508000"/>
+          </a:xfrm>
+          <a:prstGeom prst="roundRect">
+            <a:avLst/>
+          </a:prstGeom>
+        </p:spPr>
+        <p:style>
+          <a:lnRef idx="1">
+            <a:schemeClr val="dk1"/>
+          </a:lnRef>
+          <a:fillRef idx="2">
+            <a:schemeClr val="dk1"/>
+          </a:fillRef>
+          <a:effectRef idx="1">
+            <a:schemeClr val="dk1"/>
+          </a:effectRef>
+          <a:fontRef idx="minor">
+            <a:schemeClr val="dk1"/>
+          </a:fontRef>
+        </p:style>
+        <p:txBody>
+          <a:bodyPr rtlCol="0" anchor="ctr"/>
+          <a:lstStyle/>
+          <a:p>
+            <a:pPr algn="ctr"/>
+            <a:r>
+              <a:rPr lang="en-US" dirty="0" smtClean="0"/>
+              <a:t>Create Competition</a:t>
+            </a:r>
+            <a:endParaRPr lang="en-US" dirty="0"/>
+          </a:p>
+        </p:txBody>
+      </p:sp>
+      <p:sp>
+        <p:nvSpPr>
+          <p:cNvPr id="9" name="Rounded Rectangle 8"/>
+          <p:cNvSpPr/>
+          <p:nvPr/>
+        </p:nvSpPr>
+        <p:spPr>
+          <a:xfrm>
+            <a:off x="815982" y="3995733"/>
+            <a:ext cx="2237139" cy="508000"/>
+          </a:xfrm>
+          <a:prstGeom prst="roundRect">
+            <a:avLst/>
+          </a:prstGeom>
+        </p:spPr>
+        <p:style>
+          <a:lnRef idx="1">
+            <a:schemeClr val="dk1"/>
+          </a:lnRef>
+          <a:fillRef idx="2">
+            <a:schemeClr val="dk1"/>
+          </a:fillRef>
+          <a:effectRef idx="1">
+            <a:schemeClr val="dk1"/>
+          </a:effectRef>
+          <a:fontRef idx="minor">
+            <a:schemeClr val="dk1"/>
+          </a:fontRef>
+        </p:style>
+        <p:txBody>
+          <a:bodyPr rtlCol="0" anchor="ctr"/>
+          <a:lstStyle/>
+          <a:p>
+            <a:pPr algn="ctr"/>
+            <a:r>
+              <a:rPr lang="en-US" dirty="0" smtClean="0"/>
+              <a:t>Create Competition</a:t>
+            </a:r>
+            <a:endParaRPr lang="en-US" dirty="0"/>
+          </a:p>
+        </p:txBody>
+      </p:sp>
+      <p:cxnSp>
+        <p:nvCxnSpPr>
+          <p:cNvPr id="10" name="Straight Arrow Connector 9"/>
+          <p:cNvCxnSpPr>
+            <a:stCxn id="3" idx="2"/>
+          </p:cNvCxnSpPr>
+          <p:nvPr/>
+        </p:nvCxnSpPr>
+        <p:spPr>
+          <a:xfrm>
+            <a:off x="1782152" y="3485957"/>
+            <a:ext cx="0" cy="357376"/>
+          </a:xfrm>
+          <a:prstGeom prst="straightConnector1">
+            <a:avLst/>
+          </a:prstGeom>
+          <a:ln>
+            <a:tailEnd type="arrow"/>
+          </a:ln>
+        </p:spPr>
+        <p:style>
+          <a:lnRef idx="2">
+            <a:schemeClr val="accent1"/>
+          </a:lnRef>
+          <a:fillRef idx="0">
+            <a:schemeClr val="accent1"/>
+          </a:fillRef>
+          <a:effectRef idx="1">
+            <a:schemeClr val="accent1"/>
+          </a:effectRef>
+          <a:fontRef idx="minor">
+            <a:schemeClr val="tx1"/>
+          </a:fontRef>
+        </p:style>
+      </p:cxnSp>
+      <p:sp>
+        <p:nvSpPr>
+          <p:cNvPr id="13" name="Rounded Rectangle 12"/>
+          <p:cNvSpPr/>
+          <p:nvPr/>
+        </p:nvSpPr>
+        <p:spPr>
+          <a:xfrm>
+            <a:off x="511182" y="4724426"/>
+            <a:ext cx="2541939" cy="627119"/>
+          </a:xfrm>
+          <a:prstGeom prst="roundRect">
+            <a:avLst/>
+          </a:prstGeom>
+        </p:spPr>
+        <p:style>
+          <a:lnRef idx="1">
+            <a:schemeClr val="dk1"/>
+          </a:lnRef>
+          <a:fillRef idx="2">
+            <a:schemeClr val="dk1"/>
+          </a:fillRef>
+          <a:effectRef idx="1">
+            <a:schemeClr val="dk1"/>
+          </a:effectRef>
+          <a:fontRef idx="minor">
+            <a:schemeClr val="dk1"/>
+          </a:fontRef>
+        </p:style>
+        <p:txBody>
+          <a:bodyPr rtlCol="0" anchor="ctr"/>
+          <a:lstStyle/>
+          <a:p>
+            <a:pPr algn="ctr"/>
+            <a:r>
+              <a:rPr lang="en-US" dirty="0" smtClean="0"/>
+              <a:t>Activate Competition</a:t>
+            </a:r>
+          </a:p>
+          <a:p>
+            <a:pPr algn="ctr"/>
+            <a:r>
+              <a:rPr lang="en-US" sz="1400" dirty="0" smtClean="0"/>
+              <a:t>(based on configured dates)</a:t>
+            </a:r>
+            <a:endParaRPr lang="en-US" sz="1400" dirty="0"/>
+          </a:p>
+        </p:txBody>
+      </p:sp>
+      <p:cxnSp>
+        <p:nvCxnSpPr>
+          <p:cNvPr id="18" name="Straight Arrow Connector 17"/>
+          <p:cNvCxnSpPr>
+            <a:endCxn id="13" idx="0"/>
+          </p:cNvCxnSpPr>
+          <p:nvPr/>
+        </p:nvCxnSpPr>
+        <p:spPr>
+          <a:xfrm>
+            <a:off x="1782152" y="4503733"/>
+            <a:ext cx="0" cy="220693"/>
+          </a:xfrm>
+          <a:prstGeom prst="straightConnector1">
+            <a:avLst/>
+          </a:prstGeom>
+          <a:ln>
+            <a:tailEnd type="arrow"/>
+          </a:ln>
+        </p:spPr>
+        <p:style>
+          <a:lnRef idx="2">
+            <a:schemeClr val="accent1"/>
+          </a:lnRef>
+          <a:fillRef idx="0">
+            <a:schemeClr val="accent1"/>
+          </a:fillRef>
+          <a:effectRef idx="1">
+            <a:schemeClr val="accent1"/>
+          </a:effectRef>
+          <a:fontRef idx="minor">
+            <a:schemeClr val="tx1"/>
+          </a:fontRef>
+        </p:style>
+      </p:cxnSp>
+      <p:sp>
+        <p:nvSpPr>
+          <p:cNvPr id="22" name="Rounded Rectangle 21"/>
+          <p:cNvSpPr/>
+          <p:nvPr/>
+        </p:nvSpPr>
+        <p:spPr>
+          <a:xfrm>
+            <a:off x="6446350" y="2858838"/>
+            <a:ext cx="2221052" cy="508000"/>
+          </a:xfrm>
+          <a:prstGeom prst="roundRect">
+            <a:avLst/>
+          </a:prstGeom>
+        </p:spPr>
+        <p:style>
+          <a:lnRef idx="1">
+            <a:schemeClr val="dk1"/>
+          </a:lnRef>
+          <a:fillRef idx="2">
+            <a:schemeClr val="dk1"/>
+          </a:fillRef>
+          <a:effectRef idx="1">
+            <a:schemeClr val="dk1"/>
+          </a:effectRef>
+          <a:fontRef idx="minor">
+            <a:schemeClr val="dk1"/>
+          </a:fontRef>
+        </p:style>
+        <p:txBody>
+          <a:bodyPr rtlCol="0" anchor="ctr"/>
+          <a:lstStyle/>
+          <a:p>
+            <a:pPr algn="ctr"/>
+            <a:r>
+              <a:rPr lang="en-US" dirty="0" smtClean="0"/>
+              <a:t>Define Reviewers</a:t>
+            </a:r>
+            <a:endParaRPr lang="en-US" dirty="0"/>
+          </a:p>
+        </p:txBody>
+      </p:sp>
+      <p:sp>
+        <p:nvSpPr>
+          <p:cNvPr id="23" name="Rounded Rectangle 22"/>
+          <p:cNvSpPr/>
+          <p:nvPr/>
+        </p:nvSpPr>
+        <p:spPr>
+          <a:xfrm>
+            <a:off x="6498901" y="5502275"/>
+            <a:ext cx="2150983" cy="637579"/>
+          </a:xfrm>
+          <a:prstGeom prst="roundRect">
+            <a:avLst/>
+          </a:prstGeom>
+        </p:spPr>
+        <p:style>
+          <a:lnRef idx="1">
+            <a:schemeClr val="accent1"/>
+          </a:lnRef>
+          <a:fillRef idx="2">
+            <a:schemeClr val="accent1"/>
+          </a:fillRef>
+          <a:effectRef idx="1">
+            <a:schemeClr val="accent1"/>
+          </a:effectRef>
+          <a:fontRef idx="minor">
+            <a:schemeClr val="dk1"/>
+          </a:fontRef>
+        </p:style>
+        <p:txBody>
+          <a:bodyPr rtlCol="0" anchor="ctr"/>
+          <a:lstStyle/>
+          <a:p>
+            <a:pPr algn="ctr"/>
+            <a:r>
+              <a:rPr lang="en-US" dirty="0" smtClean="0"/>
+              <a:t>Review Application</a:t>
+            </a:r>
+            <a:endParaRPr lang="en-US" dirty="0"/>
+          </a:p>
+        </p:txBody>
+      </p:sp>
+      <p:sp>
+        <p:nvSpPr>
+          <p:cNvPr id="25" name="Rounded Rectangle 24"/>
+          <p:cNvSpPr/>
+          <p:nvPr/>
+        </p:nvSpPr>
+        <p:spPr>
+          <a:xfrm>
+            <a:off x="3745710" y="2858838"/>
+            <a:ext cx="1532759" cy="627119"/>
+          </a:xfrm>
+          <a:prstGeom prst="roundRect">
+            <a:avLst/>
+          </a:prstGeom>
+        </p:spPr>
+        <p:style>
+          <a:lnRef idx="1">
+            <a:schemeClr val="accent3"/>
+          </a:lnRef>
+          <a:fillRef idx="2">
+            <a:schemeClr val="accent3"/>
+          </a:fillRef>
+          <a:effectRef idx="1">
+            <a:schemeClr val="accent3"/>
+          </a:effectRef>
+          <a:fontRef idx="minor">
+            <a:schemeClr val="dk1"/>
+          </a:fontRef>
+        </p:style>
+        <p:txBody>
+          <a:bodyPr rtlCol="0" anchor="ctr"/>
+          <a:lstStyle/>
+          <a:p>
+            <a:pPr algn="ctr"/>
+            <a:r>
+              <a:rPr lang="en-US" dirty="0" smtClean="0"/>
+              <a:t>Apply</a:t>
+            </a:r>
+            <a:endParaRPr lang="en-US" dirty="0"/>
+          </a:p>
+        </p:txBody>
+      </p:sp>
+      <p:sp>
+        <p:nvSpPr>
+          <p:cNvPr id="31" name="Oval 30"/>
+          <p:cNvSpPr/>
+          <p:nvPr/>
+        </p:nvSpPr>
+        <p:spPr>
+          <a:xfrm>
+            <a:off x="5155849" y="4713966"/>
+            <a:ext cx="1129144" cy="529027"/>
+          </a:xfrm>
+          <a:prstGeom prst="ellipse">
+            <a:avLst/>
+          </a:prstGeom>
+        </p:spPr>
+        <p:style>
+          <a:lnRef idx="1">
+            <a:schemeClr val="dk1"/>
+          </a:lnRef>
+          <a:fillRef idx="2">
+            <a:schemeClr val="dk1"/>
+          </a:fillRef>
+          <a:effectRef idx="1">
+            <a:schemeClr val="dk1"/>
+          </a:effectRef>
+          <a:fontRef idx="minor">
+            <a:schemeClr val="dk1"/>
+          </a:fontRef>
+        </p:style>
+        <p:txBody>
+          <a:bodyPr rtlCol="0" anchor="ctr"/>
+          <a:lstStyle/>
+          <a:p>
+            <a:pPr algn="ctr"/>
+            <a:r>
+              <a:rPr lang="en-US" sz="1200" dirty="0" smtClean="0"/>
+              <a:t>Receive Email</a:t>
+            </a:r>
+            <a:endParaRPr lang="en-US" sz="1200" dirty="0"/>
+          </a:p>
+        </p:txBody>
+      </p:sp>
+      <p:sp>
+        <p:nvSpPr>
+          <p:cNvPr id="32" name="Oval 31"/>
+          <p:cNvSpPr/>
+          <p:nvPr/>
+        </p:nvSpPr>
+        <p:spPr>
+          <a:xfrm>
+            <a:off x="3938405" y="4724426"/>
+            <a:ext cx="1129144" cy="529027"/>
+          </a:xfrm>
+          <a:prstGeom prst="ellipse">
+            <a:avLst/>
+          </a:prstGeom>
+        </p:spPr>
+        <p:style>
+          <a:lnRef idx="1">
+            <a:schemeClr val="accent3"/>
+          </a:lnRef>
+          <a:fillRef idx="2">
+            <a:schemeClr val="accent3"/>
+          </a:fillRef>
+          <a:effectRef idx="1">
+            <a:schemeClr val="accent3"/>
+          </a:effectRef>
+          <a:fontRef idx="minor">
+            <a:schemeClr val="dk1"/>
+          </a:fontRef>
+        </p:style>
+        <p:txBody>
+          <a:bodyPr rtlCol="0" anchor="ctr"/>
+          <a:lstStyle/>
+          <a:p>
+            <a:pPr algn="ctr"/>
+            <a:r>
+              <a:rPr lang="en-US" sz="1200" dirty="0" smtClean="0"/>
+              <a:t>Receive Email</a:t>
+            </a:r>
+            <a:endParaRPr lang="en-US" sz="1200" dirty="0"/>
+          </a:p>
+        </p:txBody>
+      </p:sp>
+      <p:cxnSp>
+        <p:nvCxnSpPr>
+          <p:cNvPr id="35" name="Elbow Connector 34"/>
+          <p:cNvCxnSpPr>
+            <a:stCxn id="13" idx="3"/>
+            <a:endCxn id="25" idx="1"/>
+          </p:cNvCxnSpPr>
+          <p:nvPr/>
+        </p:nvCxnSpPr>
+        <p:spPr>
+          <a:xfrm flipV="1">
+            <a:off x="3053121" y="3172398"/>
+            <a:ext cx="692589" cy="1865588"/>
+          </a:xfrm>
+          <a:prstGeom prst="bentConnector3">
+            <a:avLst/>
+          </a:prstGeom>
+          <a:ln>
+            <a:tailEnd type="arrow"/>
+          </a:ln>
+        </p:spPr>
+        <p:style>
+          <a:lnRef idx="2">
+            <a:schemeClr val="accent1"/>
+          </a:lnRef>
+          <a:fillRef idx="0">
+            <a:schemeClr val="accent1"/>
+          </a:fillRef>
+          <a:effectRef idx="1">
+            <a:schemeClr val="accent1"/>
+          </a:effectRef>
+          <a:fontRef idx="minor">
+            <a:schemeClr val="tx1"/>
+          </a:fontRef>
+        </p:style>
+      </p:cxnSp>
+      <p:cxnSp>
+        <p:nvCxnSpPr>
+          <p:cNvPr id="39" name="Straight Arrow Connector 38"/>
+          <p:cNvCxnSpPr>
+            <a:stCxn id="25" idx="2"/>
+            <a:endCxn id="32" idx="0"/>
+          </p:cNvCxnSpPr>
+          <p:nvPr/>
+        </p:nvCxnSpPr>
+        <p:spPr>
+          <a:xfrm flipH="1">
+            <a:off x="4502977" y="3485957"/>
+            <a:ext cx="9113" cy="1238469"/>
+          </a:xfrm>
+          <a:prstGeom prst="straightConnector1">
+            <a:avLst/>
+          </a:prstGeom>
+          <a:ln>
+            <a:tailEnd type="arrow"/>
+          </a:ln>
+        </p:spPr>
+        <p:style>
+          <a:lnRef idx="2">
+            <a:schemeClr val="accent1"/>
+          </a:lnRef>
+          <a:fillRef idx="0">
+            <a:schemeClr val="accent1"/>
+          </a:fillRef>
+          <a:effectRef idx="1">
+            <a:schemeClr val="accent1"/>
+          </a:effectRef>
+          <a:fontRef idx="minor">
+            <a:schemeClr val="tx1"/>
+          </a:fontRef>
+        </p:style>
+      </p:cxnSp>
+      <p:cxnSp>
+        <p:nvCxnSpPr>
+          <p:cNvPr id="43" name="Straight Arrow Connector 42"/>
+          <p:cNvCxnSpPr>
+            <a:stCxn id="25" idx="2"/>
+            <a:endCxn id="31" idx="0"/>
+          </p:cNvCxnSpPr>
+          <p:nvPr/>
+        </p:nvCxnSpPr>
+        <p:spPr>
+          <a:xfrm>
+            <a:off x="4512090" y="3485957"/>
+            <a:ext cx="1208331" cy="1228009"/>
+          </a:xfrm>
+          <a:prstGeom prst="straightConnector1">
+            <a:avLst/>
+          </a:prstGeom>
+          <a:ln>
+            <a:tailEnd type="arrow"/>
+          </a:ln>
+        </p:spPr>
+        <p:style>
+          <a:lnRef idx="2">
+            <a:schemeClr val="accent1"/>
+          </a:lnRef>
+          <a:fillRef idx="0">
+            <a:schemeClr val="accent1"/>
+          </a:fillRef>
+          <a:effectRef idx="1">
+            <a:schemeClr val="accent1"/>
+          </a:effectRef>
+          <a:fontRef idx="minor">
+            <a:schemeClr val="tx1"/>
+          </a:fontRef>
+        </p:style>
+      </p:cxnSp>
+      <p:cxnSp>
+        <p:nvCxnSpPr>
+          <p:cNvPr id="46" name="Elbow Connector 45"/>
+          <p:cNvCxnSpPr>
+            <a:stCxn id="31" idx="7"/>
+            <a:endCxn id="22" idx="1"/>
+          </p:cNvCxnSpPr>
+          <p:nvPr/>
+        </p:nvCxnSpPr>
+        <p:spPr>
+          <a:xfrm rot="5400000" flipH="1" flipV="1">
+            <a:off x="5443691" y="3788781"/>
+            <a:ext cx="1678602" cy="326716"/>
+          </a:xfrm>
+          <a:prstGeom prst="bentConnector2">
+            <a:avLst/>
+          </a:prstGeom>
+          <a:ln>
+            <a:tailEnd type="arrow"/>
+          </a:ln>
+        </p:spPr>
+        <p:style>
+          <a:lnRef idx="2">
+            <a:schemeClr val="accent1"/>
+          </a:lnRef>
+          <a:fillRef idx="0">
+            <a:schemeClr val="accent1"/>
+          </a:fillRef>
+          <a:effectRef idx="1">
+            <a:schemeClr val="accent1"/>
+          </a:effectRef>
+          <a:fontRef idx="minor">
+            <a:schemeClr val="tx1"/>
+          </a:fontRef>
+        </p:style>
+      </p:cxnSp>
+      <p:cxnSp>
+        <p:nvCxnSpPr>
+          <p:cNvPr id="49" name="Straight Arrow Connector 48"/>
+          <p:cNvCxnSpPr>
+            <a:stCxn id="22" idx="2"/>
+            <a:endCxn id="23" idx="0"/>
+          </p:cNvCxnSpPr>
+          <p:nvPr/>
+        </p:nvCxnSpPr>
+        <p:spPr>
+          <a:xfrm>
+            <a:off x="7556876" y="3366838"/>
+            <a:ext cx="17517" cy="2135437"/>
+          </a:xfrm>
+          <a:prstGeom prst="straightConnector1">
+            <a:avLst/>
+          </a:prstGeom>
+          <a:ln>
+            <a:tailEnd type="arrow"/>
+          </a:ln>
+        </p:spPr>
+        <p:style>
+          <a:lnRef idx="2">
+            <a:schemeClr val="accent1"/>
+          </a:lnRef>
+          <a:fillRef idx="0">
+            <a:schemeClr val="accent1"/>
+          </a:fillRef>
+          <a:effectRef idx="1">
+            <a:schemeClr val="accent1"/>
+          </a:effectRef>
+          <a:fontRef idx="minor">
+            <a:schemeClr val="tx1"/>
+          </a:fontRef>
+        </p:style>
+      </p:cxnSp>
+      <p:sp>
+        <p:nvSpPr>
+          <p:cNvPr id="52" name="Rounded Rectangle 51"/>
+          <p:cNvSpPr/>
+          <p:nvPr/>
+        </p:nvSpPr>
+        <p:spPr>
+          <a:xfrm>
+            <a:off x="1661524" y="2259726"/>
+            <a:ext cx="976427" cy="262759"/>
+          </a:xfrm>
+          <a:prstGeom prst="roundRect">
+            <a:avLst/>
+          </a:prstGeom>
+        </p:spPr>
+        <p:style>
+          <a:lnRef idx="1">
+            <a:schemeClr val="dk1"/>
+          </a:lnRef>
+          <a:fillRef idx="2">
+            <a:schemeClr val="dk1"/>
+          </a:fillRef>
+          <a:effectRef idx="1">
+            <a:schemeClr val="dk1"/>
+          </a:effectRef>
+          <a:fontRef idx="minor">
+            <a:schemeClr val="dk1"/>
+          </a:fontRef>
+        </p:style>
+        <p:txBody>
+          <a:bodyPr rtlCol="0" anchor="ctr"/>
+          <a:lstStyle/>
+          <a:p>
+            <a:pPr algn="ctr"/>
+            <a:r>
+              <a:rPr lang="en-US" sz="1400" dirty="0" smtClean="0"/>
+              <a:t>Admin</a:t>
+            </a:r>
+            <a:endParaRPr lang="en-US" sz="1400" dirty="0"/>
+          </a:p>
+        </p:txBody>
+      </p:sp>
+      <p:sp>
+        <p:nvSpPr>
+          <p:cNvPr id="53" name="TextBox 52"/>
+          <p:cNvSpPr txBox="1"/>
+          <p:nvPr/>
+        </p:nvSpPr>
+        <p:spPr>
+          <a:xfrm>
+            <a:off x="663582" y="2207172"/>
+            <a:ext cx="971239" cy="338554"/>
+          </a:xfrm>
+          <a:prstGeom prst="rect">
+            <a:avLst/>
+          </a:prstGeom>
+          <a:noFill/>
+        </p:spPr>
+        <p:txBody>
+          <a:bodyPr wrap="none" rtlCol="0">
+            <a:spAutoFit/>
+          </a:bodyPr>
+          <a:lstStyle/>
+          <a:p>
+            <a:r>
+              <a:rPr lang="en-US" sz="1600" b="1" dirty="0" smtClean="0"/>
+              <a:t>Legend</a:t>
+            </a:r>
+            <a:r>
+              <a:rPr lang="en-US" sz="1600" dirty="0" smtClean="0"/>
+              <a:t>:</a:t>
+            </a:r>
+            <a:endParaRPr lang="en-US" sz="1600" dirty="0"/>
+          </a:p>
+        </p:txBody>
+      </p:sp>
+      <p:sp>
+        <p:nvSpPr>
+          <p:cNvPr id="54" name="Rounded Rectangle 53"/>
+          <p:cNvSpPr/>
+          <p:nvPr/>
+        </p:nvSpPr>
+        <p:spPr>
+          <a:xfrm>
+            <a:off x="2790351" y="2259726"/>
+            <a:ext cx="976427" cy="262759"/>
+          </a:xfrm>
+          <a:prstGeom prst="roundRect">
+            <a:avLst/>
+          </a:prstGeom>
+        </p:spPr>
+        <p:style>
+          <a:lnRef idx="1">
+            <a:schemeClr val="accent3"/>
+          </a:lnRef>
+          <a:fillRef idx="2">
+            <a:schemeClr val="accent3"/>
+          </a:fillRef>
+          <a:effectRef idx="1">
+            <a:schemeClr val="accent3"/>
+          </a:effectRef>
+          <a:fontRef idx="minor">
+            <a:schemeClr val="dk1"/>
+          </a:fontRef>
+        </p:style>
+        <p:txBody>
+          <a:bodyPr rtlCol="0" anchor="ctr"/>
+          <a:lstStyle/>
+          <a:p>
+            <a:pPr algn="ctr"/>
+            <a:r>
+              <a:rPr lang="en-US" sz="1400" dirty="0" smtClean="0"/>
+              <a:t>Applicant</a:t>
+            </a:r>
+            <a:endParaRPr lang="en-US" sz="1400" dirty="0"/>
+          </a:p>
+        </p:txBody>
+      </p:sp>
+      <p:sp>
+        <p:nvSpPr>
+          <p:cNvPr id="55" name="Rounded Rectangle 54"/>
+          <p:cNvSpPr/>
+          <p:nvPr/>
+        </p:nvSpPr>
+        <p:spPr>
+          <a:xfrm>
+            <a:off x="3918930" y="2259726"/>
+            <a:ext cx="976427" cy="262759"/>
+          </a:xfrm>
+          <a:prstGeom prst="roundRect">
+            <a:avLst/>
+          </a:prstGeom>
+        </p:spPr>
+        <p:style>
+          <a:lnRef idx="1">
+            <a:schemeClr val="accent1"/>
+          </a:lnRef>
+          <a:fillRef idx="2">
+            <a:schemeClr val="accent1"/>
+          </a:fillRef>
+          <a:effectRef idx="1">
+            <a:schemeClr val="accent1"/>
+          </a:effectRef>
+          <a:fontRef idx="minor">
+            <a:schemeClr val="dk1"/>
+          </a:fontRef>
+        </p:style>
+        <p:txBody>
+          <a:bodyPr rtlCol="0" anchor="ctr"/>
+          <a:lstStyle/>
+          <a:p>
+            <a:pPr algn="ctr"/>
+            <a:r>
+              <a:rPr lang="en-US" sz="1400" dirty="0" smtClean="0"/>
+              <a:t>Reviewer</a:t>
+            </a:r>
+            <a:endParaRPr lang="en-US" sz="1400" dirty="0"/>
+          </a:p>
+        </p:txBody>
+      </p:sp>
     </p:spTree>
     <p:extLst>
       <p:ext uri="{BB962C8B-B14F-4D97-AF65-F5344CB8AC3E}">
-        <p14:creationId xmlns:p14="http://schemas.microsoft.com/office/powerpoint/2010/main" val="3451799447"/>
+        <p14:creationId xmlns:p14="http://schemas.microsoft.com/office/powerpoint/2010/main" val="2839643133"/>
       </p:ext>
     </p:extLst>
   </p:cSld>
@@ -14144,67 +15101,17 @@
             <a:pPr marL="0" indent="0" algn="ctr">
               <a:buNone/>
             </a:pPr>
-            <a:r>
-              <a:rPr lang="en-US" dirty="0" smtClean="0"/>
-              <a:t>What does it take to run?</a:t>
-            </a:r>
+            <a:endParaRPr lang="en-US" sz="6000" dirty="0" smtClean="0"/>
           </a:p>
           <a:p>
             <a:pPr marL="0" indent="0" algn="ctr">
               <a:buNone/>
             </a:pPr>
-            <a:endParaRPr lang="en-US" sz="1200" dirty="0"/>
-          </a:p>
-          <a:p>
-            <a:r>
-              <a:rPr lang="en-US" sz="2400" dirty="0" smtClean="0"/>
-              <a:t>Anecdote 1</a:t>
-            </a:r>
-          </a:p>
-          <a:p>
-            <a:pPr lvl="1"/>
-            <a:r>
-              <a:rPr lang="en-US" sz="2000" dirty="0" smtClean="0"/>
-              <a:t>One Ruby on Rails novice – 3 days</a:t>
-            </a:r>
-          </a:p>
-          <a:p>
-            <a:pPr lvl="1"/>
-            <a:r>
-              <a:rPr lang="en-US" sz="2000" dirty="0" smtClean="0"/>
-              <a:t>Demo </a:t>
-            </a:r>
-            <a:r>
-              <a:rPr lang="en-US" sz="2000" dirty="0" smtClean="0"/>
-              <a:t>environment</a:t>
-            </a:r>
-          </a:p>
-          <a:p>
-            <a:pPr lvl="1"/>
-            <a:endParaRPr lang="en-US" sz="2000" dirty="0" smtClean="0"/>
-          </a:p>
-          <a:p>
-            <a:r>
-              <a:rPr lang="en-US" sz="2400" dirty="0" smtClean="0"/>
-              <a:t>Anecdote 2 </a:t>
-            </a:r>
-          </a:p>
-          <a:p>
-            <a:pPr lvl="1"/>
-            <a:r>
-              <a:rPr lang="en-US" sz="2000" dirty="0" smtClean="0"/>
-              <a:t>One developer – 43hrs</a:t>
-            </a:r>
-          </a:p>
-          <a:p>
-            <a:pPr lvl="1"/>
-            <a:r>
-              <a:rPr lang="en-US" sz="2000" dirty="0" smtClean="0"/>
-              <a:t>$2,000.00</a:t>
-            </a:r>
-          </a:p>
-          <a:p>
-            <a:endParaRPr lang="en-US" sz="2400" dirty="0" smtClean="0"/>
+            <a:r>
+              <a:rPr lang="en-US" sz="6000" dirty="0" smtClean="0"/>
+              <a:t>&lt; DEMO HERE /&gt;</a:t>
+            </a:r>
+            <a:endParaRPr lang="en-US" sz="6000" dirty="0"/>
           </a:p>
         </p:txBody>
       </p:sp>
@@ -14241,7 +15148,7 @@
     </p:spTree>
     <p:extLst>
       <p:ext uri="{BB962C8B-B14F-4D97-AF65-F5344CB8AC3E}">
-        <p14:creationId xmlns:p14="http://schemas.microsoft.com/office/powerpoint/2010/main" val="3627681681"/>
+        <p14:creationId xmlns:p14="http://schemas.microsoft.com/office/powerpoint/2010/main" val="3451799447"/>
       </p:ext>
     </p:extLst>
   </p:cSld>
@@ -14328,24 +15235,61 @@
             </a:pPr>
             <a:r>
               <a:rPr lang="en-US" dirty="0" smtClean="0"/>
-              <a:t>What else can you do?</a:t>
+              <a:t>What does it take to run?</a:t>
             </a:r>
           </a:p>
           <a:p>
             <a:pPr marL="0" indent="0" algn="ctr">
               <a:buNone/>
             </a:pPr>
-            <a:endParaRPr lang="en-US" dirty="0"/>
-          </a:p>
-          <a:p>
-            <a:pPr marL="0" indent="0" algn="ctr">
-              <a:buNone/>
-            </a:pPr>
-            <a:r>
-              <a:rPr lang="en-US" dirty="0" smtClean="0"/>
-              <a:t>Voucher programs with administrative reviews</a:t>
-            </a:r>
-            <a:endParaRPr lang="en-US" dirty="0"/>
+            <a:endParaRPr lang="en-US" sz="1200" dirty="0"/>
+          </a:p>
+          <a:p>
+            <a:r>
+              <a:rPr lang="en-US" sz="2400" dirty="0" smtClean="0"/>
+              <a:t>Anecdote 1</a:t>
+            </a:r>
+          </a:p>
+          <a:p>
+            <a:pPr lvl="1"/>
+            <a:r>
+              <a:rPr lang="en-US" sz="2000" dirty="0" smtClean="0"/>
+              <a:t>One Ruby on Rails novice – 3 days</a:t>
+            </a:r>
+          </a:p>
+          <a:p>
+            <a:pPr lvl="1"/>
+            <a:r>
+              <a:rPr lang="en-US" sz="2000" dirty="0" smtClean="0"/>
+              <a:t>Demo environment</a:t>
+            </a:r>
+          </a:p>
+          <a:p>
+            <a:pPr lvl="1"/>
+            <a:endParaRPr lang="en-US" sz="2000" dirty="0" smtClean="0"/>
+          </a:p>
+          <a:p>
+            <a:r>
+              <a:rPr lang="en-US" sz="2400" dirty="0" smtClean="0"/>
+              <a:t>Anecdote 2 </a:t>
+            </a:r>
+          </a:p>
+          <a:p>
+            <a:pPr lvl="1"/>
+            <a:r>
+              <a:rPr lang="en-US" sz="2000" dirty="0" smtClean="0"/>
+              <a:t>One developer – 43hrs</a:t>
+            </a:r>
+          </a:p>
+          <a:p>
+            <a:pPr lvl="1"/>
+            <a:r>
+              <a:rPr lang="en-US" sz="2000" dirty="0" smtClean="0"/>
+              <a:t>$2,000.00</a:t>
+            </a:r>
+          </a:p>
+          <a:p>
+            <a:endParaRPr lang="en-US" sz="2400" dirty="0" smtClean="0"/>
           </a:p>
         </p:txBody>
       </p:sp>
@@ -14382,7 +15326,7 @@
     </p:spTree>
     <p:extLst>
       <p:ext uri="{BB962C8B-B14F-4D97-AF65-F5344CB8AC3E}">
-        <p14:creationId xmlns:p14="http://schemas.microsoft.com/office/powerpoint/2010/main" val="2513534748"/>
+        <p14:creationId xmlns:p14="http://schemas.microsoft.com/office/powerpoint/2010/main" val="3627681681"/>
       </p:ext>
     </p:extLst>
   </p:cSld>
@@ -14469,7 +15413,7 @@
             </a:pPr>
             <a:r>
               <a:rPr lang="en-US" dirty="0" smtClean="0"/>
-              <a:t>Where does the workflow stop?</a:t>
+              <a:t>What else can you do?</a:t>
             </a:r>
           </a:p>
           <a:p>
@@ -14481,53 +15425,26 @@
           <a:p>
             <a:r>
               <a:rPr lang="en-US" sz="2800" dirty="0" smtClean="0"/>
-              <a:t>At the </a:t>
+              <a:t>Voucher programs with administrative </a:t>
             </a:r>
             <a:r>
               <a:rPr lang="en-US" sz="2800" dirty="0" smtClean="0"/>
-              <a:t>end of the </a:t>
+              <a:t>reviews</a:t>
+            </a:r>
+          </a:p>
+          <a:p>
+            <a:r>
+              <a:rPr lang="en-US" sz="2800" dirty="0"/>
+              <a:t>Access to subsidized EDW </a:t>
             </a:r>
             <a:r>
               <a:rPr lang="en-US" sz="2800" dirty="0" smtClean="0"/>
-              <a:t>Review Period</a:t>
-            </a:r>
-          </a:p>
-          <a:p>
-            <a:r>
-              <a:rPr lang="en-US" sz="2800" dirty="0" smtClean="0"/>
-              <a:t>NITRO-Competitions </a:t>
-            </a:r>
-            <a:r>
-              <a:rPr lang="en-US" sz="2800" dirty="0" smtClean="0"/>
-              <a:t>does not handle funds </a:t>
-            </a:r>
-            <a:r>
-              <a:rPr lang="en-US" sz="2800" dirty="0" smtClean="0"/>
-              <a:t>transfer</a:t>
+              <a:t>queries</a:t>
             </a:r>
             <a:endParaRPr lang="en-US" sz="2800" dirty="0"/>
           </a:p>
           <a:p>
-            <a:r>
-              <a:rPr lang="en-US" sz="2800" dirty="0" smtClean="0"/>
-              <a:t>NU-Core</a:t>
-            </a:r>
-          </a:p>
-          <a:p>
-            <a:pPr lvl="1"/>
-            <a:r>
-              <a:rPr lang="en-US" sz="2400" u="sng" dirty="0">
-                <a:hlinkClick r:id="rId2"/>
-              </a:rPr>
-              <a:t>https://github.com/tablexi/nucore-open</a:t>
-            </a:r>
-            <a:endParaRPr lang="en-US" sz="2400" dirty="0" smtClean="0"/>
-          </a:p>
-          <a:p>
-            <a:pPr marL="0" indent="0" algn="ctr">
-              <a:buNone/>
-            </a:pPr>
-            <a:endParaRPr lang="en-US" dirty="0"/>
+            <a:endParaRPr lang="en-US" sz="2800" dirty="0"/>
           </a:p>
         </p:txBody>
       </p:sp>
@@ -14540,7 +15457,7 @@
           <p:nvPr/>
         </p:nvPicPr>
         <p:blipFill>
-          <a:blip r:embed="rId3">
+          <a:blip r:embed="rId2">
             <a:extLst>
               <a:ext uri="{28A0092B-C50C-407E-A947-70E740481C1C}">
                 <a14:useLocalDpi xmlns:a14="http://schemas.microsoft.com/office/drawing/2010/main" val="0"/>
@@ -14564,7 +15481,7 @@
     </p:spTree>
     <p:extLst>
       <p:ext uri="{BB962C8B-B14F-4D97-AF65-F5344CB8AC3E}">
-        <p14:creationId xmlns:p14="http://schemas.microsoft.com/office/powerpoint/2010/main" val="2207175820"/>
+        <p14:creationId xmlns:p14="http://schemas.microsoft.com/office/powerpoint/2010/main" val="2513534748"/>
       </p:ext>
     </p:extLst>
   </p:cSld>
@@ -14646,6 +15563,172 @@
             <a:endParaRPr lang="en-US" dirty="0" smtClean="0"/>
           </a:p>
           <a:p>
+            <a:pPr marL="0" indent="0" algn="ctr">
+              <a:buNone/>
+            </a:pPr>
+            <a:r>
+              <a:rPr lang="en-US" dirty="0" smtClean="0"/>
+              <a:t>Where does the workflow stop?</a:t>
+            </a:r>
+          </a:p>
+          <a:p>
+            <a:pPr marL="0" indent="0" algn="ctr">
+              <a:buNone/>
+            </a:pPr>
+            <a:endParaRPr lang="en-US" dirty="0"/>
+          </a:p>
+          <a:p>
+            <a:r>
+              <a:rPr lang="en-US" sz="2800" dirty="0" smtClean="0"/>
+              <a:t>At the end of the Review Period</a:t>
+            </a:r>
+          </a:p>
+          <a:p>
+            <a:r>
+              <a:rPr lang="en-US" sz="2800" dirty="0" smtClean="0"/>
+              <a:t>NITRO-Competitions does not handle funds transfer</a:t>
+            </a:r>
+            <a:endParaRPr lang="en-US" sz="2800" dirty="0"/>
+          </a:p>
+          <a:p>
+            <a:r>
+              <a:rPr lang="en-US" sz="2800" dirty="0" smtClean="0"/>
+              <a:t>NU-Core</a:t>
+            </a:r>
+          </a:p>
+          <a:p>
+            <a:pPr lvl="1"/>
+            <a:r>
+              <a:rPr lang="en-US" sz="2400" u="sng" dirty="0">
+                <a:hlinkClick r:id="rId2"/>
+              </a:rPr>
+              <a:t>https://github.com/tablexi/nucore-open</a:t>
+            </a:r>
+            <a:endParaRPr lang="en-US" sz="2400" dirty="0" smtClean="0"/>
+          </a:p>
+          <a:p>
+            <a:pPr marL="0" indent="0" algn="ctr">
+              <a:buNone/>
+            </a:pPr>
+            <a:endParaRPr lang="en-US" dirty="0"/>
+          </a:p>
+        </p:txBody>
+      </p:sp>
+      <p:pic>
+        <p:nvPicPr>
+          <p:cNvPr id="4" name="Picture 3"/>
+          <p:cNvPicPr>
+            <a:picLocks noChangeAspect="1"/>
+          </p:cNvPicPr>
+          <p:nvPr/>
+        </p:nvPicPr>
+        <p:blipFill>
+          <a:blip r:embed="rId3">
+            <a:extLst>
+              <a:ext uri="{28A0092B-C50C-407E-A947-70E740481C1C}">
+                <a14:useLocalDpi xmlns:a14="http://schemas.microsoft.com/office/drawing/2010/main" val="0"/>
+              </a:ext>
+            </a:extLst>
+          </a:blip>
+          <a:stretch>
+            <a:fillRect/>
+          </a:stretch>
+        </p:blipFill>
+        <p:spPr>
+          <a:xfrm>
+            <a:off x="105830" y="5785769"/>
+            <a:ext cx="2941983" cy="1042303"/>
+          </a:xfrm>
+          <a:prstGeom prst="rect">
+            <a:avLst/>
+          </a:prstGeom>
+        </p:spPr>
+      </p:pic>
+    </p:spTree>
+    <p:extLst>
+      <p:ext uri="{BB962C8B-B14F-4D97-AF65-F5344CB8AC3E}">
+        <p14:creationId xmlns:p14="http://schemas.microsoft.com/office/powerpoint/2010/main" val="2207175820"/>
+      </p:ext>
+    </p:extLst>
+  </p:cSld>
+  <p:clrMapOvr>
+    <a:masterClrMapping/>
+  </p:clrMapOvr>
+  <p:timing>
+    <p:tnLst>
+      <p:par>
+        <p:cTn xmlns:p14="http://schemas.microsoft.com/office/powerpoint/2010/main" id="1" dur="indefinite" restart="never" nodeType="tmRoot"/>
+      </p:par>
+    </p:tnLst>
+  </p:timing>
+</p:sld>
+</file>
+
+<file path=ppt/slides/slide25.xml><?xml version="1.0" encoding="utf-8"?>
+<p:sld xmlns:a="http://schemas.openxmlformats.org/drawingml/2006/main" xmlns:r="http://schemas.openxmlformats.org/officeDocument/2006/relationships" xmlns:p="http://schemas.openxmlformats.org/presentationml/2006/main">
+  <p:cSld>
+    <p:spTree>
+      <p:nvGrpSpPr>
+        <p:cNvPr id="1" name=""/>
+        <p:cNvGrpSpPr/>
+        <p:nvPr/>
+      </p:nvGrpSpPr>
+      <p:grpSpPr>
+        <a:xfrm>
+          <a:off x="0" y="0"/>
+          <a:ext cx="0" cy="0"/>
+          <a:chOff x="0" y="0"/>
+          <a:chExt cx="0" cy="0"/>
+        </a:xfrm>
+      </p:grpSpPr>
+      <p:sp>
+        <p:nvSpPr>
+          <p:cNvPr id="2" name="Title 1"/>
+          <p:cNvSpPr>
+            <a:spLocks noGrp="1"/>
+          </p:cNvSpPr>
+          <p:nvPr>
+            <p:ph type="title"/>
+          </p:nvPr>
+        </p:nvSpPr>
+        <p:spPr/>
+        <p:txBody>
+          <a:bodyPr/>
+          <a:lstStyle/>
+          <a:p>
+            <a:r>
+              <a:rPr lang="en-US" dirty="0"/>
+              <a:t>NITRO-Competitions</a:t>
+            </a:r>
+          </a:p>
+        </p:txBody>
+      </p:sp>
+      <p:sp>
+        <p:nvSpPr>
+          <p:cNvPr id="6" name="Content Placeholder 5"/>
+          <p:cNvSpPr>
+            <a:spLocks noGrp="1"/>
+          </p:cNvSpPr>
+          <p:nvPr>
+            <p:ph idx="1"/>
+          </p:nvPr>
+        </p:nvSpPr>
+        <p:spPr>
+          <a:xfrm>
+            <a:off x="457200" y="1600200"/>
+            <a:ext cx="8229600" cy="4737497"/>
+          </a:xfrm>
+        </p:spPr>
+        <p:txBody>
+          <a:bodyPr/>
+          <a:lstStyle/>
+          <a:p>
+            <a:pPr marL="0" indent="0">
+              <a:buNone/>
+            </a:pPr>
+            <a:endParaRPr lang="en-US" dirty="0" smtClean="0"/>
+          </a:p>
+          <a:p>
             <a:pPr marL="0" indent="0">
               <a:buNone/>
             </a:pPr>
@@ -14719,7 +15802,7 @@
 </p:sld>
 </file>
 
-<file path=ppt/slides/slide25.xml><?xml version="1.0" encoding="utf-8"?>
+<file path=ppt/slides/slide26.xml><?xml version="1.0" encoding="utf-8"?>
 <p:sld xmlns:a="http://schemas.openxmlformats.org/drawingml/2006/main" xmlns:r="http://schemas.openxmlformats.org/officeDocument/2006/relationships" xmlns:p="http://schemas.openxmlformats.org/presentationml/2006/main" showMasterSp="0">
   <p:cSld>
     <p:bg>
@@ -14818,7 +15901,7 @@
         <p:spPr>
           <a:xfrm>
             <a:off x="457200" y="1600201"/>
-            <a:ext cx="8229600" cy="2903210"/>
+            <a:ext cx="8229600" cy="3526398"/>
           </a:xfrm>
         </p:spPr>
         <p:txBody>
@@ -14835,49 +15918,143 @@
               <a:buNone/>
             </a:pPr>
             <a:r>
-              <a:rPr lang="en-US" dirty="0" smtClean="0"/>
-              <a:t>Why?</a:t>
+              <a:rPr lang="en-US" sz="2800" dirty="0" smtClean="0">
+                <a:solidFill>
+                  <a:schemeClr val="bg1">
+                    <a:lumMod val="65000"/>
+                  </a:schemeClr>
+                </a:solidFill>
+              </a:rPr>
+              <a:t>(previously known as NUCATS </a:t>
+            </a:r>
+            <a:r>
+              <a:rPr lang="en-US" sz="2800" dirty="0">
+                <a:solidFill>
+                  <a:schemeClr val="bg1">
+                    <a:lumMod val="65000"/>
+                  </a:schemeClr>
+                </a:solidFill>
+              </a:rPr>
+              <a:t>Assist</a:t>
+            </a:r>
+            <a:r>
+              <a:rPr lang="en-US" sz="2800" dirty="0" smtClean="0">
+                <a:solidFill>
+                  <a:schemeClr val="bg1">
+                    <a:lumMod val="65000"/>
+                  </a:schemeClr>
+                </a:solidFill>
+              </a:rPr>
+              <a:t>)</a:t>
             </a:r>
           </a:p>
           <a:p>
             <a:pPr marL="0" indent="0" algn="ctr">
               <a:buNone/>
             </a:pPr>
-            <a:endParaRPr lang="en-US" dirty="0"/>
+            <a:endParaRPr lang="en-US" sz="2000" dirty="0" smtClean="0"/>
           </a:p>
           <a:p>
             <a:pPr marL="0" indent="0" algn="ctr">
               <a:buNone/>
             </a:pPr>
             <a:r>
-              <a:rPr lang="en-US" dirty="0"/>
-              <a:t>Clinical and Translational </a:t>
-            </a:r>
-            <a:r>
-              <a:rPr lang="en-US" dirty="0" smtClean="0"/>
-              <a:t>Science </a:t>
-            </a:r>
-            <a:r>
-              <a:rPr lang="en-US" dirty="0"/>
-              <a:t>Award (U54) </a:t>
-            </a:r>
-            <a:br>
-              <a:rPr lang="en-US" dirty="0"/>
-            </a:br>
-            <a:r>
-              <a:rPr lang="en-US" dirty="0"/>
-              <a:t>Pilot Translational and Clinical Studies Program (PTC)</a:t>
-            </a:r>
-            <a:br>
-              <a:rPr lang="en-US" dirty="0"/>
-            </a:br>
-            <a:endParaRPr lang="en-US" dirty="0"/>
+              <a:rPr lang="en-US" sz="2000" dirty="0">
+                <a:solidFill>
+                  <a:srgbClr val="7F7F7F"/>
+                </a:solidFill>
+                <a:hlinkClick r:id="rId2"/>
+              </a:rPr>
+              <a:t>http://vimeopro.com/ctsacentral/ctsa-tool-shop-webinar/video/</a:t>
+            </a:r>
+            <a:r>
+              <a:rPr lang="en-US" sz="2000" dirty="0" smtClean="0">
+                <a:solidFill>
+                  <a:srgbClr val="7F7F7F"/>
+                </a:solidFill>
+                <a:hlinkClick r:id="rId2"/>
+              </a:rPr>
+              <a:t>52577882</a:t>
+            </a:r>
+            <a:endParaRPr lang="en-US" sz="2000" dirty="0" smtClean="0">
+              <a:solidFill>
+                <a:srgbClr val="7F7F7F"/>
+              </a:solidFill>
+            </a:endParaRPr>
           </a:p>
           <a:p>
             <a:pPr marL="0" indent="0" algn="ctr">
               <a:buNone/>
             </a:pPr>
-            <a:endParaRPr lang="en-US" dirty="0"/>
+            <a:endParaRPr lang="en-US" sz="2000" dirty="0">
+              <a:solidFill>
+                <a:srgbClr val="7F7F7F"/>
+              </a:solidFill>
+            </a:endParaRPr>
+          </a:p>
+          <a:p>
+            <a:pPr marL="0" indent="0" algn="ctr">
+              <a:buNone/>
+            </a:pPr>
+            <a:r>
+              <a:rPr lang="en-US" sz="2000" dirty="0"/>
+              <a:t>CTSA Tool Shop (Oct. 5</a:t>
+            </a:r>
+            <a:r>
+              <a:rPr lang="en-US" sz="2000" baseline="30000" dirty="0"/>
+              <a:t>th</a:t>
+            </a:r>
+            <a:r>
+              <a:rPr lang="en-US" sz="2000" dirty="0"/>
+              <a:t>, 2012) </a:t>
+            </a:r>
+            <a:endParaRPr lang="en-US" sz="2000" dirty="0" smtClean="0"/>
+          </a:p>
+          <a:p>
+            <a:pPr marL="0" indent="0" algn="ctr">
+              <a:buNone/>
+            </a:pPr>
+            <a:endParaRPr lang="en-US" sz="2000" dirty="0"/>
+          </a:p>
+          <a:p>
+            <a:pPr marL="0" indent="0" algn="ctr">
+              <a:buNone/>
+            </a:pPr>
+            <a:r>
+              <a:rPr lang="en-US" sz="2000" dirty="0" smtClean="0">
+                <a:hlinkClick r:id="rId3"/>
+              </a:rPr>
+              <a:t>https</a:t>
+            </a:r>
+            <a:r>
+              <a:rPr lang="en-US" sz="2000" dirty="0">
+                <a:hlinkClick r:id="rId3"/>
+              </a:rPr>
+              <a:t>://www.ctsacentral.org/tools/tool_shop#</a:t>
+            </a:r>
+            <a:r>
+              <a:rPr lang="en-US" sz="2000" dirty="0" smtClean="0">
+                <a:hlinkClick r:id="rId3"/>
+              </a:rPr>
+              <a:t>NUCATS</a:t>
+            </a:r>
+            <a:endParaRPr lang="en-US" sz="2000" dirty="0" smtClean="0"/>
+          </a:p>
+          <a:p>
+            <a:pPr marL="0" indent="0" algn="ctr">
+              <a:buNone/>
+            </a:pPr>
+            <a:endParaRPr lang="en-US" sz="2000" dirty="0"/>
+          </a:p>
+          <a:p>
+            <a:pPr marL="0" indent="0" algn="ctr">
+              <a:buNone/>
+            </a:pPr>
+            <a:endParaRPr lang="en-US" sz="2000" dirty="0">
+              <a:solidFill>
+                <a:srgbClr val="7F7F7F"/>
+              </a:solidFill>
+            </a:endParaRPr>
           </a:p>
         </p:txBody>
       </p:sp>
@@ -14890,7 +16067,7 @@
           <p:nvPr/>
         </p:nvPicPr>
         <p:blipFill>
-          <a:blip r:embed="rId2">
+          <a:blip r:embed="rId4">
             <a:extLst>
               <a:ext uri="{28A0092B-C50C-407E-A947-70E740481C1C}">
                 <a14:useLocalDpi xmlns:a14="http://schemas.microsoft.com/office/drawing/2010/main" val="0"/>
@@ -14919,8 +16096,8 @@
         </p:nvSpPr>
         <p:spPr>
           <a:xfrm>
-            <a:off x="457200" y="5082380"/>
-            <a:ext cx="8229600" cy="738664"/>
+            <a:off x="4680035" y="4021322"/>
+            <a:ext cx="184666" cy="369332"/>
           </a:xfrm>
           <a:prstGeom prst="rect">
             <a:avLst/>
@@ -14928,76 +16105,36 @@
           <a:noFill/>
         </p:spPr>
         <p:txBody>
-          <a:bodyPr wrap="square" rtlCol="0">
+          <a:bodyPr wrap="none" rtlCol="0">
             <a:spAutoFit/>
           </a:bodyPr>
           <a:lstStyle/>
           <a:p>
-            <a:pPr algn="ctr"/>
-            <a:r>
-              <a:rPr lang="en-US" sz="2400" dirty="0" smtClean="0">
-                <a:solidFill>
-                  <a:srgbClr val="7F7F7F"/>
-                </a:solidFill>
-                <a:latin typeface="+mn-lt"/>
-              </a:rPr>
-              <a:t>http</a:t>
-            </a:r>
-            <a:r>
-              <a:rPr lang="en-US" sz="2400" dirty="0">
-                <a:solidFill>
-                  <a:srgbClr val="7F7F7F"/>
-                </a:solidFill>
-                <a:latin typeface="+mn-lt"/>
-              </a:rPr>
-              <a:t>://</a:t>
-            </a:r>
-            <a:r>
-              <a:rPr lang="en-US" sz="2400" dirty="0" err="1">
-                <a:solidFill>
-                  <a:srgbClr val="7F7F7F"/>
-                </a:solidFill>
-                <a:latin typeface="+mn-lt"/>
-              </a:rPr>
-              <a:t>grants.nih.gov</a:t>
-            </a:r>
-            <a:r>
-              <a:rPr lang="en-US" sz="2400" dirty="0">
-                <a:solidFill>
-                  <a:srgbClr val="7F7F7F"/>
-                </a:solidFill>
-                <a:latin typeface="+mn-lt"/>
-              </a:rPr>
-              <a:t>/grants/guide/</a:t>
-            </a:r>
-            <a:r>
-              <a:rPr lang="en-US" sz="2400" dirty="0" err="1">
-                <a:solidFill>
-                  <a:srgbClr val="7F7F7F"/>
-                </a:solidFill>
-                <a:latin typeface="+mn-lt"/>
-              </a:rPr>
-              <a:t>rfa</a:t>
-            </a:r>
-            <a:r>
-              <a:rPr lang="en-US" sz="2400" dirty="0">
-                <a:solidFill>
-                  <a:srgbClr val="7F7F7F"/>
-                </a:solidFill>
-                <a:latin typeface="+mn-lt"/>
-              </a:rPr>
-              <a:t>-files/RFA-TR-14-009.</a:t>
-            </a:r>
-            <a:r>
-              <a:rPr lang="en-US" sz="2400" dirty="0" smtClean="0">
-                <a:solidFill>
-                  <a:srgbClr val="7F7F7F"/>
-                </a:solidFill>
-                <a:latin typeface="+mn-lt"/>
-              </a:rPr>
-              <a:t>html</a:t>
-            </a:r>
-          </a:p>
+            <a:endParaRPr lang="en-US" dirty="0"/>
+          </a:p>
+        </p:txBody>
+      </p:sp>
+      <p:sp>
+        <p:nvSpPr>
+          <p:cNvPr id="5" name="TextBox 4"/>
+          <p:cNvSpPr txBox="1"/>
+          <p:nvPr/>
+        </p:nvSpPr>
+        <p:spPr>
+          <a:xfrm>
+            <a:off x="944254" y="5297278"/>
+            <a:ext cx="184666" cy="369332"/>
+          </a:xfrm>
+          <a:prstGeom prst="rect">
+            <a:avLst/>
+          </a:prstGeom>
+          <a:noFill/>
+        </p:spPr>
+        <p:txBody>
+          <a:bodyPr wrap="none" rtlCol="0">
+            <a:spAutoFit/>
+          </a:bodyPr>
+          <a:lstStyle/>
           <a:p>
             <a:endParaRPr lang="en-US" dirty="0"/>
           </a:p>
@@ -15006,7 +16143,7 @@
     </p:spTree>
     <p:extLst>
       <p:ext uri="{BB962C8B-B14F-4D97-AF65-F5344CB8AC3E}">
-        <p14:creationId xmlns:p14="http://schemas.microsoft.com/office/powerpoint/2010/main" val="2323257229"/>
+        <p14:creationId xmlns:p14="http://schemas.microsoft.com/office/powerpoint/2010/main" val="1012976610"/>
       </p:ext>
     </p:extLst>
   </p:cSld>
@@ -15074,42 +16211,257 @@
         </p:nvSpPr>
         <p:spPr>
           <a:xfrm>
-            <a:off x="457200" y="1600201"/>
-            <a:ext cx="8229600" cy="2903210"/>
+            <a:off x="457200" y="1600200"/>
+            <a:ext cx="8229600" cy="4737497"/>
           </a:xfrm>
         </p:spPr>
         <p:txBody>
           <a:bodyPr/>
           <a:lstStyle/>
+          <a:p>
+            <a:pPr marL="0" indent="0">
+              <a:buNone/>
+            </a:pPr>
+            <a:endParaRPr lang="en-US" dirty="0" smtClean="0"/>
+          </a:p>
           <a:p>
             <a:pPr marL="0" indent="0" algn="ctr">
               <a:buNone/>
             </a:pPr>
             <a:r>
+              <a:rPr lang="en-US" dirty="0" smtClean="0"/>
+              <a:t>NUBIC</a:t>
+            </a:r>
+          </a:p>
+          <a:p>
+            <a:pPr marL="0" indent="0" algn="ctr">
+              <a:buNone/>
+            </a:pPr>
+            <a:r>
+              <a:rPr lang="en-US" sz="2800" dirty="0" smtClean="0"/>
+              <a:t>Northwestern University Biomedical Informatics Center</a:t>
+            </a:r>
+          </a:p>
+          <a:p>
+            <a:pPr marL="0" indent="0" algn="ctr">
+              <a:buNone/>
+            </a:pPr>
+            <a:endParaRPr lang="en-US" sz="2800" dirty="0"/>
+          </a:p>
+          <a:p>
+            <a:pPr marL="0" indent="0" algn="ctr">
+              <a:buNone/>
+            </a:pPr>
+            <a:r>
+              <a:rPr lang="en-US" sz="2800" dirty="0" smtClean="0"/>
+              <a:t>Justin </a:t>
+            </a:r>
+            <a:r>
+              <a:rPr lang="en-US" sz="2800" dirty="0" err="1" smtClean="0"/>
+              <a:t>Starren</a:t>
+            </a:r>
+            <a:r>
+              <a:rPr lang="en-US" sz="2800" dirty="0" smtClean="0"/>
+              <a:t> – </a:t>
+            </a:r>
+            <a:r>
+              <a:rPr lang="en-US" sz="2800" dirty="0" err="1" smtClean="0"/>
+              <a:t>justin.starren@northwestern.edu</a:t>
+            </a:r>
+            <a:endParaRPr lang="en-US" sz="2800" dirty="0" smtClean="0"/>
+          </a:p>
+          <a:p>
+            <a:pPr marL="0" indent="0" algn="ctr">
+              <a:buNone/>
+            </a:pPr>
+            <a:r>
+              <a:rPr lang="en-US" sz="2800" dirty="0" smtClean="0"/>
+              <a:t>Paul Friedman – </a:t>
+            </a:r>
+            <a:r>
+              <a:rPr lang="en-US" sz="2800" dirty="0" err="1" smtClean="0"/>
+              <a:t>p-friedman@northwestern.edu</a:t>
+            </a:r>
+            <a:endParaRPr lang="en-US" sz="2800" dirty="0" smtClean="0"/>
+          </a:p>
+          <a:p>
+            <a:pPr marL="0" indent="0" algn="ctr">
+              <a:buNone/>
+            </a:pPr>
+            <a:r>
+              <a:rPr lang="en-US" sz="2800" dirty="0" smtClean="0"/>
+              <a:t>Jeff Lunt – </a:t>
+            </a:r>
+            <a:r>
+              <a:rPr lang="en-US" sz="2800" dirty="0" err="1" smtClean="0"/>
+              <a:t>jeff.lunt@northwestern.edu</a:t>
+            </a:r>
+            <a:endParaRPr lang="en-US" sz="2800" dirty="0"/>
+          </a:p>
+        </p:txBody>
+      </p:sp>
+      <p:pic>
+        <p:nvPicPr>
+          <p:cNvPr id="5" name="Picture 4"/>
+          <p:cNvPicPr>
+            <a:picLocks noChangeAspect="1"/>
+          </p:cNvPicPr>
+          <p:nvPr/>
+        </p:nvPicPr>
+        <p:blipFill>
+          <a:blip r:embed="rId2">
+            <a:extLst>
+              <a:ext uri="{28A0092B-C50C-407E-A947-70E740481C1C}">
+                <a14:useLocalDpi xmlns:a14="http://schemas.microsoft.com/office/drawing/2010/main" val="0"/>
+              </a:ext>
+            </a:extLst>
+          </a:blip>
+          <a:stretch>
+            <a:fillRect/>
+          </a:stretch>
+        </p:blipFill>
+        <p:spPr>
+          <a:xfrm>
+            <a:off x="105830" y="5785769"/>
+            <a:ext cx="2941983" cy="1042303"/>
+          </a:xfrm>
+          <a:prstGeom prst="rect">
+            <a:avLst/>
+          </a:prstGeom>
+        </p:spPr>
+      </p:pic>
+    </p:spTree>
+    <p:extLst>
+      <p:ext uri="{BB962C8B-B14F-4D97-AF65-F5344CB8AC3E}">
+        <p14:creationId xmlns:p14="http://schemas.microsoft.com/office/powerpoint/2010/main" val="2493626314"/>
+      </p:ext>
+    </p:extLst>
+  </p:cSld>
+  <p:clrMapOvr>
+    <a:masterClrMapping/>
+  </p:clrMapOvr>
+  <p:timing>
+    <p:tnLst>
+      <p:par>
+        <p:cTn xmlns:p14="http://schemas.microsoft.com/office/powerpoint/2010/main" id="1" dur="indefinite" restart="never" nodeType="tmRoot"/>
+      </p:par>
+    </p:tnLst>
+  </p:timing>
+</p:sld>
+</file>
+
+<file path=ppt/slides/slide5.xml><?xml version="1.0" encoding="utf-8"?>
+<p:sld xmlns:a="http://schemas.openxmlformats.org/drawingml/2006/main" xmlns:r="http://schemas.openxmlformats.org/officeDocument/2006/relationships" xmlns:p="http://schemas.openxmlformats.org/presentationml/2006/main">
+  <p:cSld>
+    <p:spTree>
+      <p:nvGrpSpPr>
+        <p:cNvPr id="1" name=""/>
+        <p:cNvGrpSpPr/>
+        <p:nvPr/>
+      </p:nvGrpSpPr>
+      <p:grpSpPr>
+        <a:xfrm>
+          <a:off x="0" y="0"/>
+          <a:ext cx="0" cy="0"/>
+          <a:chOff x="0" y="0"/>
+          <a:chExt cx="0" cy="0"/>
+        </a:xfrm>
+      </p:grpSpPr>
+      <p:sp>
+        <p:nvSpPr>
+          <p:cNvPr id="2" name="Title 1"/>
+          <p:cNvSpPr>
+            <a:spLocks noGrp="1"/>
+          </p:cNvSpPr>
+          <p:nvPr>
+            <p:ph type="title"/>
+          </p:nvPr>
+        </p:nvSpPr>
+        <p:spPr/>
+        <p:txBody>
+          <a:bodyPr/>
+          <a:lstStyle/>
+          <a:p>
+            <a:r>
               <a:rPr lang="en-US" dirty="0"/>
-              <a:t>The review must be rigorous and include an </a:t>
-            </a:r>
+              <a:t>NITRO-Competitions</a:t>
+            </a:r>
+          </a:p>
+        </p:txBody>
+      </p:sp>
+      <p:sp>
+        <p:nvSpPr>
+          <p:cNvPr id="6" name="Content Placeholder 5"/>
+          <p:cNvSpPr>
+            <a:spLocks noGrp="1"/>
+          </p:cNvSpPr>
+          <p:nvPr>
+            <p:ph idx="1"/>
+          </p:nvPr>
+        </p:nvSpPr>
+        <p:spPr>
+          <a:xfrm>
+            <a:off x="457200" y="1600201"/>
+            <a:ext cx="8229600" cy="2903210"/>
+          </a:xfrm>
+        </p:spPr>
+        <p:txBody>
+          <a:bodyPr/>
+          <a:lstStyle/>
+          <a:p>
+            <a:pPr marL="0" indent="0">
+              <a:buNone/>
+            </a:pPr>
+            <a:endParaRPr lang="en-US" dirty="0" smtClean="0"/>
+          </a:p>
+          <a:p>
+            <a:pPr marL="0" indent="0" algn="ctr">
+              <a:buNone/>
+            </a:pPr>
             <a:r>
               <a:rPr lang="en-US" dirty="0" smtClean="0"/>
-              <a:t>in-person </a:t>
-            </a:r>
+              <a:t>Why?</a:t>
+            </a:r>
+          </a:p>
+          <a:p>
+            <a:pPr marL="0" indent="0" algn="ctr">
+              <a:buNone/>
+            </a:pPr>
+            <a:endParaRPr lang="en-US" dirty="0"/>
+          </a:p>
+          <a:p>
+            <a:pPr marL="0" indent="0" algn="ctr">
+              <a:buNone/>
+            </a:pPr>
             <a:r>
               <a:rPr lang="en-US" dirty="0"/>
-              <a:t>meeting of a multi-disciplinary committee </a:t>
-            </a:r>
-            <a:r>
-              <a:rPr lang="en-US" b="1" dirty="0" smtClean="0"/>
-              <a:t>patterned </a:t>
-            </a:r>
-            <a:r>
-              <a:rPr lang="en-US" b="1" dirty="0"/>
-              <a:t>after an NIH study section peer review process </a:t>
+              <a:t>Clinical and Translational </a:t>
+            </a:r>
+            <a:r>
+              <a:rPr lang="en-US" dirty="0" smtClean="0"/>
+              <a:t>Science </a:t>
             </a:r>
             <a:r>
               <a:rPr lang="en-US" dirty="0"/>
-              <a:t>to ensure that pilot projects are of high methodological quality, and can answer important scientific question proposed.</a:t>
-            </a:r>
-            <a:endParaRPr lang="en-US" dirty="0" smtClean="0"/>
+              <a:t>Award (U54) </a:t>
+            </a:r>
+            <a:br>
+              <a:rPr lang="en-US" dirty="0"/>
+            </a:br>
+            <a:r>
+              <a:rPr lang="en-US" dirty="0"/>
+              <a:t>Pilot Translational and Clinical Studies Program (PTC)</a:t>
+            </a:r>
+            <a:br>
+              <a:rPr lang="en-US" dirty="0"/>
+            </a:br>
+            <a:endParaRPr lang="en-US" dirty="0"/>
+          </a:p>
+          <a:p>
+            <a:pPr marL="0" indent="0" algn="ctr">
+              <a:buNone/>
+            </a:pPr>
+            <a:endParaRPr lang="en-US" dirty="0"/>
           </a:p>
         </p:txBody>
       </p:sp>
@@ -15151,6 +16503,238 @@
         </p:nvSpPr>
         <p:spPr>
           <a:xfrm>
+            <a:off x="457200" y="5082380"/>
+            <a:ext cx="8229600" cy="738664"/>
+          </a:xfrm>
+          <a:prstGeom prst="rect">
+            <a:avLst/>
+          </a:prstGeom>
+          <a:noFill/>
+        </p:spPr>
+        <p:txBody>
+          <a:bodyPr wrap="square" rtlCol="0">
+            <a:spAutoFit/>
+          </a:bodyPr>
+          <a:lstStyle/>
+          <a:p>
+            <a:pPr algn="ctr"/>
+            <a:r>
+              <a:rPr lang="en-US" sz="2400" dirty="0" smtClean="0">
+                <a:solidFill>
+                  <a:srgbClr val="7F7F7F"/>
+                </a:solidFill>
+                <a:latin typeface="+mn-lt"/>
+              </a:rPr>
+              <a:t>http</a:t>
+            </a:r>
+            <a:r>
+              <a:rPr lang="en-US" sz="2400" dirty="0">
+                <a:solidFill>
+                  <a:srgbClr val="7F7F7F"/>
+                </a:solidFill>
+                <a:latin typeface="+mn-lt"/>
+              </a:rPr>
+              <a:t>://</a:t>
+            </a:r>
+            <a:r>
+              <a:rPr lang="en-US" sz="2400" dirty="0" err="1">
+                <a:solidFill>
+                  <a:srgbClr val="7F7F7F"/>
+                </a:solidFill>
+                <a:latin typeface="+mn-lt"/>
+              </a:rPr>
+              <a:t>grants.nih.gov</a:t>
+            </a:r>
+            <a:r>
+              <a:rPr lang="en-US" sz="2400" dirty="0">
+                <a:solidFill>
+                  <a:srgbClr val="7F7F7F"/>
+                </a:solidFill>
+                <a:latin typeface="+mn-lt"/>
+              </a:rPr>
+              <a:t>/grants/guide/</a:t>
+            </a:r>
+            <a:r>
+              <a:rPr lang="en-US" sz="2400" dirty="0" err="1">
+                <a:solidFill>
+                  <a:srgbClr val="7F7F7F"/>
+                </a:solidFill>
+                <a:latin typeface="+mn-lt"/>
+              </a:rPr>
+              <a:t>rfa</a:t>
+            </a:r>
+            <a:r>
+              <a:rPr lang="en-US" sz="2400" dirty="0">
+                <a:solidFill>
+                  <a:srgbClr val="7F7F7F"/>
+                </a:solidFill>
+                <a:latin typeface="+mn-lt"/>
+              </a:rPr>
+              <a:t>-files/RFA-TR-14-009.</a:t>
+            </a:r>
+            <a:r>
+              <a:rPr lang="en-US" sz="2400" dirty="0" smtClean="0">
+                <a:solidFill>
+                  <a:srgbClr val="7F7F7F"/>
+                </a:solidFill>
+                <a:latin typeface="+mn-lt"/>
+              </a:rPr>
+              <a:t>html</a:t>
+            </a:r>
+          </a:p>
+          <a:p>
+            <a:endParaRPr lang="en-US" dirty="0"/>
+          </a:p>
+        </p:txBody>
+      </p:sp>
+    </p:spTree>
+    <p:extLst>
+      <p:ext uri="{BB962C8B-B14F-4D97-AF65-F5344CB8AC3E}">
+        <p14:creationId xmlns:p14="http://schemas.microsoft.com/office/powerpoint/2010/main" val="2323257229"/>
+      </p:ext>
+    </p:extLst>
+  </p:cSld>
+  <p:clrMapOvr>
+    <a:masterClrMapping/>
+  </p:clrMapOvr>
+  <p:timing>
+    <p:tnLst>
+      <p:par>
+        <p:cTn xmlns:p14="http://schemas.microsoft.com/office/powerpoint/2010/main" id="1" dur="indefinite" restart="never" nodeType="tmRoot"/>
+      </p:par>
+    </p:tnLst>
+  </p:timing>
+</p:sld>
+</file>
+
+<file path=ppt/slides/slide6.xml><?xml version="1.0" encoding="utf-8"?>
+<p:sld xmlns:a="http://schemas.openxmlformats.org/drawingml/2006/main" xmlns:r="http://schemas.openxmlformats.org/officeDocument/2006/relationships" xmlns:p="http://schemas.openxmlformats.org/presentationml/2006/main">
+  <p:cSld>
+    <p:spTree>
+      <p:nvGrpSpPr>
+        <p:cNvPr id="1" name=""/>
+        <p:cNvGrpSpPr/>
+        <p:nvPr/>
+      </p:nvGrpSpPr>
+      <p:grpSpPr>
+        <a:xfrm>
+          <a:off x="0" y="0"/>
+          <a:ext cx="0" cy="0"/>
+          <a:chOff x="0" y="0"/>
+          <a:chExt cx="0" cy="0"/>
+        </a:xfrm>
+      </p:grpSpPr>
+      <p:sp>
+        <p:nvSpPr>
+          <p:cNvPr id="2" name="Title 1"/>
+          <p:cNvSpPr>
+            <a:spLocks noGrp="1"/>
+          </p:cNvSpPr>
+          <p:nvPr>
+            <p:ph type="title"/>
+          </p:nvPr>
+        </p:nvSpPr>
+        <p:spPr/>
+        <p:txBody>
+          <a:bodyPr/>
+          <a:lstStyle/>
+          <a:p>
+            <a:r>
+              <a:rPr lang="en-US" dirty="0"/>
+              <a:t>NITRO-Competitions</a:t>
+            </a:r>
+          </a:p>
+        </p:txBody>
+      </p:sp>
+      <p:sp>
+        <p:nvSpPr>
+          <p:cNvPr id="6" name="Content Placeholder 5"/>
+          <p:cNvSpPr>
+            <a:spLocks noGrp="1"/>
+          </p:cNvSpPr>
+          <p:nvPr>
+            <p:ph idx="1"/>
+          </p:nvPr>
+        </p:nvSpPr>
+        <p:spPr>
+          <a:xfrm>
+            <a:off x="457200" y="1600201"/>
+            <a:ext cx="8229600" cy="2903210"/>
+          </a:xfrm>
+        </p:spPr>
+        <p:txBody>
+          <a:bodyPr/>
+          <a:lstStyle/>
+          <a:p>
+            <a:pPr marL="0" indent="0" algn="ctr">
+              <a:buNone/>
+            </a:pPr>
+            <a:r>
+              <a:rPr lang="en-US" dirty="0"/>
+              <a:t>The review must be rigorous and include an </a:t>
+            </a:r>
+            <a:r>
+              <a:rPr lang="en-US" dirty="0" smtClean="0"/>
+              <a:t>in-person </a:t>
+            </a:r>
+            <a:r>
+              <a:rPr lang="en-US" dirty="0"/>
+              <a:t>meeting of a multi-disciplinary committee </a:t>
+            </a:r>
+            <a:r>
+              <a:rPr lang="en-US" b="1" dirty="0" smtClean="0"/>
+              <a:t>patterned </a:t>
+            </a:r>
+            <a:r>
+              <a:rPr lang="en-US" b="1" dirty="0"/>
+              <a:t>after an NIH study section peer review process </a:t>
+            </a:r>
+            <a:r>
+              <a:rPr lang="en-US" dirty="0"/>
+              <a:t>to ensure that pilot projects are of high methodological quality, and can answer important scientific question proposed.</a:t>
+            </a:r>
+            <a:endParaRPr lang="en-US" dirty="0" smtClean="0"/>
+          </a:p>
+        </p:txBody>
+      </p:sp>
+      <p:pic>
+        <p:nvPicPr>
+          <p:cNvPr id="4" name="Picture 3"/>
+          <p:cNvPicPr>
+            <a:picLocks noChangeAspect="1"/>
+          </p:cNvPicPr>
+          <p:nvPr/>
+        </p:nvPicPr>
+        <p:blipFill>
+          <a:blip r:embed="rId2">
+            <a:extLst>
+              <a:ext uri="{28A0092B-C50C-407E-A947-70E740481C1C}">
+                <a14:useLocalDpi xmlns:a14="http://schemas.microsoft.com/office/drawing/2010/main" val="0"/>
+              </a:ext>
+            </a:extLst>
+          </a:blip>
+          <a:stretch>
+            <a:fillRect/>
+          </a:stretch>
+        </p:blipFill>
+        <p:spPr>
+          <a:xfrm>
+            <a:off x="105830" y="5785769"/>
+            <a:ext cx="2941983" cy="1042303"/>
+          </a:xfrm>
+          <a:prstGeom prst="rect">
+            <a:avLst/>
+          </a:prstGeom>
+        </p:spPr>
+      </p:pic>
+      <p:sp>
+        <p:nvSpPr>
+          <p:cNvPr id="3" name="TextBox 2"/>
+          <p:cNvSpPr txBox="1"/>
+          <p:nvPr/>
+        </p:nvSpPr>
+        <p:spPr>
+          <a:xfrm>
             <a:off x="457200" y="5220664"/>
             <a:ext cx="8229600" cy="738664"/>
           </a:xfrm>
@@ -15255,7 +16839,7 @@
 </p:sld>
 </file>
 
-<file path=ppt/slides/slide5.xml><?xml version="1.0" encoding="utf-8"?>
+<file path=ppt/slides/slide7.xml><?xml version="1.0" encoding="utf-8"?>
 <p:sld xmlns:a="http://schemas.openxmlformats.org/drawingml/2006/main" xmlns:r="http://schemas.openxmlformats.org/officeDocument/2006/relationships" xmlns:p="http://schemas.openxmlformats.org/presentationml/2006/main">
   <p:cSld>
     <p:spTree>
@@ -21077,17 +22661,7 @@
                 <a:latin typeface="Calibri"/>
                 <a:ea typeface="+mn-ea"/>
               </a:rPr>
-              <a:t> </a:t>
-            </a:r>
-            <a:r>
-              <a:rPr lang="en-US" sz="1050" b="1" dirty="0" smtClean="0">
-                <a:solidFill>
-                  <a:prstClr val="black"/>
-                </a:solidFill>
-                <a:latin typeface="Calibri"/>
-                <a:ea typeface="+mn-ea"/>
-              </a:rPr>
-              <a:t>Ticket Tracking</a:t>
+              <a:t> Ticket Tracking</a:t>
             </a:r>
             <a:endParaRPr lang="en-US" sz="1050" b="1" dirty="0">
               <a:solidFill>
@@ -21985,704 +23559,6 @@
     <p:extLst>
       <p:ext uri="{BB962C8B-B14F-4D97-AF65-F5344CB8AC3E}">
         <p14:creationId xmlns:p14="http://schemas.microsoft.com/office/powerpoint/2010/main" val="566059763"/>
-      </p:ext>
-    </p:extLst>
-  </p:cSld>
-  <p:clrMapOvr>
-    <a:masterClrMapping/>
-  </p:clrMapOvr>
-  <p:timing>
-    <p:tnLst>
-      <p:par>
-        <p:cTn xmlns:p14="http://schemas.microsoft.com/office/powerpoint/2010/main" id="1" dur="indefinite" restart="never" nodeType="tmRoot"/>
-      </p:par>
-    </p:tnLst>
-  </p:timing>
-</p:sld>
-</file>
-
-<file path=ppt/slides/slide6.xml><?xml version="1.0" encoding="utf-8"?>
-<p:sld xmlns:a="http://schemas.openxmlformats.org/drawingml/2006/main" xmlns:r="http://schemas.openxmlformats.org/officeDocument/2006/relationships" xmlns:p="http://schemas.openxmlformats.org/presentationml/2006/main">
-  <p:cSld>
-    <p:spTree>
-      <p:nvGrpSpPr>
-        <p:cNvPr id="1" name=""/>
-        <p:cNvGrpSpPr/>
-        <p:nvPr/>
-      </p:nvGrpSpPr>
-      <p:grpSpPr>
-        <a:xfrm>
-          <a:off x="0" y="0"/>
-          <a:ext cx="0" cy="0"/>
-          <a:chOff x="0" y="0"/>
-          <a:chExt cx="0" cy="0"/>
-        </a:xfrm>
-      </p:grpSpPr>
-      <p:sp>
-        <p:nvSpPr>
-          <p:cNvPr id="2" name="Title 1"/>
-          <p:cNvSpPr>
-            <a:spLocks noGrp="1"/>
-          </p:cNvSpPr>
-          <p:nvPr>
-            <p:ph type="title"/>
-          </p:nvPr>
-        </p:nvSpPr>
-        <p:spPr/>
-        <p:txBody>
-          <a:bodyPr/>
-          <a:lstStyle/>
-          <a:p>
-            <a:r>
-              <a:rPr lang="en-US" dirty="0"/>
-              <a:t>NITRO-Competitions</a:t>
-            </a:r>
-          </a:p>
-        </p:txBody>
-      </p:sp>
-      <p:sp>
-        <p:nvSpPr>
-          <p:cNvPr id="6" name="Content Placeholder 5"/>
-          <p:cNvSpPr>
-            <a:spLocks noGrp="1"/>
-          </p:cNvSpPr>
-          <p:nvPr>
-            <p:ph idx="1"/>
-          </p:nvPr>
-        </p:nvSpPr>
-        <p:spPr>
-          <a:xfrm>
-            <a:off x="457200" y="1600200"/>
-            <a:ext cx="8229600" cy="2565891"/>
-          </a:xfrm>
-        </p:spPr>
-        <p:txBody>
-          <a:bodyPr/>
-          <a:lstStyle/>
-          <a:p>
-            <a:pPr marL="0" indent="0" algn="ctr">
-              <a:buNone/>
-            </a:pPr>
-            <a:r>
-              <a:rPr lang="en-US" dirty="0" smtClean="0"/>
-              <a:t>Funding </a:t>
-            </a:r>
-            <a:r>
-              <a:rPr lang="en-US" dirty="0"/>
-              <a:t>competition application which </a:t>
-            </a:r>
-            <a:r>
-              <a:rPr lang="en-US" dirty="0" smtClean="0"/>
-              <a:t>handles management of </a:t>
-            </a:r>
-            <a:r>
-              <a:rPr lang="en-US" dirty="0"/>
-              <a:t>the </a:t>
-            </a:r>
-            <a:r>
-              <a:rPr lang="en-US" dirty="0" smtClean="0"/>
-              <a:t/>
-            </a:r>
-            <a:br>
-              <a:rPr lang="en-US" dirty="0" smtClean="0"/>
-            </a:br>
-            <a:r>
-              <a:rPr lang="en-US" b="1" dirty="0" smtClean="0"/>
-              <a:t>Solicitation</a:t>
-            </a:r>
-            <a:r>
-              <a:rPr lang="en-US" dirty="0" smtClean="0"/>
-              <a:t>, </a:t>
-            </a:r>
-            <a:r>
-              <a:rPr lang="en-US" b="1" dirty="0" smtClean="0"/>
-              <a:t>Application</a:t>
-            </a:r>
-            <a:r>
-              <a:rPr lang="en-US" b="1" dirty="0"/>
-              <a:t>, </a:t>
-            </a:r>
-            <a:r>
-              <a:rPr lang="en-US" b="1" dirty="0" smtClean="0"/>
-              <a:t>and </a:t>
-            </a:r>
-            <a:r>
-              <a:rPr lang="en-US" b="1" dirty="0" smtClean="0"/>
-              <a:t>Review</a:t>
-            </a:r>
-            <a:r>
-              <a:rPr lang="en-US" b="1" dirty="0" smtClean="0"/>
-              <a:t/>
-            </a:r>
-            <a:br>
-              <a:rPr lang="en-US" b="1" dirty="0" smtClean="0"/>
-            </a:br>
-            <a:r>
-              <a:rPr lang="en-US" dirty="0" smtClean="0"/>
-              <a:t>portions </a:t>
-            </a:r>
-            <a:r>
-              <a:rPr lang="en-US" dirty="0"/>
-              <a:t>of the funding process </a:t>
-            </a:r>
-            <a:endParaRPr lang="en-US" dirty="0" smtClean="0"/>
-          </a:p>
-        </p:txBody>
-      </p:sp>
-      <p:pic>
-        <p:nvPicPr>
-          <p:cNvPr id="5" name="Picture 4"/>
-          <p:cNvPicPr>
-            <a:picLocks noChangeAspect="1"/>
-          </p:cNvPicPr>
-          <p:nvPr/>
-        </p:nvPicPr>
-        <p:blipFill>
-          <a:blip r:embed="rId2">
-            <a:extLst>
-              <a:ext uri="{28A0092B-C50C-407E-A947-70E740481C1C}">
-                <a14:useLocalDpi xmlns:a14="http://schemas.microsoft.com/office/drawing/2010/main" val="0"/>
-              </a:ext>
-            </a:extLst>
-          </a:blip>
-          <a:stretch>
-            <a:fillRect/>
-          </a:stretch>
-        </p:blipFill>
-        <p:spPr>
-          <a:xfrm>
-            <a:off x="105830" y="5785769"/>
-            <a:ext cx="2941983" cy="1042303"/>
-          </a:xfrm>
-          <a:prstGeom prst="rect">
-            <a:avLst/>
-          </a:prstGeom>
-        </p:spPr>
-      </p:pic>
-      <p:sp>
-        <p:nvSpPr>
-          <p:cNvPr id="7" name="Content Placeholder 5"/>
-          <p:cNvSpPr txBox="1">
-            <a:spLocks/>
-          </p:cNvSpPr>
-          <p:nvPr/>
-        </p:nvSpPr>
-        <p:spPr bwMode="auto">
-          <a:xfrm>
-            <a:off x="457200" y="3942782"/>
-            <a:ext cx="8229600" cy="1529715"/>
-          </a:xfrm>
-          <a:prstGeom prst="rect">
-            <a:avLst/>
-          </a:prstGeom>
-          <a:noFill/>
-          <a:ln w="9525">
-            <a:noFill/>
-            <a:miter lim="800000"/>
-            <a:headEnd/>
-            <a:tailEnd/>
-          </a:ln>
-        </p:spPr>
-        <p:txBody>
-          <a:bodyPr vert="horz" wrap="square" lIns="91440" tIns="45720" rIns="91440" bIns="45720" numCol="1" anchor="t" anchorCtr="0" compatLnSpc="1">
-            <a:prstTxWarp prst="textNoShape">
-              <a:avLst/>
-            </a:prstTxWarp>
-          </a:bodyPr>
-          <a:lstStyle>
-            <a:lvl1pPr marL="342900" indent="-342900" algn="l" defTabSz="457200" rtl="0" eaLnBrk="1" fontAlgn="base" hangingPunct="1">
-              <a:spcBef>
-                <a:spcPct val="20000"/>
-              </a:spcBef>
-              <a:spcAft>
-                <a:spcPct val="0"/>
-              </a:spcAft>
-              <a:buFont typeface="Arial" charset="0"/>
-              <a:buChar char="•"/>
-              <a:defRPr sz="3200" kern="1200">
-                <a:solidFill>
-                  <a:schemeClr val="tx1"/>
-                </a:solidFill>
-                <a:latin typeface="+mn-lt"/>
-                <a:ea typeface="ＭＳ Ｐゴシック" pitchFamily="26" charset="-128"/>
-                <a:cs typeface="+mn-cs"/>
-              </a:defRPr>
-            </a:lvl1pPr>
-            <a:lvl2pPr marL="742950" indent="-285750" algn="l" defTabSz="457200" rtl="0" eaLnBrk="1" fontAlgn="base" hangingPunct="1">
-              <a:spcBef>
-                <a:spcPct val="20000"/>
-              </a:spcBef>
-              <a:spcAft>
-                <a:spcPct val="0"/>
-              </a:spcAft>
-              <a:buFont typeface="Arial" charset="0"/>
-              <a:buChar char="–"/>
-              <a:defRPr sz="2800" kern="1200">
-                <a:solidFill>
-                  <a:schemeClr val="tx1"/>
-                </a:solidFill>
-                <a:latin typeface="+mn-lt"/>
-                <a:ea typeface="ＭＳ Ｐゴシック" pitchFamily="26" charset="-128"/>
-                <a:cs typeface="+mn-cs"/>
-              </a:defRPr>
-            </a:lvl2pPr>
-            <a:lvl3pPr marL="1143000" indent="-228600" algn="l" defTabSz="457200" rtl="0" eaLnBrk="1" fontAlgn="base" hangingPunct="1">
-              <a:spcBef>
-                <a:spcPct val="20000"/>
-              </a:spcBef>
-              <a:spcAft>
-                <a:spcPct val="0"/>
-              </a:spcAft>
-              <a:buFont typeface="Arial" charset="0"/>
-              <a:buChar char="•"/>
-              <a:defRPr sz="2400" kern="1200">
-                <a:solidFill>
-                  <a:schemeClr val="tx1"/>
-                </a:solidFill>
-                <a:latin typeface="+mn-lt"/>
-                <a:ea typeface="ＭＳ Ｐゴシック" pitchFamily="26" charset="-128"/>
-                <a:cs typeface="+mn-cs"/>
-              </a:defRPr>
-            </a:lvl3pPr>
-            <a:lvl4pPr marL="1600200" indent="-228600" algn="l" defTabSz="457200" rtl="0" eaLnBrk="1" fontAlgn="base" hangingPunct="1">
-              <a:spcBef>
-                <a:spcPct val="20000"/>
-              </a:spcBef>
-              <a:spcAft>
-                <a:spcPct val="0"/>
-              </a:spcAft>
-              <a:buFont typeface="Arial" charset="0"/>
-              <a:buChar char="–"/>
-              <a:defRPr sz="2000" kern="1200">
-                <a:solidFill>
-                  <a:schemeClr val="tx1"/>
-                </a:solidFill>
-                <a:latin typeface="+mn-lt"/>
-                <a:ea typeface="ＭＳ Ｐゴシック" pitchFamily="26" charset="-128"/>
-                <a:cs typeface="+mn-cs"/>
-              </a:defRPr>
-            </a:lvl4pPr>
-            <a:lvl5pPr marL="2057400" indent="-228600" algn="l" defTabSz="457200" rtl="0" eaLnBrk="1" fontAlgn="base" hangingPunct="1">
-              <a:spcBef>
-                <a:spcPct val="20000"/>
-              </a:spcBef>
-              <a:spcAft>
-                <a:spcPct val="0"/>
-              </a:spcAft>
-              <a:buFont typeface="Arial" charset="0"/>
-              <a:buChar char="»"/>
-              <a:defRPr sz="2000" kern="1200">
-                <a:solidFill>
-                  <a:schemeClr val="tx1"/>
-                </a:solidFill>
-                <a:latin typeface="+mn-lt"/>
-                <a:ea typeface="ＭＳ Ｐゴシック" pitchFamily="26" charset="-128"/>
-                <a:cs typeface="+mn-cs"/>
-              </a:defRPr>
-            </a:lvl5pPr>
-            <a:lvl6pPr marL="2514600" indent="-228600" algn="l" defTabSz="457200" rtl="0" eaLnBrk="1" latinLnBrk="0" hangingPunct="1">
-              <a:spcBef>
-                <a:spcPct val="20000"/>
-              </a:spcBef>
-              <a:buFont typeface="Arial"/>
-              <a:buChar char="•"/>
-              <a:defRPr sz="2000" kern="1200">
-                <a:solidFill>
-                  <a:schemeClr val="tx1"/>
-                </a:solidFill>
-                <a:latin typeface="+mn-lt"/>
-                <a:ea typeface="+mn-ea"/>
-                <a:cs typeface="+mn-cs"/>
-              </a:defRPr>
-            </a:lvl6pPr>
-            <a:lvl7pPr marL="2971800" indent="-228600" algn="l" defTabSz="457200" rtl="0" eaLnBrk="1" latinLnBrk="0" hangingPunct="1">
-              <a:spcBef>
-                <a:spcPct val="20000"/>
-              </a:spcBef>
-              <a:buFont typeface="Arial"/>
-              <a:buChar char="•"/>
-              <a:defRPr sz="2000" kern="1200">
-                <a:solidFill>
-                  <a:schemeClr val="tx1"/>
-                </a:solidFill>
-                <a:latin typeface="+mn-lt"/>
-                <a:ea typeface="+mn-ea"/>
-                <a:cs typeface="+mn-cs"/>
-              </a:defRPr>
-            </a:lvl7pPr>
-            <a:lvl8pPr marL="3429000" indent="-228600" algn="l" defTabSz="457200" rtl="0" eaLnBrk="1" latinLnBrk="0" hangingPunct="1">
-              <a:spcBef>
-                <a:spcPct val="20000"/>
-              </a:spcBef>
-              <a:buFont typeface="Arial"/>
-              <a:buChar char="•"/>
-              <a:defRPr sz="2000" kern="1200">
-                <a:solidFill>
-                  <a:schemeClr val="tx1"/>
-                </a:solidFill>
-                <a:latin typeface="+mn-lt"/>
-                <a:ea typeface="+mn-ea"/>
-                <a:cs typeface="+mn-cs"/>
-              </a:defRPr>
-            </a:lvl8pPr>
-            <a:lvl9pPr marL="3886200" indent="-228600" algn="l" defTabSz="457200" rtl="0" eaLnBrk="1" latinLnBrk="0" hangingPunct="1">
-              <a:spcBef>
-                <a:spcPct val="20000"/>
-              </a:spcBef>
-              <a:buFont typeface="Arial"/>
-              <a:buChar char="•"/>
-              <a:defRPr sz="2000" kern="1200">
-                <a:solidFill>
-                  <a:schemeClr val="tx1"/>
-                </a:solidFill>
-                <a:latin typeface="+mn-lt"/>
-                <a:ea typeface="+mn-ea"/>
-                <a:cs typeface="+mn-cs"/>
-              </a:defRPr>
-            </a:lvl9pPr>
-          </a:lstStyle>
-          <a:p>
-            <a:pPr marL="0" indent="0" algn="ctr">
-              <a:buFont typeface="Arial" charset="0"/>
-              <a:buNone/>
-            </a:pPr>
-            <a:r>
-              <a:rPr lang="en-US" dirty="0" smtClean="0"/>
-              <a:t>The funding competition workflow </a:t>
-            </a:r>
-            <a:r>
-              <a:rPr lang="en-US" dirty="0" smtClean="0"/>
-              <a:t>is styled </a:t>
-            </a:r>
-            <a:r>
-              <a:rPr lang="en-US" dirty="0" smtClean="0"/>
-              <a:t>after the NIH </a:t>
-            </a:r>
-            <a:r>
-              <a:rPr lang="en-US" dirty="0" err="1" smtClean="0"/>
-              <a:t>eRA</a:t>
-            </a:r>
-            <a:r>
-              <a:rPr lang="en-US" dirty="0" smtClean="0"/>
-              <a:t> Commons review process</a:t>
-            </a:r>
-          </a:p>
-          <a:p>
-            <a:pPr marL="0" indent="0" algn="ctr">
-              <a:buFont typeface="Arial" charset="0"/>
-              <a:buNone/>
-            </a:pPr>
-            <a:endParaRPr lang="en-US" dirty="0"/>
-          </a:p>
-        </p:txBody>
-      </p:sp>
-      <p:sp>
-        <p:nvSpPr>
-          <p:cNvPr id="8" name="TextBox 7"/>
-          <p:cNvSpPr txBox="1"/>
-          <p:nvPr/>
-        </p:nvSpPr>
-        <p:spPr>
-          <a:xfrm>
-            <a:off x="199040" y="5287832"/>
-            <a:ext cx="8795680" cy="369332"/>
-          </a:xfrm>
-          <a:prstGeom prst="rect">
-            <a:avLst/>
-          </a:prstGeom>
-          <a:noFill/>
-        </p:spPr>
-        <p:txBody>
-          <a:bodyPr wrap="square" rtlCol="0">
-            <a:spAutoFit/>
-          </a:bodyPr>
-          <a:lstStyle/>
-          <a:p>
-            <a:pPr algn="ctr"/>
-            <a:r>
-              <a:rPr lang="en-US" dirty="0">
-                <a:hlinkClick r:id="rId3"/>
-              </a:rPr>
-              <a:t>https://</a:t>
-            </a:r>
-            <a:r>
-              <a:rPr lang="en-US" b="1" dirty="0">
-                <a:hlinkClick r:id="rId3"/>
-              </a:rPr>
-              <a:t>commons</a:t>
-            </a:r>
-            <a:r>
-              <a:rPr lang="en-US" dirty="0">
-                <a:hlinkClick r:id="rId3"/>
-              </a:rPr>
-              <a:t>.</a:t>
-            </a:r>
-            <a:r>
-              <a:rPr lang="en-US" b="1" dirty="0">
-                <a:hlinkClick r:id="rId3"/>
-              </a:rPr>
-              <a:t>era</a:t>
-            </a:r>
-            <a:r>
-              <a:rPr lang="en-US" dirty="0">
-                <a:hlinkClick r:id="rId3"/>
-              </a:rPr>
-              <a:t>.</a:t>
-            </a:r>
-            <a:r>
-              <a:rPr lang="en-US" b="1" dirty="0">
-                <a:hlinkClick r:id="rId3"/>
-              </a:rPr>
-              <a:t>nih</a:t>
-            </a:r>
-            <a:r>
-              <a:rPr lang="en-US" dirty="0">
-                <a:hlinkClick r:id="rId3"/>
-              </a:rPr>
-              <a:t>.gov</a:t>
-            </a:r>
-            <a:r>
-              <a:rPr lang="en-US" dirty="0" smtClean="0">
-                <a:hlinkClick r:id="rId3"/>
-              </a:rPr>
-              <a:t>/</a:t>
-            </a:r>
-            <a:r>
-              <a:rPr lang="en-US" dirty="0" smtClean="0"/>
-              <a:t> </a:t>
-            </a:r>
-            <a:endParaRPr lang="en-US" dirty="0"/>
-          </a:p>
-        </p:txBody>
-      </p:sp>
-    </p:spTree>
-    <p:extLst>
-      <p:ext uri="{BB962C8B-B14F-4D97-AF65-F5344CB8AC3E}">
-        <p14:creationId xmlns:p14="http://schemas.microsoft.com/office/powerpoint/2010/main" val="1699717980"/>
-      </p:ext>
-    </p:extLst>
-  </p:cSld>
-  <p:clrMapOvr>
-    <a:masterClrMapping/>
-  </p:clrMapOvr>
-  <p:timing>
-    <p:tnLst>
-      <p:par>
-        <p:cTn xmlns:p14="http://schemas.microsoft.com/office/powerpoint/2010/main" id="1" dur="indefinite" restart="never" nodeType="tmRoot"/>
-      </p:par>
-    </p:tnLst>
-  </p:timing>
-</p:sld>
-</file>
-
-<file path=ppt/slides/slide7.xml><?xml version="1.0" encoding="utf-8"?>
-<p:sld xmlns:a="http://schemas.openxmlformats.org/drawingml/2006/main" xmlns:r="http://schemas.openxmlformats.org/officeDocument/2006/relationships" xmlns:p="http://schemas.openxmlformats.org/presentationml/2006/main">
-  <p:cSld>
-    <p:spTree>
-      <p:nvGrpSpPr>
-        <p:cNvPr id="1" name=""/>
-        <p:cNvGrpSpPr/>
-        <p:nvPr/>
-      </p:nvGrpSpPr>
-      <p:grpSpPr>
-        <a:xfrm>
-          <a:off x="0" y="0"/>
-          <a:ext cx="0" cy="0"/>
-          <a:chOff x="0" y="0"/>
-          <a:chExt cx="0" cy="0"/>
-        </a:xfrm>
-      </p:grpSpPr>
-      <p:sp>
-        <p:nvSpPr>
-          <p:cNvPr id="2" name="Title 1"/>
-          <p:cNvSpPr>
-            <a:spLocks noGrp="1"/>
-          </p:cNvSpPr>
-          <p:nvPr>
-            <p:ph type="title"/>
-          </p:nvPr>
-        </p:nvSpPr>
-        <p:spPr/>
-        <p:txBody>
-          <a:bodyPr/>
-          <a:lstStyle/>
-          <a:p>
-            <a:r>
-              <a:rPr lang="en-US" dirty="0"/>
-              <a:t>NITRO-Competitions</a:t>
-            </a:r>
-          </a:p>
-        </p:txBody>
-      </p:sp>
-      <p:sp>
-        <p:nvSpPr>
-          <p:cNvPr id="6" name="Content Placeholder 5"/>
-          <p:cNvSpPr>
-            <a:spLocks noGrp="1"/>
-          </p:cNvSpPr>
-          <p:nvPr>
-            <p:ph idx="1"/>
-          </p:nvPr>
-        </p:nvSpPr>
-        <p:spPr>
-          <a:xfrm>
-            <a:off x="457200" y="1600200"/>
-            <a:ext cx="8229600" cy="3697077"/>
-          </a:xfrm>
-        </p:spPr>
-        <p:txBody>
-          <a:bodyPr/>
-          <a:lstStyle/>
-          <a:p>
-            <a:pPr marL="0" indent="0">
-              <a:buNone/>
-            </a:pPr>
-            <a:endParaRPr lang="en-US" dirty="0" smtClean="0"/>
-          </a:p>
-          <a:p>
-            <a:pPr marL="0" indent="0" algn="ctr">
-              <a:buNone/>
-            </a:pPr>
-            <a:r>
-              <a:rPr lang="en-US" dirty="0" smtClean="0"/>
-              <a:t>Usage at NU</a:t>
-            </a:r>
-          </a:p>
-          <a:p>
-            <a:pPr marL="0" indent="0" algn="ctr">
-              <a:buNone/>
-            </a:pPr>
-            <a:endParaRPr lang="en-US" sz="1800" dirty="0" smtClean="0"/>
-          </a:p>
-          <a:p>
-            <a:r>
-              <a:rPr lang="en-US" sz="1800" dirty="0" smtClean="0"/>
-              <a:t>02 Nov 2009 - Date of first production competition</a:t>
-            </a:r>
-          </a:p>
-          <a:p>
-            <a:endParaRPr lang="en-US" sz="1800" dirty="0" smtClean="0"/>
-          </a:p>
-          <a:p>
-            <a:r>
-              <a:rPr lang="en-US" sz="1800" dirty="0" smtClean="0"/>
-              <a:t>19 Sponsors</a:t>
-            </a:r>
-          </a:p>
-          <a:p>
-            <a:r>
-              <a:rPr lang="en-US" sz="1800" dirty="0" smtClean="0"/>
-              <a:t>67 Competitions (many of them rolling)</a:t>
-            </a:r>
-            <a:endParaRPr lang="en-US" sz="1800" dirty="0"/>
-          </a:p>
-          <a:p>
-            <a:r>
-              <a:rPr lang="en-US" sz="1800" dirty="0" smtClean="0"/>
-              <a:t>1016 Applications</a:t>
-            </a:r>
-            <a:endParaRPr lang="en-US" sz="1800" dirty="0"/>
-          </a:p>
-          <a:p>
-            <a:r>
-              <a:rPr lang="en-US" sz="1800" dirty="0" smtClean="0"/>
-              <a:t>1757 Reviews</a:t>
-            </a:r>
-          </a:p>
-          <a:p>
-            <a:pPr marL="0" indent="0">
-              <a:buNone/>
-            </a:pPr>
-            <a:endParaRPr lang="en-US" sz="1800" dirty="0" smtClean="0"/>
-          </a:p>
-        </p:txBody>
-      </p:sp>
-      <p:pic>
-        <p:nvPicPr>
-          <p:cNvPr id="4" name="Picture 3"/>
-          <p:cNvPicPr>
-            <a:picLocks noChangeAspect="1"/>
-          </p:cNvPicPr>
-          <p:nvPr/>
-        </p:nvPicPr>
-        <p:blipFill>
-          <a:blip r:embed="rId2">
-            <a:extLst>
-              <a:ext uri="{28A0092B-C50C-407E-A947-70E740481C1C}">
-                <a14:useLocalDpi xmlns:a14="http://schemas.microsoft.com/office/drawing/2010/main" val="0"/>
-              </a:ext>
-            </a:extLst>
-          </a:blip>
-          <a:stretch>
-            <a:fillRect/>
-          </a:stretch>
-        </p:blipFill>
-        <p:spPr>
-          <a:xfrm>
-            <a:off x="105830" y="5785769"/>
-            <a:ext cx="2941983" cy="1042303"/>
-          </a:xfrm>
-          <a:prstGeom prst="rect">
-            <a:avLst/>
-          </a:prstGeom>
-        </p:spPr>
-      </p:pic>
-      <p:sp>
-        <p:nvSpPr>
-          <p:cNvPr id="3" name="TextBox 2"/>
-          <p:cNvSpPr txBox="1"/>
-          <p:nvPr/>
-        </p:nvSpPr>
-        <p:spPr>
-          <a:xfrm>
-            <a:off x="4680035" y="4021322"/>
-            <a:ext cx="184666" cy="369332"/>
-          </a:xfrm>
-          <a:prstGeom prst="rect">
-            <a:avLst/>
-          </a:prstGeom>
-          <a:noFill/>
-        </p:spPr>
-        <p:txBody>
-          <a:bodyPr wrap="none" rtlCol="0">
-            <a:spAutoFit/>
-          </a:bodyPr>
-          <a:lstStyle/>
-          <a:p>
-            <a:endParaRPr lang="en-US" dirty="0"/>
-          </a:p>
-        </p:txBody>
-      </p:sp>
-      <p:sp>
-        <p:nvSpPr>
-          <p:cNvPr id="5" name="TextBox 4"/>
-          <p:cNvSpPr txBox="1"/>
-          <p:nvPr/>
-        </p:nvSpPr>
-        <p:spPr>
-          <a:xfrm>
-            <a:off x="944254" y="5297278"/>
-            <a:ext cx="184666" cy="369332"/>
-          </a:xfrm>
-          <a:prstGeom prst="rect">
-            <a:avLst/>
-          </a:prstGeom>
-          <a:noFill/>
-        </p:spPr>
-        <p:txBody>
-          <a:bodyPr wrap="none" rtlCol="0">
-            <a:spAutoFit/>
-          </a:bodyPr>
-          <a:lstStyle/>
-          <a:p>
-            <a:endParaRPr lang="en-US" dirty="0"/>
-          </a:p>
-        </p:txBody>
-      </p:sp>
-    </p:spTree>
-    <p:extLst>
-      <p:ext uri="{BB962C8B-B14F-4D97-AF65-F5344CB8AC3E}">
-        <p14:creationId xmlns:p14="http://schemas.microsoft.com/office/powerpoint/2010/main" val="3871958199"/>
       </p:ext>
     </p:extLst>
   </p:cSld>
@@ -22750,8 +23626,8 @@
         </p:nvSpPr>
         <p:spPr>
           <a:xfrm>
-            <a:off x="457200" y="1424510"/>
-            <a:ext cx="8229600" cy="914042"/>
+            <a:off x="457200" y="1600200"/>
+            <a:ext cx="8229600" cy="2565891"/>
           </a:xfrm>
         </p:spPr>
         <p:txBody>
@@ -22761,26 +23637,67 @@
             <a:pPr marL="0" indent="0" algn="ctr">
               <a:buNone/>
             </a:pPr>
-            <a:endParaRPr lang="en-US" sz="2000" dirty="0" smtClean="0"/>
-          </a:p>
-          <a:p>
-            <a:pPr marL="0" indent="0" algn="ctr">
-              <a:buNone/>
-            </a:pPr>
-            <a:r>
-              <a:rPr lang="en-US" sz="2000" dirty="0" smtClean="0"/>
-              <a:t>            </a:t>
-            </a:r>
-            <a:r>
-              <a:rPr lang="en-US" sz="2000" b="1" dirty="0" smtClean="0"/>
-              <a:t>Authentication		   	              Application				   Database</a:t>
-            </a:r>
+            <a:r>
+              <a:rPr lang="en-US" dirty="0" smtClean="0"/>
+              <a:t>Funding </a:t>
+            </a:r>
+            <a:r>
+              <a:rPr lang="en-US" dirty="0"/>
+              <a:t>competition application which </a:t>
+            </a:r>
+            <a:r>
+              <a:rPr lang="en-US" dirty="0" smtClean="0"/>
+              <a:t>handles management of </a:t>
+            </a:r>
+            <a:r>
+              <a:rPr lang="en-US" dirty="0"/>
+              <a:t>the </a:t>
+            </a:r>
+            <a:r>
+              <a:rPr lang="en-US" dirty="0" smtClean="0"/>
+              <a:t/>
+            </a:r>
+            <a:br>
+              <a:rPr lang="en-US" dirty="0" smtClean="0"/>
+            </a:br>
+            <a:r>
+              <a:rPr lang="en-US" b="1" dirty="0" smtClean="0"/>
+              <a:t>Solicitation</a:t>
+            </a:r>
+            <a:r>
+              <a:rPr lang="en-US" dirty="0" smtClean="0"/>
+              <a:t>, </a:t>
+            </a:r>
+            <a:r>
+              <a:rPr lang="en-US" b="1" dirty="0" smtClean="0"/>
+              <a:t>Application</a:t>
+            </a:r>
+            <a:r>
+              <a:rPr lang="en-US" b="1" dirty="0"/>
+              <a:t>, </a:t>
+            </a:r>
+            <a:r>
+              <a:rPr lang="en-US" b="1" dirty="0" smtClean="0"/>
+              <a:t>and Review</a:t>
+            </a:r>
+            <a:br>
+              <a:rPr lang="en-US" b="1" dirty="0" smtClean="0"/>
+            </a:br>
+            <a:r>
+              <a:rPr lang="en-US" dirty="0" smtClean="0"/>
+              <a:t>portions </a:t>
+            </a:r>
+            <a:r>
+              <a:rPr lang="en-US" dirty="0"/>
+              <a:t>of the funding process </a:t>
+            </a:r>
+            <a:endParaRPr lang="en-US" dirty="0" smtClean="0"/>
           </a:p>
         </p:txBody>
       </p:sp>
       <p:pic>
         <p:nvPicPr>
-          <p:cNvPr id="4" name="Picture 3"/>
+          <p:cNvPr id="5" name="Picture 4"/>
           <p:cNvPicPr>
             <a:picLocks noChangeAspect="1"/>
           </p:cNvPicPr>
@@ -22810,759 +23727,223 @@
       </p:pic>
       <p:sp>
         <p:nvSpPr>
-          <p:cNvPr id="8" name="Rounded Rectangle 7"/>
-          <p:cNvSpPr/>
+          <p:cNvPr id="7" name="Content Placeholder 5"/>
+          <p:cNvSpPr txBox="1">
+            <a:spLocks/>
+          </p:cNvSpPr>
           <p:nvPr/>
         </p:nvSpPr>
-        <p:spPr>
-          <a:xfrm>
-            <a:off x="7199586" y="3139182"/>
-            <a:ext cx="1716874" cy="714203"/>
-          </a:xfrm>
-          <a:prstGeom prst="roundRect">
-            <a:avLst/>
-          </a:prstGeom>
-        </p:spPr>
-        <p:style>
-          <a:lnRef idx="1">
-            <a:schemeClr val="accent1"/>
-          </a:lnRef>
-          <a:fillRef idx="2">
-            <a:schemeClr val="accent1"/>
-          </a:fillRef>
-          <a:effectRef idx="1">
-            <a:schemeClr val="accent1"/>
-          </a:effectRef>
-          <a:fontRef idx="minor">
-            <a:schemeClr val="dk1"/>
-          </a:fontRef>
-        </p:style>
-        <p:txBody>
-          <a:bodyPr rtlCol="0" anchor="ctr"/>
-          <a:lstStyle/>
-          <a:p>
-            <a:pPr algn="ctr"/>
-            <a:r>
-              <a:rPr lang="en-US" dirty="0" err="1" smtClean="0">
-                <a:solidFill>
-                  <a:schemeClr val="tx1"/>
-                </a:solidFill>
-              </a:rPr>
-              <a:t>PostgreSQL</a:t>
-            </a:r>
-            <a:endParaRPr lang="en-US" dirty="0">
-              <a:solidFill>
-                <a:schemeClr val="tx1"/>
-              </a:solidFill>
-            </a:endParaRPr>
-          </a:p>
-        </p:txBody>
-      </p:sp>
-      <p:sp>
-        <p:nvSpPr>
-          <p:cNvPr id="10" name="Rounded Rectangle 9"/>
-          <p:cNvSpPr/>
-          <p:nvPr/>
-        </p:nvSpPr>
-        <p:spPr>
-          <a:xfrm>
-            <a:off x="7199586" y="5123440"/>
-            <a:ext cx="1716874" cy="714203"/>
-          </a:xfrm>
-          <a:prstGeom prst="roundRect">
-            <a:avLst/>
-          </a:prstGeom>
-        </p:spPr>
-        <p:style>
-          <a:lnRef idx="1">
-            <a:schemeClr val="accent1"/>
-          </a:lnRef>
-          <a:fillRef idx="2">
-            <a:schemeClr val="accent1"/>
-          </a:fillRef>
-          <a:effectRef idx="1">
-            <a:schemeClr val="accent1"/>
-          </a:effectRef>
-          <a:fontRef idx="minor">
-            <a:schemeClr val="dk1"/>
-          </a:fontRef>
-        </p:style>
-        <p:txBody>
-          <a:bodyPr rtlCol="0" anchor="ctr"/>
-          <a:lstStyle/>
-          <a:p>
-            <a:pPr algn="ctr"/>
-            <a:r>
-              <a:rPr lang="en-US" dirty="0" smtClean="0">
-                <a:solidFill>
-                  <a:schemeClr val="tx1"/>
-                </a:solidFill>
-              </a:rPr>
-              <a:t>Linux KVM VM</a:t>
-            </a:r>
-            <a:endParaRPr lang="en-US" dirty="0">
-              <a:solidFill>
-                <a:schemeClr val="tx1"/>
-              </a:solidFill>
-            </a:endParaRPr>
-          </a:p>
-        </p:txBody>
-      </p:sp>
-      <p:sp>
-        <p:nvSpPr>
-          <p:cNvPr id="11" name="Rounded Rectangle 10"/>
-          <p:cNvSpPr/>
-          <p:nvPr/>
-        </p:nvSpPr>
-        <p:spPr>
-          <a:xfrm>
-            <a:off x="7199586" y="5837643"/>
-            <a:ext cx="1716874" cy="714203"/>
-          </a:xfrm>
-          <a:prstGeom prst="roundRect">
-            <a:avLst/>
-          </a:prstGeom>
-        </p:spPr>
-        <p:style>
-          <a:lnRef idx="1">
-            <a:schemeClr val="accent1"/>
-          </a:lnRef>
-          <a:fillRef idx="2">
-            <a:schemeClr val="accent1"/>
-          </a:fillRef>
-          <a:effectRef idx="1">
-            <a:schemeClr val="accent1"/>
-          </a:effectRef>
-          <a:fontRef idx="minor">
-            <a:schemeClr val="dk1"/>
-          </a:fontRef>
-        </p:style>
-        <p:txBody>
-          <a:bodyPr rtlCol="0" anchor="ctr"/>
-          <a:lstStyle/>
-          <a:p>
-            <a:pPr algn="ctr"/>
-            <a:r>
-              <a:rPr lang="en-US" dirty="0" smtClean="0">
-                <a:solidFill>
-                  <a:schemeClr val="tx1"/>
-                </a:solidFill>
-              </a:rPr>
-              <a:t>Dell </a:t>
-            </a:r>
-            <a:r>
-              <a:rPr lang="en-US" dirty="0" err="1" smtClean="0">
-                <a:solidFill>
-                  <a:schemeClr val="tx1"/>
-                </a:solidFill>
-              </a:rPr>
-              <a:t>Poweredge</a:t>
-            </a:r>
-            <a:r>
-              <a:rPr lang="en-US" dirty="0" smtClean="0">
-                <a:solidFill>
-                  <a:schemeClr val="tx1"/>
-                </a:solidFill>
-              </a:rPr>
-              <a:t> R815</a:t>
-            </a:r>
-            <a:endParaRPr lang="en-US" dirty="0">
-              <a:solidFill>
-                <a:schemeClr val="tx1"/>
-              </a:solidFill>
-            </a:endParaRPr>
-          </a:p>
-        </p:txBody>
-      </p:sp>
-      <p:sp>
-        <p:nvSpPr>
-          <p:cNvPr id="12" name="Rounded Rectangle 11"/>
-          <p:cNvSpPr/>
-          <p:nvPr/>
-        </p:nvSpPr>
-        <p:spPr>
-          <a:xfrm>
-            <a:off x="4151618" y="2416220"/>
-            <a:ext cx="2167048" cy="714203"/>
-          </a:xfrm>
-          <a:prstGeom prst="roundRect">
-            <a:avLst/>
-          </a:prstGeom>
-        </p:spPr>
-        <p:style>
-          <a:lnRef idx="1">
-            <a:schemeClr val="accent4"/>
-          </a:lnRef>
-          <a:fillRef idx="2">
-            <a:schemeClr val="accent4"/>
-          </a:fillRef>
-          <a:effectRef idx="1">
-            <a:schemeClr val="accent4"/>
-          </a:effectRef>
-          <a:fontRef idx="minor">
-            <a:schemeClr val="dk1"/>
-          </a:fontRef>
-        </p:style>
-        <p:txBody>
-          <a:bodyPr rtlCol="0" anchor="ctr"/>
-          <a:lstStyle/>
-          <a:p>
-            <a:pPr algn="ctr"/>
-            <a:r>
-              <a:rPr lang="en-US" dirty="0" smtClean="0">
-                <a:solidFill>
-                  <a:schemeClr val="tx1"/>
-                </a:solidFill>
-              </a:rPr>
-              <a:t>NITRO-Competitions</a:t>
-            </a:r>
-            <a:endParaRPr lang="en-US" dirty="0">
-              <a:solidFill>
-                <a:schemeClr val="tx1"/>
-              </a:solidFill>
-            </a:endParaRPr>
-          </a:p>
-        </p:txBody>
-      </p:sp>
-      <p:sp>
-        <p:nvSpPr>
-          <p:cNvPr id="13" name="Rounded Rectangle 12"/>
-          <p:cNvSpPr/>
-          <p:nvPr/>
-        </p:nvSpPr>
-        <p:spPr>
-          <a:xfrm>
-            <a:off x="4151618" y="3130423"/>
-            <a:ext cx="2167048" cy="714203"/>
-          </a:xfrm>
-          <a:prstGeom prst="roundRect">
-            <a:avLst/>
-          </a:prstGeom>
-        </p:spPr>
-        <p:style>
-          <a:lnRef idx="1">
-            <a:schemeClr val="accent2"/>
-          </a:lnRef>
-          <a:fillRef idx="2">
-            <a:schemeClr val="accent2"/>
-          </a:fillRef>
-          <a:effectRef idx="1">
-            <a:schemeClr val="accent2"/>
-          </a:effectRef>
-          <a:fontRef idx="minor">
-            <a:schemeClr val="dk1"/>
-          </a:fontRef>
-        </p:style>
-        <p:txBody>
-          <a:bodyPr rtlCol="0" anchor="ctr"/>
-          <a:lstStyle/>
-          <a:p>
-            <a:pPr algn="ctr"/>
-            <a:r>
-              <a:rPr lang="en-US" dirty="0" smtClean="0">
-                <a:solidFill>
-                  <a:schemeClr val="tx1"/>
-                </a:solidFill>
-              </a:rPr>
-              <a:t>Ruby on Rails – v 3.2</a:t>
-            </a:r>
-            <a:endParaRPr lang="en-US" dirty="0">
-              <a:solidFill>
-                <a:schemeClr val="tx1"/>
-              </a:solidFill>
-            </a:endParaRPr>
-          </a:p>
-        </p:txBody>
-      </p:sp>
-      <p:sp>
-        <p:nvSpPr>
-          <p:cNvPr id="14" name="Rounded Rectangle 13"/>
-          <p:cNvSpPr/>
-          <p:nvPr/>
-        </p:nvSpPr>
-        <p:spPr>
-          <a:xfrm>
-            <a:off x="4151618" y="4387684"/>
-            <a:ext cx="2167048" cy="714203"/>
-          </a:xfrm>
-          <a:prstGeom prst="roundRect">
-            <a:avLst/>
-          </a:prstGeom>
-        </p:spPr>
-        <p:style>
-          <a:lnRef idx="1">
-            <a:schemeClr val="accent2"/>
-          </a:lnRef>
-          <a:fillRef idx="2">
-            <a:schemeClr val="accent2"/>
-          </a:fillRef>
-          <a:effectRef idx="1">
-            <a:schemeClr val="accent2"/>
-          </a:effectRef>
-          <a:fontRef idx="minor">
-            <a:schemeClr val="dk1"/>
-          </a:fontRef>
-        </p:style>
-        <p:txBody>
-          <a:bodyPr rtlCol="0" anchor="ctr"/>
-          <a:lstStyle/>
-          <a:p>
-            <a:pPr algn="ctr"/>
-            <a:r>
-              <a:rPr lang="en-US" dirty="0" smtClean="0">
-                <a:solidFill>
-                  <a:schemeClr val="tx1"/>
-                </a:solidFill>
-              </a:rPr>
-              <a:t>Ruby – 1.8.x – 2.0.x</a:t>
-            </a:r>
-            <a:endParaRPr lang="en-US" dirty="0">
-              <a:solidFill>
-                <a:schemeClr val="tx1"/>
-              </a:solidFill>
-            </a:endParaRPr>
-          </a:p>
-        </p:txBody>
-      </p:sp>
-      <p:sp>
-        <p:nvSpPr>
-          <p:cNvPr id="15" name="Rounded Rectangle 14"/>
-          <p:cNvSpPr/>
-          <p:nvPr/>
-        </p:nvSpPr>
-        <p:spPr>
-          <a:xfrm>
-            <a:off x="4151618" y="5101887"/>
-            <a:ext cx="2167048" cy="714203"/>
-          </a:xfrm>
-          <a:prstGeom prst="roundRect">
-            <a:avLst/>
-          </a:prstGeom>
-        </p:spPr>
-        <p:style>
-          <a:lnRef idx="1">
-            <a:schemeClr val="accent1"/>
-          </a:lnRef>
-          <a:fillRef idx="2">
-            <a:schemeClr val="accent1"/>
-          </a:fillRef>
-          <a:effectRef idx="1">
-            <a:schemeClr val="accent1"/>
-          </a:effectRef>
-          <a:fontRef idx="minor">
-            <a:schemeClr val="dk1"/>
-          </a:fontRef>
-        </p:style>
-        <p:txBody>
-          <a:bodyPr rtlCol="0" anchor="ctr"/>
-          <a:lstStyle/>
-          <a:p>
-            <a:pPr algn="ctr"/>
-            <a:r>
-              <a:rPr lang="en-US" dirty="0" smtClean="0">
-                <a:solidFill>
-                  <a:schemeClr val="tx1"/>
-                </a:solidFill>
-              </a:rPr>
-              <a:t>Linux KVM VM</a:t>
-            </a:r>
-            <a:endParaRPr lang="en-US" dirty="0">
-              <a:solidFill>
-                <a:schemeClr val="tx1"/>
-              </a:solidFill>
-            </a:endParaRPr>
-          </a:p>
-        </p:txBody>
-      </p:sp>
-      <p:sp>
-        <p:nvSpPr>
-          <p:cNvPr id="16" name="Rounded Rectangle 15"/>
-          <p:cNvSpPr/>
-          <p:nvPr/>
-        </p:nvSpPr>
-        <p:spPr>
-          <a:xfrm>
-            <a:off x="4151618" y="5816090"/>
-            <a:ext cx="2167048" cy="714203"/>
-          </a:xfrm>
-          <a:prstGeom prst="roundRect">
-            <a:avLst/>
-          </a:prstGeom>
-        </p:spPr>
-        <p:style>
-          <a:lnRef idx="1">
-            <a:schemeClr val="accent1"/>
-          </a:lnRef>
-          <a:fillRef idx="2">
-            <a:schemeClr val="accent1"/>
-          </a:fillRef>
-          <a:effectRef idx="1">
-            <a:schemeClr val="accent1"/>
-          </a:effectRef>
-          <a:fontRef idx="minor">
-            <a:schemeClr val="dk1"/>
-          </a:fontRef>
-        </p:style>
-        <p:txBody>
-          <a:bodyPr rtlCol="0" anchor="ctr"/>
-          <a:lstStyle/>
-          <a:p>
-            <a:pPr algn="ctr"/>
-            <a:r>
-              <a:rPr lang="en-US" dirty="0" smtClean="0">
-                <a:solidFill>
-                  <a:schemeClr val="tx1"/>
-                </a:solidFill>
-              </a:rPr>
-              <a:t>Dell </a:t>
-            </a:r>
-            <a:r>
-              <a:rPr lang="en-US" dirty="0" err="1" smtClean="0">
-                <a:solidFill>
-                  <a:schemeClr val="tx1"/>
-                </a:solidFill>
-              </a:rPr>
-              <a:t>Poweredge</a:t>
-            </a:r>
-            <a:r>
-              <a:rPr lang="en-US" dirty="0" smtClean="0">
-                <a:solidFill>
-                  <a:schemeClr val="tx1"/>
-                </a:solidFill>
-              </a:rPr>
-              <a:t> R815</a:t>
-            </a:r>
-            <a:endParaRPr lang="en-US" dirty="0">
-              <a:solidFill>
-                <a:schemeClr val="tx1"/>
-              </a:solidFill>
-            </a:endParaRPr>
-          </a:p>
-        </p:txBody>
-      </p:sp>
-      <p:cxnSp>
-        <p:nvCxnSpPr>
-          <p:cNvPr id="18" name="Straight Arrow Connector 17"/>
-          <p:cNvCxnSpPr>
-            <a:stCxn id="13" idx="3"/>
-            <a:endCxn id="8" idx="1"/>
-          </p:cNvCxnSpPr>
-          <p:nvPr/>
-        </p:nvCxnSpPr>
-        <p:spPr>
-          <a:xfrm>
-            <a:off x="6318666" y="3487525"/>
-            <a:ext cx="880920" cy="8759"/>
-          </a:xfrm>
-          <a:prstGeom prst="straightConnector1">
-            <a:avLst/>
-          </a:prstGeom>
-          <a:ln>
-            <a:tailEnd type="arrow"/>
-          </a:ln>
-        </p:spPr>
-        <p:style>
-          <a:lnRef idx="2">
-            <a:schemeClr val="accent1"/>
-          </a:lnRef>
-          <a:fillRef idx="0">
-            <a:schemeClr val="accent1"/>
-          </a:fillRef>
-          <a:effectRef idx="1">
-            <a:schemeClr val="accent1"/>
-          </a:effectRef>
-          <a:fontRef idx="minor">
-            <a:schemeClr val="tx1"/>
-          </a:fontRef>
-        </p:style>
-      </p:cxnSp>
-      <p:sp>
-        <p:nvSpPr>
-          <p:cNvPr id="21" name="TextBox 20"/>
-          <p:cNvSpPr txBox="1"/>
-          <p:nvPr/>
-        </p:nvSpPr>
-        <p:spPr>
-          <a:xfrm>
-            <a:off x="6248594" y="3004207"/>
-            <a:ext cx="1036368" cy="430887"/>
+        <p:spPr bwMode="auto">
+          <a:xfrm>
+            <a:off x="457200" y="3942782"/>
+            <a:ext cx="8229600" cy="1529715"/>
           </a:xfrm>
           <a:prstGeom prst="rect">
             <a:avLst/>
           </a:prstGeom>
           <a:noFill/>
-        </p:spPr>
-        <p:txBody>
-          <a:bodyPr wrap="none" rtlCol="0">
-            <a:spAutoFit/>
+          <a:ln w="9525">
+            <a:noFill/>
+            <a:miter lim="800000"/>
+            <a:headEnd/>
+            <a:tailEnd/>
+          </a:ln>
+        </p:spPr>
+        <p:txBody>
+          <a:bodyPr vert="horz" wrap="square" lIns="91440" tIns="45720" rIns="91440" bIns="45720" numCol="1" anchor="t" anchorCtr="0" compatLnSpc="1">
+            <a:prstTxWarp prst="textNoShape">
+              <a:avLst/>
+            </a:prstTxWarp>
           </a:bodyPr>
-          <a:lstStyle/>
-          <a:p>
-            <a:pPr algn="ctr"/>
-            <a:r>
-              <a:rPr lang="en-US" sz="1100" dirty="0" err="1" smtClean="0"/>
-              <a:t>ActiveRecord</a:t>
-            </a:r>
-            <a:endParaRPr lang="en-US" sz="1100" dirty="0" smtClean="0"/>
-          </a:p>
-          <a:p>
-            <a:pPr algn="ctr"/>
-            <a:r>
-              <a:rPr lang="en-US" sz="1100" dirty="0" smtClean="0"/>
-              <a:t>ORM</a:t>
-            </a:r>
-            <a:endParaRPr lang="en-US" sz="1100" dirty="0"/>
-          </a:p>
-        </p:txBody>
-      </p:sp>
-      <p:sp>
-        <p:nvSpPr>
-          <p:cNvPr id="22" name="Rounded Rectangle 21"/>
-          <p:cNvSpPr/>
-          <p:nvPr/>
-        </p:nvSpPr>
-        <p:spPr>
-          <a:xfrm>
-            <a:off x="1296285" y="2424979"/>
-            <a:ext cx="2205611" cy="714203"/>
-          </a:xfrm>
-          <a:prstGeom prst="roundRect">
-            <a:avLst/>
-          </a:prstGeom>
-        </p:spPr>
-        <p:style>
-          <a:lnRef idx="1">
-            <a:schemeClr val="accent4"/>
-          </a:lnRef>
-          <a:fillRef idx="2">
-            <a:schemeClr val="accent4"/>
-          </a:fillRef>
-          <a:effectRef idx="1">
-            <a:schemeClr val="accent4"/>
-          </a:effectRef>
-          <a:fontRef idx="minor">
-            <a:schemeClr val="dk1"/>
-          </a:fontRef>
-        </p:style>
-        <p:txBody>
-          <a:bodyPr rtlCol="0" anchor="ctr"/>
-          <a:lstStyle/>
-          <a:p>
-            <a:pPr algn="ctr"/>
-            <a:r>
-              <a:rPr lang="en-US" dirty="0" smtClean="0">
+          <a:lstStyle>
+            <a:lvl1pPr marL="342900" indent="-342900" algn="l" defTabSz="457200" rtl="0" eaLnBrk="1" fontAlgn="base" hangingPunct="1">
+              <a:spcBef>
+                <a:spcPct val="20000"/>
+              </a:spcBef>
+              <a:spcAft>
+                <a:spcPct val="0"/>
+              </a:spcAft>
+              <a:buFont typeface="Arial" charset="0"/>
+              <a:buChar char="•"/>
+              <a:defRPr sz="3200" kern="1200">
                 <a:solidFill>
                   <a:schemeClr val="tx1"/>
                 </a:solidFill>
-              </a:rPr>
-              <a:t>NITRO-Accounts</a:t>
-            </a:r>
-            <a:endParaRPr lang="en-US" dirty="0">
-              <a:solidFill>
-                <a:schemeClr val="tx1"/>
-              </a:solidFill>
-            </a:endParaRPr>
-          </a:p>
-        </p:txBody>
-      </p:sp>
-      <p:sp>
-        <p:nvSpPr>
-          <p:cNvPr id="23" name="Rounded Rectangle 22"/>
-          <p:cNvSpPr/>
-          <p:nvPr/>
-        </p:nvSpPr>
-        <p:spPr>
-          <a:xfrm>
-            <a:off x="1296285" y="3863858"/>
-            <a:ext cx="2205612" cy="714203"/>
-          </a:xfrm>
-          <a:prstGeom prst="roundRect">
-            <a:avLst/>
-          </a:prstGeom>
-        </p:spPr>
-        <p:style>
-          <a:lnRef idx="1">
-            <a:schemeClr val="accent2"/>
-          </a:lnRef>
-          <a:fillRef idx="2">
-            <a:schemeClr val="accent2"/>
-          </a:fillRef>
-          <a:effectRef idx="1">
-            <a:schemeClr val="accent2"/>
-          </a:effectRef>
-          <a:fontRef idx="minor">
-            <a:schemeClr val="dk1"/>
-          </a:fontRef>
-        </p:style>
-        <p:txBody>
-          <a:bodyPr rtlCol="0" anchor="ctr"/>
-          <a:lstStyle/>
-          <a:p>
-            <a:pPr algn="ctr"/>
-            <a:r>
-              <a:rPr lang="en-US" dirty="0" smtClean="0">
+                <a:latin typeface="+mn-lt"/>
+                <a:ea typeface="ＭＳ Ｐゴシック" pitchFamily="26" charset="-128"/>
+                <a:cs typeface="+mn-cs"/>
+              </a:defRPr>
+            </a:lvl1pPr>
+            <a:lvl2pPr marL="742950" indent="-285750" algn="l" defTabSz="457200" rtl="0" eaLnBrk="1" fontAlgn="base" hangingPunct="1">
+              <a:spcBef>
+                <a:spcPct val="20000"/>
+              </a:spcBef>
+              <a:spcAft>
+                <a:spcPct val="0"/>
+              </a:spcAft>
+              <a:buFont typeface="Arial" charset="0"/>
+              <a:buChar char="–"/>
+              <a:defRPr sz="2800" kern="1200">
                 <a:solidFill>
                   <a:schemeClr val="tx1"/>
                 </a:solidFill>
-              </a:rPr>
-              <a:t>Ruby on Rails – v 4.0</a:t>
-            </a:r>
-            <a:endParaRPr lang="en-US" dirty="0">
-              <a:solidFill>
-                <a:schemeClr val="tx1"/>
-              </a:solidFill>
-            </a:endParaRPr>
-          </a:p>
-        </p:txBody>
-      </p:sp>
-      <p:sp>
-        <p:nvSpPr>
-          <p:cNvPr id="25" name="Rounded Rectangle 24"/>
-          <p:cNvSpPr/>
-          <p:nvPr/>
-        </p:nvSpPr>
-        <p:spPr>
-          <a:xfrm>
-            <a:off x="1296285" y="3149655"/>
-            <a:ext cx="2205612" cy="714203"/>
-          </a:xfrm>
-          <a:prstGeom prst="roundRect">
-            <a:avLst/>
-          </a:prstGeom>
-        </p:spPr>
-        <p:style>
-          <a:lnRef idx="1">
-            <a:schemeClr val="accent2"/>
-          </a:lnRef>
-          <a:fillRef idx="2">
-            <a:schemeClr val="accent2"/>
-          </a:fillRef>
-          <a:effectRef idx="1">
-            <a:schemeClr val="accent2"/>
-          </a:effectRef>
-          <a:fontRef idx="minor">
-            <a:schemeClr val="dk1"/>
-          </a:fontRef>
-        </p:style>
-        <p:txBody>
-          <a:bodyPr rtlCol="0" anchor="ctr"/>
-          <a:lstStyle/>
-          <a:p>
-            <a:pPr algn="ctr"/>
-            <a:r>
-              <a:rPr lang="en-US" dirty="0" err="1" smtClean="0">
+                <a:latin typeface="+mn-lt"/>
+                <a:ea typeface="ＭＳ Ｐゴシック" pitchFamily="26" charset="-128"/>
+                <a:cs typeface="+mn-cs"/>
+              </a:defRPr>
+            </a:lvl2pPr>
+            <a:lvl3pPr marL="1143000" indent="-228600" algn="l" defTabSz="457200" rtl="0" eaLnBrk="1" fontAlgn="base" hangingPunct="1">
+              <a:spcBef>
+                <a:spcPct val="20000"/>
+              </a:spcBef>
+              <a:spcAft>
+                <a:spcPct val="0"/>
+              </a:spcAft>
+              <a:buFont typeface="Arial" charset="0"/>
+              <a:buChar char="•"/>
+              <a:defRPr sz="2400" kern="1200">
                 <a:solidFill>
                   <a:schemeClr val="tx1"/>
                 </a:solidFill>
-              </a:rPr>
-              <a:t>OAuth</a:t>
-            </a:r>
-            <a:r>
-              <a:rPr lang="en-US" dirty="0" smtClean="0">
+                <a:latin typeface="+mn-lt"/>
+                <a:ea typeface="ＭＳ Ｐゴシック" pitchFamily="26" charset="-128"/>
+                <a:cs typeface="+mn-cs"/>
+              </a:defRPr>
+            </a:lvl3pPr>
+            <a:lvl4pPr marL="1600200" indent="-228600" algn="l" defTabSz="457200" rtl="0" eaLnBrk="1" fontAlgn="base" hangingPunct="1">
+              <a:spcBef>
+                <a:spcPct val="20000"/>
+              </a:spcBef>
+              <a:spcAft>
+                <a:spcPct val="0"/>
+              </a:spcAft>
+              <a:buFont typeface="Arial" charset="0"/>
+              <a:buChar char="–"/>
+              <a:defRPr sz="2000" kern="1200">
                 <a:solidFill>
                   <a:schemeClr val="tx1"/>
                 </a:solidFill>
-              </a:rPr>
-              <a:t> - </a:t>
-            </a:r>
-            <a:r>
-              <a:rPr lang="en-US" dirty="0" err="1" smtClean="0">
+                <a:latin typeface="+mn-lt"/>
+                <a:ea typeface="ＭＳ Ｐゴシック" pitchFamily="26" charset="-128"/>
+                <a:cs typeface="+mn-cs"/>
+              </a:defRPr>
+            </a:lvl4pPr>
+            <a:lvl5pPr marL="2057400" indent="-228600" algn="l" defTabSz="457200" rtl="0" eaLnBrk="1" fontAlgn="base" hangingPunct="1">
+              <a:spcBef>
+                <a:spcPct val="20000"/>
+              </a:spcBef>
+              <a:spcAft>
+                <a:spcPct val="0"/>
+              </a:spcAft>
+              <a:buFont typeface="Arial" charset="0"/>
+              <a:buChar char="»"/>
+              <a:defRPr sz="2000" kern="1200">
                 <a:solidFill>
                   <a:schemeClr val="tx1"/>
                 </a:solidFill>
-              </a:rPr>
-              <a:t>OmniAuth</a:t>
-            </a:r>
-            <a:endParaRPr lang="en-US" dirty="0">
-              <a:solidFill>
-                <a:schemeClr val="tx1"/>
-              </a:solidFill>
-            </a:endParaRPr>
-          </a:p>
-        </p:txBody>
-      </p:sp>
-      <p:cxnSp>
-        <p:nvCxnSpPr>
-          <p:cNvPr id="27" name="Straight Arrow Connector 26"/>
-          <p:cNvCxnSpPr>
-            <a:stCxn id="12" idx="1"/>
-            <a:endCxn id="22" idx="3"/>
-          </p:cNvCxnSpPr>
-          <p:nvPr/>
-        </p:nvCxnSpPr>
-        <p:spPr>
-          <a:xfrm flipH="1">
-            <a:off x="3501896" y="2773322"/>
-            <a:ext cx="649722" cy="8759"/>
-          </a:xfrm>
-          <a:prstGeom prst="straightConnector1">
-            <a:avLst/>
-          </a:prstGeom>
-          <a:ln>
-            <a:tailEnd type="arrow"/>
-          </a:ln>
-        </p:spPr>
-        <p:style>
-          <a:lnRef idx="2">
-            <a:schemeClr val="accent1"/>
-          </a:lnRef>
-          <a:fillRef idx="0">
-            <a:schemeClr val="accent1"/>
-          </a:fillRef>
-          <a:effectRef idx="1">
-            <a:schemeClr val="accent1"/>
-          </a:effectRef>
-          <a:fontRef idx="minor">
-            <a:schemeClr val="tx1"/>
-          </a:fontRef>
-        </p:style>
-      </p:cxnSp>
-      <p:cxnSp>
-        <p:nvCxnSpPr>
-          <p:cNvPr id="32" name="Straight Arrow Connector 31"/>
-          <p:cNvCxnSpPr>
-            <a:stCxn id="12" idx="1"/>
-            <a:endCxn id="25" idx="3"/>
-          </p:cNvCxnSpPr>
-          <p:nvPr/>
-        </p:nvCxnSpPr>
-        <p:spPr>
-          <a:xfrm flipH="1">
-            <a:off x="3501897" y="2773322"/>
-            <a:ext cx="649721" cy="733435"/>
-          </a:xfrm>
-          <a:prstGeom prst="straightConnector1">
-            <a:avLst/>
-          </a:prstGeom>
-          <a:ln>
-            <a:tailEnd type="arrow"/>
-          </a:ln>
-        </p:spPr>
-        <p:style>
-          <a:lnRef idx="2">
-            <a:schemeClr val="accent1"/>
-          </a:lnRef>
-          <a:fillRef idx="0">
-            <a:schemeClr val="accent1"/>
-          </a:fillRef>
-          <a:effectRef idx="1">
-            <a:schemeClr val="accent1"/>
-          </a:effectRef>
-          <a:fontRef idx="minor">
-            <a:schemeClr val="tx1"/>
-          </a:fontRef>
-        </p:style>
-      </p:cxnSp>
-      <p:sp>
-        <p:nvSpPr>
-          <p:cNvPr id="35" name="TextBox 34"/>
+                <a:latin typeface="+mn-lt"/>
+                <a:ea typeface="ＭＳ Ｐゴシック" pitchFamily="26" charset="-128"/>
+                <a:cs typeface="+mn-cs"/>
+              </a:defRPr>
+            </a:lvl5pPr>
+            <a:lvl6pPr marL="2514600" indent="-228600" algn="l" defTabSz="457200" rtl="0" eaLnBrk="1" latinLnBrk="0" hangingPunct="1">
+              <a:spcBef>
+                <a:spcPct val="20000"/>
+              </a:spcBef>
+              <a:buFont typeface="Arial"/>
+              <a:buChar char="•"/>
+              <a:defRPr sz="2000" kern="1200">
+                <a:solidFill>
+                  <a:schemeClr val="tx1"/>
+                </a:solidFill>
+                <a:latin typeface="+mn-lt"/>
+                <a:ea typeface="+mn-ea"/>
+                <a:cs typeface="+mn-cs"/>
+              </a:defRPr>
+            </a:lvl6pPr>
+            <a:lvl7pPr marL="2971800" indent="-228600" algn="l" defTabSz="457200" rtl="0" eaLnBrk="1" latinLnBrk="0" hangingPunct="1">
+              <a:spcBef>
+                <a:spcPct val="20000"/>
+              </a:spcBef>
+              <a:buFont typeface="Arial"/>
+              <a:buChar char="•"/>
+              <a:defRPr sz="2000" kern="1200">
+                <a:solidFill>
+                  <a:schemeClr val="tx1"/>
+                </a:solidFill>
+                <a:latin typeface="+mn-lt"/>
+                <a:ea typeface="+mn-ea"/>
+                <a:cs typeface="+mn-cs"/>
+              </a:defRPr>
+            </a:lvl7pPr>
+            <a:lvl8pPr marL="3429000" indent="-228600" algn="l" defTabSz="457200" rtl="0" eaLnBrk="1" latinLnBrk="0" hangingPunct="1">
+              <a:spcBef>
+                <a:spcPct val="20000"/>
+              </a:spcBef>
+              <a:buFont typeface="Arial"/>
+              <a:buChar char="•"/>
+              <a:defRPr sz="2000" kern="1200">
+                <a:solidFill>
+                  <a:schemeClr val="tx1"/>
+                </a:solidFill>
+                <a:latin typeface="+mn-lt"/>
+                <a:ea typeface="+mn-ea"/>
+                <a:cs typeface="+mn-cs"/>
+              </a:defRPr>
+            </a:lvl8pPr>
+            <a:lvl9pPr marL="3886200" indent="-228600" algn="l" defTabSz="457200" rtl="0" eaLnBrk="1" latinLnBrk="0" hangingPunct="1">
+              <a:spcBef>
+                <a:spcPct val="20000"/>
+              </a:spcBef>
+              <a:buFont typeface="Arial"/>
+              <a:buChar char="•"/>
+              <a:defRPr sz="2000" kern="1200">
+                <a:solidFill>
+                  <a:schemeClr val="tx1"/>
+                </a:solidFill>
+                <a:latin typeface="+mn-lt"/>
+                <a:ea typeface="+mn-ea"/>
+                <a:cs typeface="+mn-cs"/>
+              </a:defRPr>
+            </a:lvl9pPr>
+          </a:lstStyle>
+          <a:p>
+            <a:pPr marL="0" indent="0" algn="ctr">
+              <a:buFont typeface="Arial" charset="0"/>
+              <a:buNone/>
+            </a:pPr>
+            <a:r>
+              <a:rPr lang="en-US" dirty="0" smtClean="0"/>
+              <a:t>The funding competition workflow is styled after the NIH </a:t>
+            </a:r>
+            <a:r>
+              <a:rPr lang="en-US" dirty="0" err="1" smtClean="0"/>
+              <a:t>eRA</a:t>
+            </a:r>
+            <a:r>
+              <a:rPr lang="en-US" dirty="0" smtClean="0"/>
+              <a:t> Commons review process</a:t>
+            </a:r>
+          </a:p>
+          <a:p>
+            <a:pPr marL="0" indent="0" algn="ctr">
+              <a:buFont typeface="Arial" charset="0"/>
+              <a:buNone/>
+            </a:pPr>
+            <a:endParaRPr lang="en-US" dirty="0"/>
+          </a:p>
+        </p:txBody>
+      </p:sp>
+      <p:sp>
+        <p:nvSpPr>
+          <p:cNvPr id="8" name="TextBox 7"/>
           <p:cNvSpPr txBox="1"/>
           <p:nvPr/>
         </p:nvSpPr>
         <p:spPr>
           <a:xfrm>
-            <a:off x="3475619" y="2342435"/>
-            <a:ext cx="684731" cy="430887"/>
+            <a:off x="199040" y="5287832"/>
+            <a:ext cx="8795680" cy="369332"/>
           </a:xfrm>
           <a:prstGeom prst="rect">
             <a:avLst/>
@@ -23575,341 +23956,67 @@
           </a:bodyPr>
           <a:lstStyle/>
           <a:p>
-            <a:r>
-              <a:rPr lang="en-US" sz="1100" dirty="0" smtClean="0"/>
-              <a:t>Service </a:t>
-            </a:r>
-          </a:p>
-          <a:p>
-            <a:r>
-              <a:rPr lang="en-US" sz="1100" dirty="0" smtClean="0"/>
-              <a:t>call</a:t>
-            </a:r>
-            <a:endParaRPr lang="en-US" sz="1100" dirty="0"/>
-          </a:p>
-        </p:txBody>
-      </p:sp>
-      <p:sp>
-        <p:nvSpPr>
-          <p:cNvPr id="47" name="Oval 46"/>
-          <p:cNvSpPr/>
-          <p:nvPr/>
-        </p:nvSpPr>
-        <p:spPr>
-          <a:xfrm>
-            <a:off x="61313" y="2746677"/>
-            <a:ext cx="1129144" cy="529027"/>
-          </a:xfrm>
-          <a:prstGeom prst="ellipse">
-            <a:avLst/>
-          </a:prstGeom>
-        </p:spPr>
-        <p:style>
-          <a:lnRef idx="1">
-            <a:schemeClr val="dk1"/>
-          </a:lnRef>
-          <a:fillRef idx="2">
-            <a:schemeClr val="dk1"/>
-          </a:fillRef>
-          <a:effectRef idx="1">
-            <a:schemeClr val="dk1"/>
-          </a:effectRef>
-          <a:fontRef idx="minor">
-            <a:schemeClr val="dk1"/>
-          </a:fontRef>
-        </p:style>
-        <p:txBody>
-          <a:bodyPr rtlCol="0" anchor="ctr"/>
-          <a:lstStyle/>
-          <a:p>
             <a:pPr algn="ctr"/>
             <a:r>
-              <a:rPr lang="en-US" sz="1200" dirty="0" smtClean="0"/>
-              <a:t>Google</a:t>
-            </a:r>
-            <a:endParaRPr lang="en-US" sz="1200" dirty="0"/>
-          </a:p>
-        </p:txBody>
-      </p:sp>
-      <p:sp>
-        <p:nvSpPr>
-          <p:cNvPr id="49" name="Oval 48"/>
-          <p:cNvSpPr/>
-          <p:nvPr/>
-        </p:nvSpPr>
-        <p:spPr>
-          <a:xfrm>
-            <a:off x="61313" y="2147521"/>
-            <a:ext cx="1129144" cy="529027"/>
-          </a:xfrm>
-          <a:prstGeom prst="ellipse">
-            <a:avLst/>
-          </a:prstGeom>
-        </p:spPr>
-        <p:style>
-          <a:lnRef idx="1">
-            <a:schemeClr val="dk1"/>
-          </a:lnRef>
-          <a:fillRef idx="2">
-            <a:schemeClr val="dk1"/>
-          </a:fillRef>
-          <a:effectRef idx="1">
-            <a:schemeClr val="dk1"/>
-          </a:effectRef>
-          <a:fontRef idx="minor">
-            <a:schemeClr val="dk1"/>
-          </a:fontRef>
-        </p:style>
-        <p:txBody>
-          <a:bodyPr rtlCol="0" anchor="ctr"/>
-          <a:lstStyle/>
-          <a:p>
-            <a:pPr algn="ctr"/>
-            <a:r>
-              <a:rPr lang="en-US" sz="1200" dirty="0" smtClean="0"/>
-              <a:t>LDAP</a:t>
-            </a:r>
-            <a:endParaRPr lang="en-US" sz="1200" dirty="0"/>
-          </a:p>
-        </p:txBody>
-      </p:sp>
-      <p:sp>
-        <p:nvSpPr>
-          <p:cNvPr id="50" name="Oval 49"/>
-          <p:cNvSpPr/>
-          <p:nvPr/>
-        </p:nvSpPr>
-        <p:spPr>
-          <a:xfrm>
-            <a:off x="61313" y="3345776"/>
-            <a:ext cx="1129144" cy="529027"/>
-          </a:xfrm>
-          <a:prstGeom prst="ellipse">
-            <a:avLst/>
-          </a:prstGeom>
-        </p:spPr>
-        <p:style>
-          <a:lnRef idx="1">
-            <a:schemeClr val="dk1"/>
-          </a:lnRef>
-          <a:fillRef idx="2">
-            <a:schemeClr val="dk1"/>
-          </a:fillRef>
-          <a:effectRef idx="1">
-            <a:schemeClr val="dk1"/>
-          </a:effectRef>
-          <a:fontRef idx="minor">
-            <a:schemeClr val="dk1"/>
-          </a:fontRef>
-        </p:style>
-        <p:txBody>
-          <a:bodyPr rtlCol="0" anchor="ctr"/>
-          <a:lstStyle/>
-          <a:p>
-            <a:pPr algn="ctr"/>
-            <a:r>
-              <a:rPr lang="en-US" sz="1200" dirty="0" smtClean="0"/>
-              <a:t>Facebook</a:t>
-            </a:r>
-            <a:endParaRPr lang="en-US" sz="1200" dirty="0"/>
-          </a:p>
-        </p:txBody>
-      </p:sp>
-      <p:sp>
-        <p:nvSpPr>
-          <p:cNvPr id="51" name="Oval 50"/>
-          <p:cNvSpPr/>
-          <p:nvPr/>
-        </p:nvSpPr>
-        <p:spPr>
-          <a:xfrm>
-            <a:off x="61313" y="3936116"/>
-            <a:ext cx="1129144" cy="529027"/>
-          </a:xfrm>
-          <a:prstGeom prst="ellipse">
-            <a:avLst/>
-          </a:prstGeom>
-        </p:spPr>
-        <p:style>
-          <a:lnRef idx="1">
-            <a:schemeClr val="dk1"/>
-          </a:lnRef>
-          <a:fillRef idx="2">
-            <a:schemeClr val="dk1"/>
-          </a:fillRef>
-          <a:effectRef idx="1">
-            <a:schemeClr val="dk1"/>
-          </a:effectRef>
-          <a:fontRef idx="minor">
-            <a:schemeClr val="dk1"/>
-          </a:fontRef>
-        </p:style>
-        <p:txBody>
-          <a:bodyPr rtlCol="0" anchor="ctr"/>
-          <a:lstStyle/>
-          <a:p>
-            <a:pPr algn="ctr"/>
-            <a:r>
-              <a:rPr lang="en-US" sz="1200" dirty="0" smtClean="0"/>
-              <a:t>Twitter</a:t>
-            </a:r>
-            <a:endParaRPr lang="en-US" sz="1200" dirty="0"/>
-          </a:p>
-        </p:txBody>
-      </p:sp>
-      <p:sp>
-        <p:nvSpPr>
-          <p:cNvPr id="52" name="Oval 51"/>
-          <p:cNvSpPr/>
-          <p:nvPr/>
-        </p:nvSpPr>
-        <p:spPr>
-          <a:xfrm>
-            <a:off x="61313" y="4582507"/>
-            <a:ext cx="1129144" cy="529027"/>
-          </a:xfrm>
-          <a:prstGeom prst="ellipse">
-            <a:avLst/>
-          </a:prstGeom>
-        </p:spPr>
-        <p:style>
-          <a:lnRef idx="1">
-            <a:schemeClr val="dk1"/>
-          </a:lnRef>
-          <a:fillRef idx="2">
-            <a:schemeClr val="dk1"/>
-          </a:fillRef>
-          <a:effectRef idx="1">
-            <a:schemeClr val="dk1"/>
-          </a:effectRef>
-          <a:fontRef idx="minor">
-            <a:schemeClr val="dk1"/>
-          </a:fontRef>
-        </p:style>
-        <p:txBody>
-          <a:bodyPr rtlCol="0" anchor="ctr"/>
-          <a:lstStyle/>
-          <a:p>
-            <a:pPr algn="ctr"/>
-            <a:r>
-              <a:rPr lang="en-US" sz="1200" i="1" dirty="0" err="1" smtClean="0"/>
-              <a:t>OAuth</a:t>
-            </a:r>
-            <a:r>
-              <a:rPr lang="en-US" sz="1200" i="1" dirty="0" smtClean="0"/>
+              <a:rPr lang="en-US" dirty="0">
+                <a:hlinkClick r:id="rId3"/>
+              </a:rPr>
+              <a:t>https://</a:t>
+            </a:r>
+            <a:r>
+              <a:rPr lang="en-US" b="1" dirty="0">
+                <a:hlinkClick r:id="rId3"/>
+              </a:rPr>
+              <a:t>commons</a:t>
+            </a:r>
+            <a:r>
+              <a:rPr lang="en-US" dirty="0">
+                <a:hlinkClick r:id="rId3"/>
+              </a:rPr>
+              <a:t>.</a:t>
+            </a:r>
+            <a:r>
+              <a:rPr lang="en-US" b="1" dirty="0">
+                <a:hlinkClick r:id="rId3"/>
+              </a:rPr>
+              <a:t>era</a:t>
+            </a:r>
+            <a:r>
+              <a:rPr lang="en-US" dirty="0">
+                <a:hlinkClick r:id="rId3"/>
+              </a:rPr>
+              <a:t>.</a:t>
+            </a:r>
+            <a:r>
+              <a:rPr lang="en-US" b="1" dirty="0">
+                <a:hlinkClick r:id="rId3"/>
+              </a:rPr>
+              <a:t>nih</a:t>
+            </a:r>
+            <a:r>
+              <a:rPr lang="en-US" dirty="0">
+                <a:hlinkClick r:id="rId3"/>
+              </a:rPr>
+              <a:t>.gov</a:t>
+            </a:r>
+            <a:r>
+              <a:rPr lang="en-US" dirty="0" smtClean="0">
+                <a:hlinkClick r:id="rId3"/>
+              </a:rPr>
+              <a:t>/</a:t>
+            </a:r>
+            <a:r>
+              <a:rPr lang="en-US" dirty="0" smtClean="0"/>
               <a:t> </a:t>
             </a:r>
-            <a:r>
-              <a:rPr lang="en-US" sz="1200" i="1" dirty="0" smtClean="0"/>
-              <a:t>Provider</a:t>
-            </a:r>
-            <a:endParaRPr lang="en-US" sz="1200" i="1" dirty="0"/>
-          </a:p>
-        </p:txBody>
-      </p:sp>
-      <p:cxnSp>
-        <p:nvCxnSpPr>
-          <p:cNvPr id="54" name="Straight Connector 53"/>
-          <p:cNvCxnSpPr>
-            <a:stCxn id="8" idx="2"/>
-            <a:endCxn id="10" idx="0"/>
-          </p:cNvCxnSpPr>
-          <p:nvPr/>
-        </p:nvCxnSpPr>
-        <p:spPr>
-          <a:xfrm>
-            <a:off x="8058023" y="3853385"/>
-            <a:ext cx="0" cy="1270055"/>
-          </a:xfrm>
-          <a:prstGeom prst="line">
-            <a:avLst/>
-          </a:prstGeom>
-        </p:spPr>
-        <p:style>
-          <a:lnRef idx="2">
-            <a:schemeClr val="accent1"/>
-          </a:lnRef>
-          <a:fillRef idx="0">
-            <a:schemeClr val="accent1"/>
-          </a:fillRef>
-          <a:effectRef idx="1">
-            <a:schemeClr val="accent1"/>
-          </a:effectRef>
-          <a:fontRef idx="minor">
-            <a:schemeClr val="tx1"/>
-          </a:fontRef>
-        </p:style>
-      </p:cxnSp>
-      <p:cxnSp>
-        <p:nvCxnSpPr>
-          <p:cNvPr id="57" name="Straight Connector 56"/>
-          <p:cNvCxnSpPr>
-            <a:stCxn id="13" idx="2"/>
-            <a:endCxn id="14" idx="0"/>
-          </p:cNvCxnSpPr>
-          <p:nvPr/>
-        </p:nvCxnSpPr>
-        <p:spPr>
-          <a:xfrm>
-            <a:off x="5235142" y="3844626"/>
-            <a:ext cx="0" cy="543058"/>
-          </a:xfrm>
-          <a:prstGeom prst="line">
-            <a:avLst/>
-          </a:prstGeom>
-        </p:spPr>
-        <p:style>
-          <a:lnRef idx="2">
-            <a:schemeClr val="accent1"/>
-          </a:lnRef>
-          <a:fillRef idx="0">
-            <a:schemeClr val="accent1"/>
-          </a:fillRef>
-          <a:effectRef idx="1">
-            <a:schemeClr val="accent1"/>
-          </a:effectRef>
-          <a:fontRef idx="minor">
-            <a:schemeClr val="tx1"/>
-          </a:fontRef>
-        </p:style>
-      </p:cxnSp>
-      <p:cxnSp>
-        <p:nvCxnSpPr>
-          <p:cNvPr id="61" name="Elbow Connector 60"/>
-          <p:cNvCxnSpPr>
-            <a:stCxn id="23" idx="2"/>
-            <a:endCxn id="14" idx="1"/>
-          </p:cNvCxnSpPr>
-          <p:nvPr/>
-        </p:nvCxnSpPr>
-        <p:spPr>
-          <a:xfrm rot="16200000" flipH="1">
-            <a:off x="3191992" y="3785159"/>
-            <a:ext cx="166725" cy="1752527"/>
-          </a:xfrm>
-          <a:prstGeom prst="bentConnector2">
-            <a:avLst/>
-          </a:prstGeom>
-        </p:spPr>
-        <p:style>
-          <a:lnRef idx="2">
-            <a:schemeClr val="accent1"/>
-          </a:lnRef>
-          <a:fillRef idx="0">
-            <a:schemeClr val="accent1"/>
-          </a:fillRef>
-          <a:effectRef idx="1">
-            <a:schemeClr val="accent1"/>
-          </a:effectRef>
-          <a:fontRef idx="minor">
-            <a:schemeClr val="tx1"/>
-          </a:fontRef>
-        </p:style>
-      </p:cxnSp>
+            <a:endParaRPr lang="en-US" dirty="0"/>
+          </a:p>
+        </p:txBody>
+      </p:sp>
     </p:spTree>
     <p:extLst>
       <p:ext uri="{BB962C8B-B14F-4D97-AF65-F5344CB8AC3E}">
-        <p14:creationId xmlns:p14="http://schemas.microsoft.com/office/powerpoint/2010/main" val="4272234705"/>
+        <p14:creationId xmlns:p14="http://schemas.microsoft.com/office/powerpoint/2010/main" val="1699717980"/>
       </p:ext>
     </p:extLst>
   </p:cSld>
@@ -23977,8 +24084,8 @@
         </p:nvSpPr>
         <p:spPr>
           <a:xfrm>
-            <a:off x="457200" y="1424510"/>
-            <a:ext cx="8229600" cy="4460354"/>
+            <a:off x="457200" y="1600200"/>
+            <a:ext cx="8229600" cy="3697077"/>
           </a:xfrm>
         </p:spPr>
         <p:txBody>
@@ -23996,104 +24103,55 @@
             </a:pPr>
             <a:r>
               <a:rPr lang="en-US" dirty="0" smtClean="0"/>
-              <a:t>Technical Details</a:t>
-            </a:r>
-          </a:p>
-          <a:p>
-            <a:r>
-              <a:rPr lang="en-US" sz="2400" dirty="0" smtClean="0"/>
-              <a:t>Open source</a:t>
-            </a:r>
-          </a:p>
-          <a:p>
-            <a:pPr lvl="1"/>
-            <a:r>
-              <a:rPr lang="en-US" sz="1400" dirty="0" smtClean="0">
-                <a:hlinkClick r:id="rId2"/>
-              </a:rPr>
-              <a:t>http://github.com/NUBIC/nitro-competitions</a:t>
-            </a:r>
-            <a:r>
-              <a:rPr lang="en-US" sz="1400" dirty="0" smtClean="0"/>
-              <a:t> </a:t>
-            </a:r>
-          </a:p>
-          <a:p>
-            <a:r>
-              <a:rPr lang="en-US" sz="2400" dirty="0" smtClean="0"/>
-              <a:t>Configurable</a:t>
-            </a:r>
-          </a:p>
-          <a:p>
-            <a:pPr lvl="1"/>
-            <a:r>
-              <a:rPr lang="en-US" sz="1400" dirty="0">
-                <a:hlinkClick r:id="rId3"/>
-              </a:rPr>
-              <a:t>https://github.com/NUBIC/nitro-competitions/blob/master/config/initializers/</a:t>
-            </a:r>
-            <a:r>
-              <a:rPr lang="en-US" sz="1400" dirty="0" smtClean="0">
-                <a:hlinkClick r:id="rId3"/>
-              </a:rPr>
-              <a:t>nucats_assist.rb</a:t>
-            </a:r>
-            <a:r>
-              <a:rPr lang="en-US" sz="1400" dirty="0" smtClean="0"/>
-              <a:t> </a:t>
-            </a:r>
-          </a:p>
-          <a:p>
-            <a:r>
-              <a:rPr lang="en-US" sz="2400" dirty="0" smtClean="0"/>
-              <a:t>Ruby on Rails</a:t>
-            </a:r>
-          </a:p>
-          <a:p>
-            <a:pPr lvl="1"/>
-            <a:r>
-              <a:rPr lang="en-US" sz="1400" dirty="0" smtClean="0">
-                <a:hlinkClick r:id="rId4"/>
-              </a:rPr>
-              <a:t>http://rubyonrails.org</a:t>
-            </a:r>
-            <a:r>
-              <a:rPr lang="en-US" sz="1400" dirty="0" smtClean="0"/>
-              <a:t> </a:t>
-            </a:r>
-          </a:p>
-          <a:p>
-            <a:r>
-              <a:rPr lang="en-US" sz="2400" dirty="0" err="1" smtClean="0"/>
-              <a:t>PostgreSQL</a:t>
-            </a:r>
-            <a:endParaRPr lang="en-US" sz="2400" dirty="0"/>
-          </a:p>
-          <a:p>
-            <a:pPr lvl="1"/>
-            <a:r>
-              <a:rPr lang="en-US" sz="1400" dirty="0">
-                <a:hlinkClick r:id="rId5"/>
-              </a:rPr>
-              <a:t>http://www.postgresql.org</a:t>
-            </a:r>
-            <a:r>
-              <a:rPr lang="en-US" sz="1400" dirty="0" smtClean="0">
-                <a:hlinkClick r:id="rId5"/>
-              </a:rPr>
-              <a:t>/</a:t>
-            </a:r>
-            <a:r>
-              <a:rPr lang="en-US" sz="1400" dirty="0" smtClean="0"/>
-              <a:t> </a:t>
-            </a:r>
-            <a:endParaRPr lang="en-US" sz="1400" dirty="0"/>
-          </a:p>
-          <a:p>
-            <a:pPr marL="457200" lvl="1" indent="0">
+              <a:t>Usage at NU</a:t>
+            </a:r>
+          </a:p>
+          <a:p>
+            <a:pPr marL="0" indent="0" algn="ctr">
               <a:buNone/>
             </a:pPr>
-            <a:endParaRPr lang="en-US" sz="2000" dirty="0" smtClean="0"/>
+            <a:endParaRPr lang="en-US" sz="1800" dirty="0" smtClean="0"/>
+          </a:p>
+          <a:p>
+            <a:r>
+              <a:rPr lang="en-US" sz="1800" dirty="0" smtClean="0"/>
+              <a:t>02 Nov 2009 - Date of first production competition</a:t>
+            </a:r>
+          </a:p>
+          <a:p>
+            <a:endParaRPr lang="en-US" sz="1800" dirty="0" smtClean="0"/>
+          </a:p>
+          <a:p>
+            <a:r>
+              <a:rPr lang="en-US" sz="1800" dirty="0" smtClean="0"/>
+              <a:t>19 Sponsors</a:t>
+            </a:r>
+          </a:p>
+          <a:p>
+            <a:r>
+              <a:rPr lang="en-US" sz="1800" dirty="0" smtClean="0"/>
+              <a:t>67 Competitions (many of them rolling)</a:t>
+            </a:r>
+            <a:endParaRPr lang="en-US" sz="1800" dirty="0"/>
+          </a:p>
+          <a:p>
+            <a:r>
+              <a:rPr lang="en-US" sz="1800" dirty="0" smtClean="0"/>
+              <a:t>1016 Applications</a:t>
+            </a:r>
+            <a:endParaRPr lang="en-US" sz="1800" dirty="0"/>
+          </a:p>
+          <a:p>
+            <a:r>
+              <a:rPr lang="en-US" sz="1800" dirty="0" smtClean="0"/>
+              <a:t>1757 Reviews</a:t>
+            </a:r>
+          </a:p>
+          <a:p>
+            <a:pPr marL="0" indent="0">
+              <a:buNone/>
+            </a:pPr>
+            <a:endParaRPr lang="en-US" sz="1800" dirty="0" smtClean="0"/>
           </a:p>
         </p:txBody>
       </p:sp>
@@ -24106,7 +24164,7 @@
           <p:nvPr/>
         </p:nvPicPr>
         <p:blipFill>
-          <a:blip r:embed="rId6">
+          <a:blip r:embed="rId2">
             <a:extLst>
               <a:ext uri="{28A0092B-C50C-407E-A947-70E740481C1C}">
                 <a14:useLocalDpi xmlns:a14="http://schemas.microsoft.com/office/drawing/2010/main" val="0"/>
@@ -24127,10 +24185,62 @@
           </a:prstGeom>
         </p:spPr>
       </p:pic>
+      <p:sp>
+        <p:nvSpPr>
+          <p:cNvPr id="3" name="TextBox 2"/>
+          <p:cNvSpPr txBox="1"/>
+          <p:nvPr/>
+        </p:nvSpPr>
+        <p:spPr>
+          <a:xfrm>
+            <a:off x="4680035" y="4021322"/>
+            <a:ext cx="184666" cy="369332"/>
+          </a:xfrm>
+          <a:prstGeom prst="rect">
+            <a:avLst/>
+          </a:prstGeom>
+          <a:noFill/>
+        </p:spPr>
+        <p:txBody>
+          <a:bodyPr wrap="none" rtlCol="0">
+            <a:spAutoFit/>
+          </a:bodyPr>
+          <a:lstStyle/>
+          <a:p>
+            <a:endParaRPr lang="en-US" dirty="0"/>
+          </a:p>
+        </p:txBody>
+      </p:sp>
+      <p:sp>
+        <p:nvSpPr>
+          <p:cNvPr id="5" name="TextBox 4"/>
+          <p:cNvSpPr txBox="1"/>
+          <p:nvPr/>
+        </p:nvSpPr>
+        <p:spPr>
+          <a:xfrm>
+            <a:off x="944254" y="5297278"/>
+            <a:ext cx="184666" cy="369332"/>
+          </a:xfrm>
+          <a:prstGeom prst="rect">
+            <a:avLst/>
+          </a:prstGeom>
+          <a:noFill/>
+        </p:spPr>
+        <p:txBody>
+          <a:bodyPr wrap="none" rtlCol="0">
+            <a:spAutoFit/>
+          </a:bodyPr>
+          <a:lstStyle/>
+          <a:p>
+            <a:endParaRPr lang="en-US" dirty="0"/>
+          </a:p>
+        </p:txBody>
+      </p:sp>
     </p:spTree>
     <p:extLst>
       <p:ext uri="{BB962C8B-B14F-4D97-AF65-F5344CB8AC3E}">
-        <p14:creationId xmlns:p14="http://schemas.microsoft.com/office/powerpoint/2010/main" val="744301602"/>
+        <p14:creationId xmlns:p14="http://schemas.microsoft.com/office/powerpoint/2010/main" val="3871958199"/>
       </p:ext>
     </p:extLst>
   </p:cSld>
